--- a/_SLIDES/DEEL1/H3/6_math.pptx
+++ b/_SLIDES/DEEL1/H3/6_math.pptx
@@ -2,7 +2,7 @@
 <file path=ppt/presentation.xml><?xml version="1.0" encoding="utf-8"?>
 <p:presentation xmlns:a="http://schemas.openxmlformats.org/drawingml/2006/main" xmlns:r="http://schemas.openxmlformats.org/officeDocument/2006/relationships" xmlns:p="http://schemas.openxmlformats.org/presentationml/2006/main" embedTrueTypeFonts="1" saveSubsetFonts="1">
   <p:sldMasterIdLst>
-    <p:sldMasterId id="2147483672" r:id="rId1"/>
+    <p:sldMasterId id="2147483684" r:id="rId1"/>
   </p:sldMasterIdLst>
   <p:notesMasterIdLst>
     <p:notesMasterId r:id="rId19"/>
@@ -11,7 +11,7 @@
     <p:handoutMasterId r:id="rId20"/>
   </p:handoutMasterIdLst>
   <p:sldIdLst>
-    <p:sldId id="281" r:id="rId2"/>
+    <p:sldId id="293" r:id="rId2"/>
     <p:sldId id="276" r:id="rId3"/>
     <p:sldId id="264" r:id="rId4"/>
     <p:sldId id="289" r:id="rId5"/>
@@ -33,23 +33,29 @@
   <p:notesSz cx="7099300" cy="10234613"/>
   <p:embeddedFontLst>
     <p:embeddedFont>
-      <p:font typeface="Calibri" panose="020F0502020204030204" pitchFamily="34" charset="0"/>
+      <p:font typeface="Archivo Narrow" panose="020B0506020202020B04" pitchFamily="34" charset="0"/>
       <p:regular r:id="rId21"/>
       <p:bold r:id="rId22"/>
       <p:italic r:id="rId23"/>
-      <p:boldItalic r:id="rId24"/>
     </p:embeddedFont>
     <p:embeddedFont>
-      <p:font typeface="Calibri Light" panose="020F0302020204030204" pitchFamily="34" charset="0"/>
-      <p:regular r:id="rId25"/>
-      <p:italic r:id="rId26"/>
+      <p:font typeface="Blogger Sans" panose="02000506030000020004" pitchFamily="50" charset="0"/>
+      <p:regular r:id="rId24"/>
+      <p:bold r:id="rId25"/>
+    </p:embeddedFont>
+    <p:embeddedFont>
+      <p:font typeface="Calibri" panose="020F0502020204030204" pitchFamily="34" charset="0"/>
+      <p:regular r:id="rId26"/>
+      <p:bold r:id="rId27"/>
+      <p:italic r:id="rId28"/>
+      <p:boldItalic r:id="rId29"/>
     </p:embeddedFont>
     <p:embeddedFont>
       <p:font typeface="Consolas" panose="020B0609020204030204" pitchFamily="49" charset="0"/>
-      <p:regular r:id="rId27"/>
-      <p:bold r:id="rId28"/>
-      <p:italic r:id="rId29"/>
-      <p:boldItalic r:id="rId30"/>
+      <p:regular r:id="rId30"/>
+      <p:bold r:id="rId31"/>
+      <p:italic r:id="rId32"/>
+      <p:boldItalic r:id="rId33"/>
     </p:embeddedFont>
   </p:embeddedFontLst>
   <p:defaultTextStyle>
@@ -1641,7 +1647,7 @@
         </a:bodyPr>
         <a:lstStyle/>
         <a:p>
-          <a:pPr marL="0" lvl="0" indent="0" algn="l" defTabSz="711200">
+          <a:pPr marL="0" lvl="0" indent="0" algn="l" defTabSz="755650">
             <a:lnSpc>
               <a:spcPct val="90000"/>
             </a:lnSpc>
@@ -1654,13 +1660,13 @@
             <a:buNone/>
           </a:pPr>
           <a:r>
-            <a:rPr lang="nl-BE" sz="1600" kern="1200"/>
+            <a:rPr lang="nl-BE" sz="1700" kern="1200"/>
             <a:t>Convert.ToInt32(value)</a:t>
           </a:r>
-          <a:endParaRPr lang="en-US" sz="1600" kern="1200"/>
+          <a:endParaRPr lang="en-US" sz="1700" kern="1200"/>
         </a:p>
         <a:p>
-          <a:pPr marL="114300" lvl="1" indent="-114300" algn="l" defTabSz="533400">
+          <a:pPr marL="114300" lvl="1" indent="-114300" algn="l" defTabSz="577850">
             <a:lnSpc>
               <a:spcPct val="90000"/>
             </a:lnSpc>
@@ -1673,18 +1679,18 @@
             <a:buChar char="•"/>
           </a:pPr>
           <a:r>
-            <a:rPr lang="nl-BE" sz="1200" kern="1200"/>
+            <a:rPr lang="nl-BE" sz="1300" kern="1200"/>
             <a:t>Omzetten naar int door </a:t>
           </a:r>
           <a:r>
-            <a:rPr lang="nl-BE" sz="1200" i="1" kern="1200"/>
+            <a:rPr lang="nl-BE" sz="1300" i="1" kern="1200"/>
             <a:t>afronding</a:t>
           </a:r>
           <a:r>
-            <a:rPr lang="nl-BE" sz="1200" kern="1200"/>
+            <a:rPr lang="nl-BE" sz="1300" kern="1200"/>
             <a:t>!</a:t>
           </a:r>
-          <a:endParaRPr lang="en-US" sz="1200" kern="1200"/>
+          <a:endParaRPr lang="en-US" sz="1300" kern="1200"/>
         </a:p>
       </dsp:txBody>
       <dsp:txXfrm>
@@ -1877,7 +1883,7 @@
         </a:bodyPr>
         <a:lstStyle/>
         <a:p>
-          <a:pPr marL="0" lvl="0" indent="0" algn="l" defTabSz="711200">
+          <a:pPr marL="0" lvl="0" indent="0" algn="l" defTabSz="755650">
             <a:lnSpc>
               <a:spcPct val="90000"/>
             </a:lnSpc>
@@ -1890,13 +1896,13 @@
             <a:buNone/>
           </a:pPr>
           <a:r>
-            <a:rPr lang="nl-BE" sz="1600" kern="1200"/>
+            <a:rPr lang="nl-BE" sz="1700" kern="1200"/>
             <a:t>int x = (int)value; // cast</a:t>
           </a:r>
-          <a:endParaRPr lang="en-US" sz="1600" kern="1200"/>
+          <a:endParaRPr lang="en-US" sz="1700" kern="1200"/>
         </a:p>
         <a:p>
-          <a:pPr marL="114300" lvl="1" indent="-114300" algn="l" defTabSz="533400">
+          <a:pPr marL="114300" lvl="1" indent="-114300" algn="l" defTabSz="577850">
             <a:lnSpc>
               <a:spcPct val="90000"/>
             </a:lnSpc>
@@ -1909,18 +1915,18 @@
             <a:buChar char="•"/>
           </a:pPr>
           <a:r>
-            <a:rPr lang="nl-BE" sz="1200" kern="1200"/>
+            <a:rPr lang="nl-BE" sz="1300" kern="1200"/>
             <a:t>Omzetten naar int door </a:t>
           </a:r>
           <a:r>
-            <a:rPr lang="nl-BE" sz="1200" i="1" kern="1200"/>
+            <a:rPr lang="nl-BE" sz="1300" i="1" kern="1200"/>
             <a:t>afkappen</a:t>
           </a:r>
           <a:r>
-            <a:rPr lang="nl-BE" sz="1200" kern="1200"/>
+            <a:rPr lang="nl-BE" sz="1300" kern="1200"/>
             <a:t>!</a:t>
           </a:r>
-          <a:endParaRPr lang="en-US" sz="1200" kern="1200"/>
+          <a:endParaRPr lang="en-US" sz="1300" kern="1200"/>
         </a:p>
       </dsp:txBody>
       <dsp:txXfrm>
@@ -2113,7 +2119,7 @@
         </a:bodyPr>
         <a:lstStyle/>
         <a:p>
-          <a:pPr marL="0" lvl="0" indent="0" algn="l" defTabSz="711200">
+          <a:pPr marL="0" lvl="0" indent="0" algn="l" defTabSz="755650">
             <a:lnSpc>
               <a:spcPct val="90000"/>
             </a:lnSpc>
@@ -2126,13 +2132,13 @@
             <a:buNone/>
           </a:pPr>
           <a:r>
-            <a:rPr lang="nl-BE" sz="1600" kern="1200"/>
+            <a:rPr lang="nl-BE" sz="1700" kern="1200"/>
             <a:t>Math.Round(value)</a:t>
           </a:r>
-          <a:endParaRPr lang="en-US" sz="1600" kern="1200"/>
+          <a:endParaRPr lang="en-US" sz="1700" kern="1200"/>
         </a:p>
         <a:p>
-          <a:pPr marL="114300" lvl="1" indent="-114300" algn="l" defTabSz="533400">
+          <a:pPr marL="114300" lvl="1" indent="-114300" algn="l" defTabSz="577850">
             <a:lnSpc>
               <a:spcPct val="90000"/>
             </a:lnSpc>
@@ -2145,13 +2151,13 @@
             <a:buChar char="•"/>
           </a:pPr>
           <a:r>
-            <a:rPr lang="nl-BE" sz="1200" kern="1200"/>
+            <a:rPr lang="nl-BE" sz="1300" kern="1200"/>
             <a:t>Afronden naar dichtstbijzijnde geheel getal</a:t>
           </a:r>
-          <a:endParaRPr lang="en-US" sz="1200" kern="1200"/>
+          <a:endParaRPr lang="en-US" sz="1300" kern="1200"/>
         </a:p>
         <a:p>
-          <a:pPr marL="114300" lvl="1" indent="-114300" algn="l" defTabSz="533400">
+          <a:pPr marL="114300" lvl="1" indent="-114300" algn="l" defTabSz="577850">
             <a:lnSpc>
               <a:spcPct val="90000"/>
             </a:lnSpc>
@@ -2164,13 +2170,13 @@
             <a:buChar char="•"/>
           </a:pPr>
           <a:r>
-            <a:rPr lang="nl-BE" sz="1200" kern="1200" dirty="0"/>
+            <a:rPr lang="nl-BE" sz="1300" kern="1200" dirty="0"/>
             <a:t>Idem Convert.ToInt32</a:t>
           </a:r>
-          <a:endParaRPr lang="en-US" sz="1200" kern="1200" dirty="0"/>
+          <a:endParaRPr lang="en-US" sz="1300" kern="1200" dirty="0"/>
         </a:p>
         <a:p>
-          <a:pPr marL="114300" lvl="1" indent="-114300" algn="l" defTabSz="533400">
+          <a:pPr marL="114300" lvl="1" indent="-114300" algn="l" defTabSz="577850">
             <a:lnSpc>
               <a:spcPct val="90000"/>
             </a:lnSpc>
@@ -2183,19 +2189,19 @@
             <a:buChar char="•"/>
           </a:pPr>
           <a:r>
-            <a:rPr lang="en-US" sz="1200" kern="1200" dirty="0" err="1"/>
+            <a:rPr lang="en-US" sz="1300" kern="1200" dirty="0" err="1"/>
             <a:t>Opletten</a:t>
           </a:r>
           <a:r>
-            <a:rPr lang="en-US" sz="1200" kern="1200" dirty="0"/>
+            <a:rPr lang="en-US" sz="1300" kern="1200" dirty="0"/>
             <a:t> </a:t>
           </a:r>
           <a:r>
-            <a:rPr lang="en-US" sz="1200" kern="1200" dirty="0" err="1"/>
+            <a:rPr lang="en-US" sz="1300" kern="1200" dirty="0" err="1"/>
             <a:t>voor</a:t>
           </a:r>
           <a:r>
-            <a:rPr lang="en-US" sz="1200" kern="1200" dirty="0"/>
+            <a:rPr lang="en-US" sz="1300" kern="1200" dirty="0"/>
             <a:t> Banker’s rounding</a:t>
           </a:r>
         </a:p>
@@ -2390,7 +2396,7 @@
         </a:bodyPr>
         <a:lstStyle/>
         <a:p>
-          <a:pPr marL="0" lvl="0" indent="0" algn="l" defTabSz="711200">
+          <a:pPr marL="0" lvl="0" indent="0" algn="l" defTabSz="755650">
             <a:lnSpc>
               <a:spcPct val="90000"/>
             </a:lnSpc>
@@ -2403,13 +2409,13 @@
             <a:buNone/>
           </a:pPr>
           <a:r>
-            <a:rPr lang="nl-BE" sz="1600" kern="1200"/>
+            <a:rPr lang="nl-BE" sz="1700" kern="1200"/>
             <a:t>Convert.ToDouble(value)</a:t>
           </a:r>
-          <a:endParaRPr lang="en-US" sz="1600" kern="1200"/>
+          <a:endParaRPr lang="en-US" sz="1700" kern="1200"/>
         </a:p>
         <a:p>
-          <a:pPr marL="114300" lvl="1" indent="-114300" algn="l" defTabSz="533400">
+          <a:pPr marL="114300" lvl="1" indent="-114300" algn="l" defTabSz="577850">
             <a:lnSpc>
               <a:spcPct val="90000"/>
             </a:lnSpc>
@@ -2422,10 +2428,10 @@
             <a:buChar char="•"/>
           </a:pPr>
           <a:r>
-            <a:rPr lang="nl-BE" sz="1200" kern="1200"/>
+            <a:rPr lang="nl-BE" sz="1300" kern="1200"/>
             <a:t>Omzetten naar double</a:t>
           </a:r>
-          <a:endParaRPr lang="en-US" sz="1200" kern="1200"/>
+          <a:endParaRPr lang="en-US" sz="1300" kern="1200"/>
         </a:p>
       </dsp:txBody>
       <dsp:txXfrm>
@@ -3958,7 +3964,7 @@
           <a:p>
             <a:fld id="{85EE1F57-E73E-475C-872F-886F27274373}" type="datetimeFigureOut">
               <a:rPr lang="nl-BE" smtClean="0"/>
-              <a:t>7/10/2019</a:t>
+              <a:t>13/09/2020</a:t>
             </a:fld>
             <a:endParaRPr lang="nl-BE"/>
           </a:p>
@@ -4123,7 +4129,7 @@
           <a:p>
             <a:fld id="{E0BBF532-A5DD-4E27-82A5-D972027CDA5D}" type="datetimeFigureOut">
               <a:rPr lang="nl-BE" smtClean="0"/>
-              <a:t>7/10/2019</a:t>
+              <a:t>13/09/2020</a:t>
             </a:fld>
             <a:endParaRPr lang="nl-BE"/>
           </a:p>
@@ -4410,10 +4416,116 @@
       </p:grpSpPr>
       <p:sp>
         <p:nvSpPr>
+          <p:cNvPr id="9" name="Rechthoek 8">
+            <a:extLst>
+              <a:ext uri="{FF2B5EF4-FFF2-40B4-BE49-F238E27FC236}">
+                <a16:creationId xmlns:a16="http://schemas.microsoft.com/office/drawing/2014/main" id="{BB4E0A59-AC5E-4BF7-A172-03B9126A3D3F}"/>
+              </a:ext>
+            </a:extLst>
+          </p:cNvPr>
+          <p:cNvSpPr/>
+          <p:nvPr/>
+        </p:nvSpPr>
+        <p:spPr>
+          <a:xfrm>
+            <a:off x="-66503" y="-55562"/>
+            <a:ext cx="12518967" cy="3657600"/>
+          </a:xfrm>
+          <a:prstGeom prst="rect">
+            <a:avLst/>
+          </a:prstGeom>
+          <a:solidFill>
+            <a:srgbClr val="FF0000"/>
+          </a:solidFill>
+          <a:ln>
+            <a:noFill/>
+          </a:ln>
+        </p:spPr>
+        <p:style>
+          <a:lnRef idx="2">
+            <a:schemeClr val="accent1">
+              <a:shade val="50000"/>
+            </a:schemeClr>
+          </a:lnRef>
+          <a:fillRef idx="1">
+            <a:schemeClr val="accent1"/>
+          </a:fillRef>
+          <a:effectRef idx="0">
+            <a:schemeClr val="accent1"/>
+          </a:effectRef>
+          <a:fontRef idx="minor">
+            <a:schemeClr val="lt1"/>
+          </a:fontRef>
+        </p:style>
+        <p:txBody>
+          <a:bodyPr rtlCol="0" anchor="ctr"/>
+          <a:lstStyle/>
+          <a:p>
+            <a:pPr algn="ctr"/>
+            <a:endParaRPr lang="nl-BE"/>
+          </a:p>
+        </p:txBody>
+      </p:sp>
+      <p:sp>
+        <p:nvSpPr>
+          <p:cNvPr id="7" name="Rechthoek 6">
+            <a:extLst>
+              <a:ext uri="{FF2B5EF4-FFF2-40B4-BE49-F238E27FC236}">
+                <a16:creationId xmlns:a16="http://schemas.microsoft.com/office/drawing/2014/main" id="{E81773F8-747F-4DB8-869A-30EE55502AF6}"/>
+              </a:ext>
+            </a:extLst>
+          </p:cNvPr>
+          <p:cNvSpPr/>
+          <p:nvPr/>
+        </p:nvSpPr>
+        <p:spPr>
+          <a:xfrm>
+            <a:off x="-66502" y="3602038"/>
+            <a:ext cx="12518967" cy="3255962"/>
+          </a:xfrm>
+          <a:prstGeom prst="rect">
+            <a:avLst/>
+          </a:prstGeom>
+          <a:solidFill>
+            <a:schemeClr val="bg2">
+              <a:lumMod val="90000"/>
+            </a:schemeClr>
+          </a:solidFill>
+          <a:ln>
+            <a:noFill/>
+          </a:ln>
+        </p:spPr>
+        <p:style>
+          <a:lnRef idx="2">
+            <a:schemeClr val="accent1">
+              <a:shade val="50000"/>
+            </a:schemeClr>
+          </a:lnRef>
+          <a:fillRef idx="1">
+            <a:schemeClr val="accent1"/>
+          </a:fillRef>
+          <a:effectRef idx="0">
+            <a:schemeClr val="accent1"/>
+          </a:effectRef>
+          <a:fontRef idx="minor">
+            <a:schemeClr val="lt1"/>
+          </a:fontRef>
+        </p:style>
+        <p:txBody>
+          <a:bodyPr rtlCol="0" anchor="ctr"/>
+          <a:lstStyle/>
+          <a:p>
+            <a:pPr algn="ctr"/>
+            <a:endParaRPr lang="nl-BE"/>
+          </a:p>
+        </p:txBody>
+      </p:sp>
+      <p:sp>
+        <p:nvSpPr>
           <p:cNvPr id="2" name="Titel 1">
             <a:extLst>
               <a:ext uri="{FF2B5EF4-FFF2-40B4-BE49-F238E27FC236}">
-                <a16:creationId xmlns:a16="http://schemas.microsoft.com/office/drawing/2014/main" id="{892BA4A1-4567-4FD7-B183-077264A45FF1}"/>
+                <a16:creationId xmlns:a16="http://schemas.microsoft.com/office/drawing/2014/main" id="{E6780E7B-6347-428E-9965-E1E54D7784C9}"/>
               </a:ext>
             </a:extLst>
           </p:cNvPr>
@@ -4426,7 +4538,7 @@
         </p:nvSpPr>
         <p:spPr>
           <a:xfrm>
-            <a:off x="1524000" y="1122363"/>
+            <a:off x="1524000" y="136525"/>
             <a:ext cx="9144000" cy="2387600"/>
           </a:xfrm>
         </p:spPr>
@@ -4442,7 +4554,7 @@
               <a:rPr lang="nl-NL"/>
               <a:t>Klik om stijl te bewerken</a:t>
             </a:r>
-            <a:endParaRPr lang="nl-BE"/>
+            <a:endParaRPr lang="nl-BE" dirty="0"/>
           </a:p>
         </p:txBody>
       </p:sp>
@@ -4451,7 +4563,7 @@
           <p:cNvPr id="3" name="Ondertitel 2">
             <a:extLst>
               <a:ext uri="{FF2B5EF4-FFF2-40B4-BE49-F238E27FC236}">
-                <a16:creationId xmlns:a16="http://schemas.microsoft.com/office/drawing/2014/main" id="{8DEADD82-5479-42E5-A677-18A9A883470C}"/>
+                <a16:creationId xmlns:a16="http://schemas.microsoft.com/office/drawing/2014/main" id="{F4AD66E2-DACF-4235-AD2C-BAA9DFEF482A}"/>
               </a:ext>
             </a:extLst>
           </p:cNvPr>
@@ -4522,7 +4634,7 @@
           <p:cNvPr id="4" name="Tijdelijke aanduiding voor datum 3">
             <a:extLst>
               <a:ext uri="{FF2B5EF4-FFF2-40B4-BE49-F238E27FC236}">
-                <a16:creationId xmlns:a16="http://schemas.microsoft.com/office/drawing/2014/main" id="{5FBFEBFF-56A6-40EF-B3F0-6D5A2D299692}"/>
+                <a16:creationId xmlns:a16="http://schemas.microsoft.com/office/drawing/2014/main" id="{73F6A1CD-5EA8-4193-B23C-9717C769AC7E}"/>
               </a:ext>
             </a:extLst>
           </p:cNvPr>
@@ -4540,9 +4652,37 @@
           <a:p>
             <a:fld id="{BCCA6142-F57B-48C8-97F4-E016AC358AB9}" type="datetime1">
               <a:rPr lang="nl-BE" smtClean="0"/>
-              <a:t>7/10/2019</a:t>
+              <a:t>13/09/2020</a:t>
             </a:fld>
             <a:endParaRPr lang="nl-BE" dirty="0"/>
+          </a:p>
+        </p:txBody>
+      </p:sp>
+      <p:sp>
+        <p:nvSpPr>
+          <p:cNvPr id="5" name="Tijdelijke aanduiding voor voettekst 4">
+            <a:extLst>
+              <a:ext uri="{FF2B5EF4-FFF2-40B4-BE49-F238E27FC236}">
+                <a16:creationId xmlns:a16="http://schemas.microsoft.com/office/drawing/2014/main" id="{1741BD09-7970-442C-A1A1-B86377CB726F}"/>
+              </a:ext>
+            </a:extLst>
+          </p:cNvPr>
+          <p:cNvSpPr>
+            <a:spLocks noGrp="1"/>
+          </p:cNvSpPr>
+          <p:nvPr>
+            <p:ph type="ftr" sz="quarter" idx="11"/>
+          </p:nvPr>
+        </p:nvSpPr>
+        <p:spPr/>
+        <p:txBody>
+          <a:bodyPr/>
+          <a:lstStyle/>
+          <a:p>
+            <a:r>
+              <a:rPr lang="nl-BE"/>
+              <a:t>Zie Scherp</a:t>
+            </a:r>
           </a:p>
         </p:txBody>
       </p:sp>
@@ -4551,7 +4691,7 @@
           <p:cNvPr id="6" name="Tijdelijke aanduiding voor dianummer 5">
             <a:extLst>
               <a:ext uri="{FF2B5EF4-FFF2-40B4-BE49-F238E27FC236}">
-                <a16:creationId xmlns:a16="http://schemas.microsoft.com/office/drawing/2014/main" id="{CDC7672E-E6E6-4028-A327-593FA1E41D0B}"/>
+                <a16:creationId xmlns:a16="http://schemas.microsoft.com/office/drawing/2014/main" id="{C8B1A799-4AA9-4556-A585-E1DA334605A5}"/>
               </a:ext>
             </a:extLst>
           </p:cNvPr>
@@ -4575,10 +4715,103 @@
           </a:p>
         </p:txBody>
       </p:sp>
+      <p:pic>
+        <p:nvPicPr>
+          <p:cNvPr id="11" name="Picture 2" descr="Huisstijl | AP Hogeschool">
+            <a:extLst>
+              <a:ext uri="{FF2B5EF4-FFF2-40B4-BE49-F238E27FC236}">
+                <a16:creationId xmlns:a16="http://schemas.microsoft.com/office/drawing/2014/main" id="{7BDC3559-A25B-405A-914F-BA7F85567BFE}"/>
+              </a:ext>
+            </a:extLst>
+          </p:cNvPr>
+          <p:cNvPicPr>
+            <a:picLocks noChangeAspect="1" noChangeArrowheads="1"/>
+          </p:cNvPicPr>
+          <p:nvPr/>
+        </p:nvPicPr>
+        <p:blipFill>
+          <a:blip r:embed="rId2" cstate="print">
+            <a:clrChange>
+              <a:clrFrom>
+                <a:srgbClr val="FFFFFF"/>
+              </a:clrFrom>
+              <a:clrTo>
+                <a:srgbClr val="FFFFFF">
+                  <a:alpha val="0"/>
+                </a:srgbClr>
+              </a:clrTo>
+            </a:clrChange>
+            <a:extLst>
+              <a:ext uri="{28A0092B-C50C-407E-A947-70E740481C1C}">
+                <a14:useLocalDpi xmlns:a14="http://schemas.microsoft.com/office/drawing/2010/main" val="0"/>
+              </a:ext>
+            </a:extLst>
+          </a:blip>
+          <a:srcRect/>
+          <a:stretch>
+            <a:fillRect/>
+          </a:stretch>
+        </p:blipFill>
+        <p:spPr bwMode="auto">
+          <a:xfrm>
+            <a:off x="193741" y="6378084"/>
+            <a:ext cx="513792" cy="285699"/>
+          </a:xfrm>
+          <a:prstGeom prst="rect">
+            <a:avLst/>
+          </a:prstGeom>
+          <a:noFill/>
+          <a:extLst>
+            <a:ext uri="{909E8E84-426E-40DD-AFC4-6F175D3DCCD1}">
+              <a14:hiddenFill xmlns:a14="http://schemas.microsoft.com/office/drawing/2010/main">
+                <a:solidFill>
+                  <a:srgbClr val="FFFFFF"/>
+                </a:solidFill>
+              </a14:hiddenFill>
+            </a:ext>
+          </a:extLst>
+        </p:spPr>
+      </p:pic>
+      <p:pic>
+        <p:nvPicPr>
+          <p:cNvPr id="13" name="Afbeelding 12">
+            <a:extLst>
+              <a:ext uri="{FF2B5EF4-FFF2-40B4-BE49-F238E27FC236}">
+                <a16:creationId xmlns:a16="http://schemas.microsoft.com/office/drawing/2014/main" id="{011958E0-A483-4667-85CC-ADE850A08F03}"/>
+              </a:ext>
+            </a:extLst>
+          </p:cNvPr>
+          <p:cNvPicPr>
+            <a:picLocks noChangeAspect="1"/>
+          </p:cNvPicPr>
+          <p:nvPr/>
+        </p:nvPicPr>
+        <p:blipFill>
+          <a:blip r:embed="rId3" cstate="print">
+            <a:extLst>
+              <a:ext uri="{28A0092B-C50C-407E-A947-70E740481C1C}">
+                <a14:useLocalDpi xmlns:a14="http://schemas.microsoft.com/office/drawing/2010/main" val="0"/>
+              </a:ext>
+            </a:extLst>
+          </a:blip>
+          <a:stretch>
+            <a:fillRect/>
+          </a:stretch>
+        </p:blipFill>
+        <p:spPr>
+          <a:xfrm>
+            <a:off x="5385367" y="4638922"/>
+            <a:ext cx="1421265" cy="1418977"/>
+          </a:xfrm>
+          <a:prstGeom prst="rect">
+            <a:avLst/>
+          </a:prstGeom>
+        </p:spPr>
+      </p:pic>
     </p:spTree>
     <p:extLst>
       <p:ext uri="{BB962C8B-B14F-4D97-AF65-F5344CB8AC3E}">
-        <p14:creationId xmlns:p14="http://schemas.microsoft.com/office/powerpoint/2010/main" val="2792484526"/>
+        <p14:creationId xmlns:p14="http://schemas.microsoft.com/office/powerpoint/2010/main" val="2392511274"/>
       </p:ext>
     </p:extLst>
   </p:cSld>
@@ -4610,7 +4843,7 @@
           <p:cNvPr id="2" name="Titel 1">
             <a:extLst>
               <a:ext uri="{FF2B5EF4-FFF2-40B4-BE49-F238E27FC236}">
-                <a16:creationId xmlns:a16="http://schemas.microsoft.com/office/drawing/2014/main" id="{4072B5DD-586A-4E93-A004-E3858C4CA5DD}"/>
+                <a16:creationId xmlns:a16="http://schemas.microsoft.com/office/drawing/2014/main" id="{EFCA75D8-30CC-4149-B0EE-6C11B19BA0B4}"/>
               </a:ext>
             </a:extLst>
           </p:cNvPr>
@@ -4639,7 +4872,7 @@
           <p:cNvPr id="3" name="Tijdelijke aanduiding voor verticale tekst 2">
             <a:extLst>
               <a:ext uri="{FF2B5EF4-FFF2-40B4-BE49-F238E27FC236}">
-                <a16:creationId xmlns:a16="http://schemas.microsoft.com/office/drawing/2014/main" id="{7C9B1257-83E6-4DF0-9B7A-1106E672092F}"/>
+                <a16:creationId xmlns:a16="http://schemas.microsoft.com/office/drawing/2014/main" id="{EA66E83B-B9D4-47F4-9EBF-0A4626AECAFE}"/>
               </a:ext>
             </a:extLst>
           </p:cNvPr>
@@ -4658,7 +4891,7 @@
             <a:pPr lvl="0"/>
             <a:r>
               <a:rPr lang="nl-NL"/>
-              <a:t>Tekststijl van het model bewerken</a:t>
+              <a:t>Klikken om de tekststijl van het model te bewerken</a:t>
             </a:r>
           </a:p>
           <a:p>
@@ -4697,7 +4930,7 @@
           <p:cNvPr id="4" name="Tijdelijke aanduiding voor datum 3">
             <a:extLst>
               <a:ext uri="{FF2B5EF4-FFF2-40B4-BE49-F238E27FC236}">
-                <a16:creationId xmlns:a16="http://schemas.microsoft.com/office/drawing/2014/main" id="{8D4248C6-85B9-4634-ABE3-0D67960309BE}"/>
+                <a16:creationId xmlns:a16="http://schemas.microsoft.com/office/drawing/2014/main" id="{83BA7F98-DF99-4920-8C1F-D468B384FAC1}"/>
               </a:ext>
             </a:extLst>
           </p:cNvPr>
@@ -4715,9 +4948,37 @@
           <a:p>
             <a:fld id="{5FB9A890-CB95-4A02-8EA4-7544B08DB4E2}" type="datetime1">
               <a:rPr lang="nl-BE" smtClean="0"/>
-              <a:t>7/10/2019</a:t>
+              <a:t>13/09/2020</a:t>
             </a:fld>
             <a:endParaRPr lang="nl-BE"/>
+          </a:p>
+        </p:txBody>
+      </p:sp>
+      <p:sp>
+        <p:nvSpPr>
+          <p:cNvPr id="5" name="Tijdelijke aanduiding voor voettekst 4">
+            <a:extLst>
+              <a:ext uri="{FF2B5EF4-FFF2-40B4-BE49-F238E27FC236}">
+                <a16:creationId xmlns:a16="http://schemas.microsoft.com/office/drawing/2014/main" id="{7F88D253-8A58-4125-A227-13E738D48AE1}"/>
+              </a:ext>
+            </a:extLst>
+          </p:cNvPr>
+          <p:cNvSpPr>
+            <a:spLocks noGrp="1"/>
+          </p:cNvSpPr>
+          <p:nvPr>
+            <p:ph type="ftr" sz="quarter" idx="11"/>
+          </p:nvPr>
+        </p:nvSpPr>
+        <p:spPr/>
+        <p:txBody>
+          <a:bodyPr/>
+          <a:lstStyle/>
+          <a:p>
+            <a:r>
+              <a:rPr lang="nl-BE"/>
+              <a:t>Zie Scherp</a:t>
+            </a:r>
           </a:p>
         </p:txBody>
       </p:sp>
@@ -4726,7 +4987,7 @@
           <p:cNvPr id="6" name="Tijdelijke aanduiding voor dianummer 5">
             <a:extLst>
               <a:ext uri="{FF2B5EF4-FFF2-40B4-BE49-F238E27FC236}">
-                <a16:creationId xmlns:a16="http://schemas.microsoft.com/office/drawing/2014/main" id="{88F4E22D-64D1-4C81-A6F9-6CCB137F789B}"/>
+                <a16:creationId xmlns:a16="http://schemas.microsoft.com/office/drawing/2014/main" id="{BFA5504E-511A-417A-A6BA-EF7240883A61}"/>
               </a:ext>
             </a:extLst>
           </p:cNvPr>
@@ -4753,7 +5014,7 @@
     </p:spTree>
     <p:extLst>
       <p:ext uri="{BB962C8B-B14F-4D97-AF65-F5344CB8AC3E}">
-        <p14:creationId xmlns:p14="http://schemas.microsoft.com/office/powerpoint/2010/main" val="3287035055"/>
+        <p14:creationId xmlns:p14="http://schemas.microsoft.com/office/powerpoint/2010/main" val="892109636"/>
       </p:ext>
     </p:extLst>
   </p:cSld>
@@ -4785,7 +5046,7 @@
           <p:cNvPr id="2" name="Verticale titel 1">
             <a:extLst>
               <a:ext uri="{FF2B5EF4-FFF2-40B4-BE49-F238E27FC236}">
-                <a16:creationId xmlns:a16="http://schemas.microsoft.com/office/drawing/2014/main" id="{740E01A5-A6B0-4A47-A84D-17D3B48DCEB5}"/>
+                <a16:creationId xmlns:a16="http://schemas.microsoft.com/office/drawing/2014/main" id="{A79AEEB0-02B2-447D-B1FD-D25D55DD56CE}"/>
               </a:ext>
             </a:extLst>
           </p:cNvPr>
@@ -4819,7 +5080,7 @@
           <p:cNvPr id="3" name="Tijdelijke aanduiding voor verticale tekst 2">
             <a:extLst>
               <a:ext uri="{FF2B5EF4-FFF2-40B4-BE49-F238E27FC236}">
-                <a16:creationId xmlns:a16="http://schemas.microsoft.com/office/drawing/2014/main" id="{901CB498-25A6-439F-9D4C-DFB423E537A0}"/>
+                <a16:creationId xmlns:a16="http://schemas.microsoft.com/office/drawing/2014/main" id="{A47050A7-1669-4805-929E-741E4C4CF3E7}"/>
               </a:ext>
             </a:extLst>
           </p:cNvPr>
@@ -4843,7 +5104,7 @@
             <a:pPr lvl="0"/>
             <a:r>
               <a:rPr lang="nl-NL"/>
-              <a:t>Tekststijl van het model bewerken</a:t>
+              <a:t>Klikken om de tekststijl van het model te bewerken</a:t>
             </a:r>
           </a:p>
           <a:p>
@@ -4882,7 +5143,7 @@
           <p:cNvPr id="4" name="Tijdelijke aanduiding voor datum 3">
             <a:extLst>
               <a:ext uri="{FF2B5EF4-FFF2-40B4-BE49-F238E27FC236}">
-                <a16:creationId xmlns:a16="http://schemas.microsoft.com/office/drawing/2014/main" id="{7C7AFA28-E0AF-48E7-9B37-CCA9FFFC8EA3}"/>
+                <a16:creationId xmlns:a16="http://schemas.microsoft.com/office/drawing/2014/main" id="{99C78FC2-A4A1-4447-98A1-FB656BDDD885}"/>
               </a:ext>
             </a:extLst>
           </p:cNvPr>
@@ -4900,9 +5161,37 @@
           <a:p>
             <a:fld id="{813D1D9F-4518-4980-9C0D-8EB7894ABDE4}" type="datetime1">
               <a:rPr lang="nl-BE" smtClean="0"/>
-              <a:t>7/10/2019</a:t>
+              <a:t>13/09/2020</a:t>
             </a:fld>
             <a:endParaRPr lang="nl-BE"/>
+          </a:p>
+        </p:txBody>
+      </p:sp>
+      <p:sp>
+        <p:nvSpPr>
+          <p:cNvPr id="5" name="Tijdelijke aanduiding voor voettekst 4">
+            <a:extLst>
+              <a:ext uri="{FF2B5EF4-FFF2-40B4-BE49-F238E27FC236}">
+                <a16:creationId xmlns:a16="http://schemas.microsoft.com/office/drawing/2014/main" id="{9463AC9B-1104-4245-83B2-941B2D3520D9}"/>
+              </a:ext>
+            </a:extLst>
+          </p:cNvPr>
+          <p:cNvSpPr>
+            <a:spLocks noGrp="1"/>
+          </p:cNvSpPr>
+          <p:nvPr>
+            <p:ph type="ftr" sz="quarter" idx="11"/>
+          </p:nvPr>
+        </p:nvSpPr>
+        <p:spPr/>
+        <p:txBody>
+          <a:bodyPr/>
+          <a:lstStyle/>
+          <a:p>
+            <a:r>
+              <a:rPr lang="nl-BE"/>
+              <a:t>Zie Scherp</a:t>
+            </a:r>
           </a:p>
         </p:txBody>
       </p:sp>
@@ -4911,7 +5200,7 @@
           <p:cNvPr id="6" name="Tijdelijke aanduiding voor dianummer 5">
             <a:extLst>
               <a:ext uri="{FF2B5EF4-FFF2-40B4-BE49-F238E27FC236}">
-                <a16:creationId xmlns:a16="http://schemas.microsoft.com/office/drawing/2014/main" id="{ADF7A134-6D5C-4D25-A549-6B5039FA92D2}"/>
+                <a16:creationId xmlns:a16="http://schemas.microsoft.com/office/drawing/2014/main" id="{351C8C71-ADCE-408A-BD03-6A30265139E7}"/>
               </a:ext>
             </a:extLst>
           </p:cNvPr>
@@ -4938,13 +5227,44 @@
     </p:spTree>
     <p:extLst>
       <p:ext uri="{BB962C8B-B14F-4D97-AF65-F5344CB8AC3E}">
-        <p14:creationId xmlns:p14="http://schemas.microsoft.com/office/powerpoint/2010/main" val="114732114"/>
+        <p14:creationId xmlns:p14="http://schemas.microsoft.com/office/powerpoint/2010/main" val="985401601"/>
       </p:ext>
     </p:extLst>
   </p:cSld>
   <p:clrMapOvr>
     <a:masterClrMapping/>
   </p:clrMapOvr>
+</p:sldLayout>
+</file>
+
+<file path=ppt/slideLayouts/slideLayout12.xml><?xml version="1.0" encoding="utf-8"?>
+<p:sldLayout xmlns:a="http://schemas.openxmlformats.org/drawingml/2006/main" xmlns:r="http://schemas.openxmlformats.org/officeDocument/2006/relationships" xmlns:p="http://schemas.openxmlformats.org/presentationml/2006/main">
+  <p:cSld name="1_Titel en object">
+    <p:spTree>
+      <p:nvGrpSpPr>
+        <p:cNvPr id="1" name=""/>
+        <p:cNvGrpSpPr/>
+        <p:nvPr/>
+      </p:nvGrpSpPr>
+      <p:grpSpPr>
+        <a:xfrm>
+          <a:off x="0" y="0"/>
+          <a:ext cx="0" cy="0"/>
+          <a:chOff x="0" y="0"/>
+          <a:chExt cx="0" cy="0"/>
+        </a:xfrm>
+      </p:grpSpPr>
+    </p:spTree>
+    <p:extLst>
+      <p:ext uri="{BB962C8B-B14F-4D97-AF65-F5344CB8AC3E}">
+        <p14:creationId xmlns:p14="http://schemas.microsoft.com/office/powerpoint/2010/main" val="1138458088"/>
+      </p:ext>
+    </p:extLst>
+  </p:cSld>
+  <p:clrMapOvr>
+    <a:masterClrMapping/>
+  </p:clrMapOvr>
+  <p:hf hdr="0" dt="0"/>
 </p:sldLayout>
 </file>
 
@@ -4970,7 +5290,7 @@
           <p:cNvPr id="2" name="Titel 1">
             <a:extLst>
               <a:ext uri="{FF2B5EF4-FFF2-40B4-BE49-F238E27FC236}">
-                <a16:creationId xmlns:a16="http://schemas.microsoft.com/office/drawing/2014/main" id="{DC0951FF-94CF-47BB-81CC-446DA5777316}"/>
+                <a16:creationId xmlns:a16="http://schemas.microsoft.com/office/drawing/2014/main" id="{3B8BAD38-7922-4925-9B1E-C8B9824AB115}"/>
               </a:ext>
             </a:extLst>
           </p:cNvPr>
@@ -4999,7 +5319,7 @@
           <p:cNvPr id="3" name="Tijdelijke aanduiding voor inhoud 2">
             <a:extLst>
               <a:ext uri="{FF2B5EF4-FFF2-40B4-BE49-F238E27FC236}">
-                <a16:creationId xmlns:a16="http://schemas.microsoft.com/office/drawing/2014/main" id="{17683CD5-D9CF-468D-BB93-E4DBE5C195C5}"/>
+                <a16:creationId xmlns:a16="http://schemas.microsoft.com/office/drawing/2014/main" id="{F646D84E-4957-4D2C-BDD6-C478B3F04CD3}"/>
               </a:ext>
             </a:extLst>
           </p:cNvPr>
@@ -5018,7 +5338,7 @@
             <a:pPr lvl="0"/>
             <a:r>
               <a:rPr lang="nl-NL"/>
-              <a:t>Tekststijl van het model bewerken</a:t>
+              <a:t>Klikken om de tekststijl van het model te bewerken</a:t>
             </a:r>
           </a:p>
           <a:p>
@@ -5057,7 +5377,7 @@
           <p:cNvPr id="4" name="Tijdelijke aanduiding voor datum 3">
             <a:extLst>
               <a:ext uri="{FF2B5EF4-FFF2-40B4-BE49-F238E27FC236}">
-                <a16:creationId xmlns:a16="http://schemas.microsoft.com/office/drawing/2014/main" id="{F514675E-32A0-4B95-81EC-B401BC253DC8}"/>
+                <a16:creationId xmlns:a16="http://schemas.microsoft.com/office/drawing/2014/main" id="{467BED60-0F65-4F2B-B5B9-7CDC70E73F2E}"/>
               </a:ext>
             </a:extLst>
           </p:cNvPr>
@@ -5075,9 +5395,38 @@
           <a:p>
             <a:fld id="{62BF7167-EA82-4644-8F88-C53816572F96}" type="datetime1">
               <a:rPr lang="nl-BE" smtClean="0"/>
-              <a:t>7/10/2019</a:t>
+              <a:t>13/09/2020</a:t>
             </a:fld>
             <a:endParaRPr lang="nl-BE"/>
+          </a:p>
+        </p:txBody>
+      </p:sp>
+      <p:sp>
+        <p:nvSpPr>
+          <p:cNvPr id="5" name="Tijdelijke aanduiding voor voettekst 4">
+            <a:extLst>
+              <a:ext uri="{FF2B5EF4-FFF2-40B4-BE49-F238E27FC236}">
+                <a16:creationId xmlns:a16="http://schemas.microsoft.com/office/drawing/2014/main" id="{3C5970C4-1407-4452-9148-636A126C94CD}"/>
+              </a:ext>
+            </a:extLst>
+          </p:cNvPr>
+          <p:cNvSpPr>
+            <a:spLocks noGrp="1"/>
+          </p:cNvSpPr>
+          <p:nvPr>
+            <p:ph type="ftr" sz="quarter" idx="11"/>
+          </p:nvPr>
+        </p:nvSpPr>
+        <p:spPr/>
+        <p:txBody>
+          <a:bodyPr/>
+          <a:lstStyle/>
+          <a:p>
+            <a:r>
+              <a:rPr lang="nl-BE"/>
+              <a:t>Zie Scherp</a:t>
+            </a:r>
+            <a:endParaRPr lang="nl-BE" dirty="0"/>
           </a:p>
         </p:txBody>
       </p:sp>
@@ -5086,7 +5435,7 @@
           <p:cNvPr id="6" name="Tijdelijke aanduiding voor dianummer 5">
             <a:extLst>
               <a:ext uri="{FF2B5EF4-FFF2-40B4-BE49-F238E27FC236}">
-                <a16:creationId xmlns:a16="http://schemas.microsoft.com/office/drawing/2014/main" id="{17E08549-917F-4BB5-8FE9-E75F1C1C8407}"/>
+                <a16:creationId xmlns:a16="http://schemas.microsoft.com/office/drawing/2014/main" id="{25C57E89-1D0D-4354-8F65-63804968C1CF}"/>
               </a:ext>
             </a:extLst>
           </p:cNvPr>
@@ -5113,7 +5462,7 @@
     </p:spTree>
     <p:extLst>
       <p:ext uri="{BB962C8B-B14F-4D97-AF65-F5344CB8AC3E}">
-        <p14:creationId xmlns:p14="http://schemas.microsoft.com/office/powerpoint/2010/main" val="4077507550"/>
+        <p14:creationId xmlns:p14="http://schemas.microsoft.com/office/powerpoint/2010/main" val="3885874370"/>
       </p:ext>
     </p:extLst>
   </p:cSld>
@@ -5145,7 +5494,7 @@
           <p:cNvPr id="2" name="Titel 1">
             <a:extLst>
               <a:ext uri="{FF2B5EF4-FFF2-40B4-BE49-F238E27FC236}">
-                <a16:creationId xmlns:a16="http://schemas.microsoft.com/office/drawing/2014/main" id="{83CBFC7B-7833-4B2E-839F-296D0DFFA5EB}"/>
+                <a16:creationId xmlns:a16="http://schemas.microsoft.com/office/drawing/2014/main" id="{CC7D09DE-9877-4775-9EA0-3FAF25053291}"/>
               </a:ext>
             </a:extLst>
           </p:cNvPr>
@@ -5183,7 +5532,7 @@
           <p:cNvPr id="3" name="Tijdelijke aanduiding voor tekst 2">
             <a:extLst>
               <a:ext uri="{FF2B5EF4-FFF2-40B4-BE49-F238E27FC236}">
-                <a16:creationId xmlns:a16="http://schemas.microsoft.com/office/drawing/2014/main" id="{4A1F527B-FCDC-4EB3-A13B-06511EB48796}"/>
+                <a16:creationId xmlns:a16="http://schemas.microsoft.com/office/drawing/2014/main" id="{7E204716-6C27-4458-A66E-7D0C8675C936}"/>
               </a:ext>
             </a:extLst>
           </p:cNvPr>
@@ -5298,7 +5647,7 @@
             <a:pPr lvl="0"/>
             <a:r>
               <a:rPr lang="nl-NL"/>
-              <a:t>Tekststijl van het model bewerken</a:t>
+              <a:t>Klikken om de tekststijl van het model te bewerken</a:t>
             </a:r>
           </a:p>
         </p:txBody>
@@ -5308,7 +5657,7 @@
           <p:cNvPr id="4" name="Tijdelijke aanduiding voor datum 3">
             <a:extLst>
               <a:ext uri="{FF2B5EF4-FFF2-40B4-BE49-F238E27FC236}">
-                <a16:creationId xmlns:a16="http://schemas.microsoft.com/office/drawing/2014/main" id="{099B58FD-EE0B-4DD6-93B7-49CADA886313}"/>
+                <a16:creationId xmlns:a16="http://schemas.microsoft.com/office/drawing/2014/main" id="{A66AC9EB-DEAD-42CF-AD23-439C5DA97073}"/>
               </a:ext>
             </a:extLst>
           </p:cNvPr>
@@ -5326,9 +5675,37 @@
           <a:p>
             <a:fld id="{FC393B68-E771-4EAB-BD5A-988B3BCEC1C4}" type="datetime1">
               <a:rPr lang="nl-BE" smtClean="0"/>
-              <a:t>7/10/2019</a:t>
+              <a:t>13/09/2020</a:t>
             </a:fld>
             <a:endParaRPr lang="nl-BE"/>
+          </a:p>
+        </p:txBody>
+      </p:sp>
+      <p:sp>
+        <p:nvSpPr>
+          <p:cNvPr id="5" name="Tijdelijke aanduiding voor voettekst 4">
+            <a:extLst>
+              <a:ext uri="{FF2B5EF4-FFF2-40B4-BE49-F238E27FC236}">
+                <a16:creationId xmlns:a16="http://schemas.microsoft.com/office/drawing/2014/main" id="{4E272174-F617-485C-8862-B67278A66933}"/>
+              </a:ext>
+            </a:extLst>
+          </p:cNvPr>
+          <p:cNvSpPr>
+            <a:spLocks noGrp="1"/>
+          </p:cNvSpPr>
+          <p:nvPr>
+            <p:ph type="ftr" sz="quarter" idx="11"/>
+          </p:nvPr>
+        </p:nvSpPr>
+        <p:spPr/>
+        <p:txBody>
+          <a:bodyPr/>
+          <a:lstStyle/>
+          <a:p>
+            <a:r>
+              <a:rPr lang="nl-BE"/>
+              <a:t>Zie Scherp</a:t>
+            </a:r>
           </a:p>
         </p:txBody>
       </p:sp>
@@ -5337,7 +5714,7 @@
           <p:cNvPr id="6" name="Tijdelijke aanduiding voor dianummer 5">
             <a:extLst>
               <a:ext uri="{FF2B5EF4-FFF2-40B4-BE49-F238E27FC236}">
-                <a16:creationId xmlns:a16="http://schemas.microsoft.com/office/drawing/2014/main" id="{DCD87910-F51F-48B3-9EA7-F5B4E8318978}"/>
+                <a16:creationId xmlns:a16="http://schemas.microsoft.com/office/drawing/2014/main" id="{ED7AC59F-8095-4C85-89CD-7324AA678184}"/>
               </a:ext>
             </a:extLst>
           </p:cNvPr>
@@ -5364,7 +5741,7 @@
     </p:spTree>
     <p:extLst>
       <p:ext uri="{BB962C8B-B14F-4D97-AF65-F5344CB8AC3E}">
-        <p14:creationId xmlns:p14="http://schemas.microsoft.com/office/powerpoint/2010/main" val="2844032139"/>
+        <p14:creationId xmlns:p14="http://schemas.microsoft.com/office/powerpoint/2010/main" val="2263852244"/>
       </p:ext>
     </p:extLst>
   </p:cSld>
@@ -5396,7 +5773,7 @@
           <p:cNvPr id="2" name="Titel 1">
             <a:extLst>
               <a:ext uri="{FF2B5EF4-FFF2-40B4-BE49-F238E27FC236}">
-                <a16:creationId xmlns:a16="http://schemas.microsoft.com/office/drawing/2014/main" id="{8C194E3B-7CB7-46EA-816E-76C19D8B82E3}"/>
+                <a16:creationId xmlns:a16="http://schemas.microsoft.com/office/drawing/2014/main" id="{6DF8B325-2136-406D-BF0A-E575C7306B7F}"/>
               </a:ext>
             </a:extLst>
           </p:cNvPr>
@@ -5425,7 +5802,7 @@
           <p:cNvPr id="3" name="Tijdelijke aanduiding voor inhoud 2">
             <a:extLst>
               <a:ext uri="{FF2B5EF4-FFF2-40B4-BE49-F238E27FC236}">
-                <a16:creationId xmlns:a16="http://schemas.microsoft.com/office/drawing/2014/main" id="{8DCFB01D-BF2A-4C28-A7DA-74363E83C56E}"/>
+                <a16:creationId xmlns:a16="http://schemas.microsoft.com/office/drawing/2014/main" id="{812A1A84-3D08-49DA-A4A4-7023BFE6C812}"/>
               </a:ext>
             </a:extLst>
           </p:cNvPr>
@@ -5449,7 +5826,7 @@
             <a:pPr lvl="0"/>
             <a:r>
               <a:rPr lang="nl-NL"/>
-              <a:t>Tekststijl van het model bewerken</a:t>
+              <a:t>Klikken om de tekststijl van het model te bewerken</a:t>
             </a:r>
           </a:p>
           <a:p>
@@ -5488,7 +5865,7 @@
           <p:cNvPr id="4" name="Tijdelijke aanduiding voor inhoud 3">
             <a:extLst>
               <a:ext uri="{FF2B5EF4-FFF2-40B4-BE49-F238E27FC236}">
-                <a16:creationId xmlns:a16="http://schemas.microsoft.com/office/drawing/2014/main" id="{8881AD6D-41D1-42DC-8A88-30A62132CB38}"/>
+                <a16:creationId xmlns:a16="http://schemas.microsoft.com/office/drawing/2014/main" id="{91B5DB36-3733-4D71-9D2B-5502BA30CF06}"/>
               </a:ext>
             </a:extLst>
           </p:cNvPr>
@@ -5512,7 +5889,7 @@
             <a:pPr lvl="0"/>
             <a:r>
               <a:rPr lang="nl-NL"/>
-              <a:t>Tekststijl van het model bewerken</a:t>
+              <a:t>Klikken om de tekststijl van het model te bewerken</a:t>
             </a:r>
           </a:p>
           <a:p>
@@ -5551,7 +5928,7 @@
           <p:cNvPr id="5" name="Tijdelijke aanduiding voor datum 4">
             <a:extLst>
               <a:ext uri="{FF2B5EF4-FFF2-40B4-BE49-F238E27FC236}">
-                <a16:creationId xmlns:a16="http://schemas.microsoft.com/office/drawing/2014/main" id="{1D81D5E5-1407-43AC-A9F6-7F4710690F14}"/>
+                <a16:creationId xmlns:a16="http://schemas.microsoft.com/office/drawing/2014/main" id="{A884AE63-C510-4ABD-BCB9-469A9F65ECC2}"/>
               </a:ext>
             </a:extLst>
           </p:cNvPr>
@@ -5569,9 +5946,37 @@
           <a:p>
             <a:fld id="{3FA1FA05-B5D2-497F-81AB-0906CD7F230B}" type="datetime1">
               <a:rPr lang="nl-BE" smtClean="0"/>
-              <a:t>7/10/2019</a:t>
+              <a:t>13/09/2020</a:t>
             </a:fld>
             <a:endParaRPr lang="nl-BE"/>
+          </a:p>
+        </p:txBody>
+      </p:sp>
+      <p:sp>
+        <p:nvSpPr>
+          <p:cNvPr id="6" name="Tijdelijke aanduiding voor voettekst 5">
+            <a:extLst>
+              <a:ext uri="{FF2B5EF4-FFF2-40B4-BE49-F238E27FC236}">
+                <a16:creationId xmlns:a16="http://schemas.microsoft.com/office/drawing/2014/main" id="{20A8498C-B6A6-4DC9-8255-569230952C63}"/>
+              </a:ext>
+            </a:extLst>
+          </p:cNvPr>
+          <p:cNvSpPr>
+            <a:spLocks noGrp="1"/>
+          </p:cNvSpPr>
+          <p:nvPr>
+            <p:ph type="ftr" sz="quarter" idx="11"/>
+          </p:nvPr>
+        </p:nvSpPr>
+        <p:spPr/>
+        <p:txBody>
+          <a:bodyPr/>
+          <a:lstStyle/>
+          <a:p>
+            <a:r>
+              <a:rPr lang="nl-BE"/>
+              <a:t>Zie Scherp</a:t>
+            </a:r>
           </a:p>
         </p:txBody>
       </p:sp>
@@ -5580,7 +5985,7 @@
           <p:cNvPr id="7" name="Tijdelijke aanduiding voor dianummer 6">
             <a:extLst>
               <a:ext uri="{FF2B5EF4-FFF2-40B4-BE49-F238E27FC236}">
-                <a16:creationId xmlns:a16="http://schemas.microsoft.com/office/drawing/2014/main" id="{4FF0B051-1C83-4345-AAB8-A775CBF3ACAF}"/>
+                <a16:creationId xmlns:a16="http://schemas.microsoft.com/office/drawing/2014/main" id="{68D77CFB-1B09-43DB-9177-427CFFA2B1D2}"/>
               </a:ext>
             </a:extLst>
           </p:cNvPr>
@@ -5607,7 +6012,7 @@
     </p:spTree>
     <p:extLst>
       <p:ext uri="{BB962C8B-B14F-4D97-AF65-F5344CB8AC3E}">
-        <p14:creationId xmlns:p14="http://schemas.microsoft.com/office/powerpoint/2010/main" val="2658969427"/>
+        <p14:creationId xmlns:p14="http://schemas.microsoft.com/office/powerpoint/2010/main" val="1895992554"/>
       </p:ext>
     </p:extLst>
   </p:cSld>
@@ -5639,7 +6044,7 @@
           <p:cNvPr id="2" name="Titel 1">
             <a:extLst>
               <a:ext uri="{FF2B5EF4-FFF2-40B4-BE49-F238E27FC236}">
-                <a16:creationId xmlns:a16="http://schemas.microsoft.com/office/drawing/2014/main" id="{12DBC7E6-2CCC-46B5-975F-495846F93F01}"/>
+                <a16:creationId xmlns:a16="http://schemas.microsoft.com/office/drawing/2014/main" id="{6D918494-5C63-47C0-84BE-8ED0D3FF6919}"/>
               </a:ext>
             </a:extLst>
           </p:cNvPr>
@@ -5673,7 +6078,7 @@
           <p:cNvPr id="3" name="Tijdelijke aanduiding voor tekst 2">
             <a:extLst>
               <a:ext uri="{FF2B5EF4-FFF2-40B4-BE49-F238E27FC236}">
-                <a16:creationId xmlns:a16="http://schemas.microsoft.com/office/drawing/2014/main" id="{5BFC03AF-5EF3-4F21-804C-E42551415F5F}"/>
+                <a16:creationId xmlns:a16="http://schemas.microsoft.com/office/drawing/2014/main" id="{7C63C31E-AB27-4678-9D54-B1D0D3466F8A}"/>
               </a:ext>
             </a:extLst>
           </p:cNvPr>
@@ -5734,7 +6139,7 @@
             <a:pPr lvl="0"/>
             <a:r>
               <a:rPr lang="nl-NL"/>
-              <a:t>Tekststijl van het model bewerken</a:t>
+              <a:t>Klikken om de tekststijl van het model te bewerken</a:t>
             </a:r>
           </a:p>
         </p:txBody>
@@ -5744,7 +6149,7 @@
           <p:cNvPr id="4" name="Tijdelijke aanduiding voor inhoud 3">
             <a:extLst>
               <a:ext uri="{FF2B5EF4-FFF2-40B4-BE49-F238E27FC236}">
-                <a16:creationId xmlns:a16="http://schemas.microsoft.com/office/drawing/2014/main" id="{B2CDA13F-96DF-4887-B19E-91D08F7EE4C1}"/>
+                <a16:creationId xmlns:a16="http://schemas.microsoft.com/office/drawing/2014/main" id="{5F81428D-6F2B-4A4F-BE3B-04884F6C65FF}"/>
               </a:ext>
             </a:extLst>
           </p:cNvPr>
@@ -5768,7 +6173,7 @@
             <a:pPr lvl="0"/>
             <a:r>
               <a:rPr lang="nl-NL"/>
-              <a:t>Tekststijl van het model bewerken</a:t>
+              <a:t>Klikken om de tekststijl van het model te bewerken</a:t>
             </a:r>
           </a:p>
           <a:p>
@@ -5807,7 +6212,7 @@
           <p:cNvPr id="5" name="Tijdelijke aanduiding voor tekst 4">
             <a:extLst>
               <a:ext uri="{FF2B5EF4-FFF2-40B4-BE49-F238E27FC236}">
-                <a16:creationId xmlns:a16="http://schemas.microsoft.com/office/drawing/2014/main" id="{B24F317C-F52A-49C5-82E4-5832AE2333B4}"/>
+                <a16:creationId xmlns:a16="http://schemas.microsoft.com/office/drawing/2014/main" id="{EF87D035-5B4E-4F7A-A699-252D6B185212}"/>
               </a:ext>
             </a:extLst>
           </p:cNvPr>
@@ -5868,7 +6273,7 @@
             <a:pPr lvl="0"/>
             <a:r>
               <a:rPr lang="nl-NL"/>
-              <a:t>Tekststijl van het model bewerken</a:t>
+              <a:t>Klikken om de tekststijl van het model te bewerken</a:t>
             </a:r>
           </a:p>
         </p:txBody>
@@ -5878,7 +6283,7 @@
           <p:cNvPr id="6" name="Tijdelijke aanduiding voor inhoud 5">
             <a:extLst>
               <a:ext uri="{FF2B5EF4-FFF2-40B4-BE49-F238E27FC236}">
-                <a16:creationId xmlns:a16="http://schemas.microsoft.com/office/drawing/2014/main" id="{5356A20E-CB6D-4318-8AD0-492F6262430E}"/>
+                <a16:creationId xmlns:a16="http://schemas.microsoft.com/office/drawing/2014/main" id="{D354858C-4DA6-4DAE-93E2-3D7E0C6E07E8}"/>
               </a:ext>
             </a:extLst>
           </p:cNvPr>
@@ -5902,7 +6307,7 @@
             <a:pPr lvl="0"/>
             <a:r>
               <a:rPr lang="nl-NL"/>
-              <a:t>Tekststijl van het model bewerken</a:t>
+              <a:t>Klikken om de tekststijl van het model te bewerken</a:t>
             </a:r>
           </a:p>
           <a:p>
@@ -5941,7 +6346,7 @@
           <p:cNvPr id="7" name="Tijdelijke aanduiding voor datum 6">
             <a:extLst>
               <a:ext uri="{FF2B5EF4-FFF2-40B4-BE49-F238E27FC236}">
-                <a16:creationId xmlns:a16="http://schemas.microsoft.com/office/drawing/2014/main" id="{29A3AE76-CD41-4A27-89BB-BC6357E1A4C2}"/>
+                <a16:creationId xmlns:a16="http://schemas.microsoft.com/office/drawing/2014/main" id="{C3997C63-4B1E-4009-A760-23659F6D4C4F}"/>
               </a:ext>
             </a:extLst>
           </p:cNvPr>
@@ -5959,9 +6364,37 @@
           <a:p>
             <a:fld id="{05261B88-F79F-4529-821E-344A934E6946}" type="datetime1">
               <a:rPr lang="nl-BE" smtClean="0"/>
-              <a:t>7/10/2019</a:t>
+              <a:t>13/09/2020</a:t>
             </a:fld>
             <a:endParaRPr lang="nl-BE"/>
+          </a:p>
+        </p:txBody>
+      </p:sp>
+      <p:sp>
+        <p:nvSpPr>
+          <p:cNvPr id="8" name="Tijdelijke aanduiding voor voettekst 7">
+            <a:extLst>
+              <a:ext uri="{FF2B5EF4-FFF2-40B4-BE49-F238E27FC236}">
+                <a16:creationId xmlns:a16="http://schemas.microsoft.com/office/drawing/2014/main" id="{2D13070B-C3A5-4C21-93A3-2901C5275C77}"/>
+              </a:ext>
+            </a:extLst>
+          </p:cNvPr>
+          <p:cNvSpPr>
+            <a:spLocks noGrp="1"/>
+          </p:cNvSpPr>
+          <p:nvPr>
+            <p:ph type="ftr" sz="quarter" idx="11"/>
+          </p:nvPr>
+        </p:nvSpPr>
+        <p:spPr/>
+        <p:txBody>
+          <a:bodyPr/>
+          <a:lstStyle/>
+          <a:p>
+            <a:r>
+              <a:rPr lang="nl-BE"/>
+              <a:t>Zie Scherp</a:t>
+            </a:r>
           </a:p>
         </p:txBody>
       </p:sp>
@@ -5970,7 +6403,7 @@
           <p:cNvPr id="9" name="Tijdelijke aanduiding voor dianummer 8">
             <a:extLst>
               <a:ext uri="{FF2B5EF4-FFF2-40B4-BE49-F238E27FC236}">
-                <a16:creationId xmlns:a16="http://schemas.microsoft.com/office/drawing/2014/main" id="{0881EDD3-FD1D-45A9-AC6C-F288386FE7C0}"/>
+                <a16:creationId xmlns:a16="http://schemas.microsoft.com/office/drawing/2014/main" id="{1C467616-5346-4858-8558-4E52489215E3}"/>
               </a:ext>
             </a:extLst>
           </p:cNvPr>
@@ -5997,7 +6430,7 @@
     </p:spTree>
     <p:extLst>
       <p:ext uri="{BB962C8B-B14F-4D97-AF65-F5344CB8AC3E}">
-        <p14:creationId xmlns:p14="http://schemas.microsoft.com/office/powerpoint/2010/main" val="2423299326"/>
+        <p14:creationId xmlns:p14="http://schemas.microsoft.com/office/powerpoint/2010/main" val="1778441015"/>
       </p:ext>
     </p:extLst>
   </p:cSld>
@@ -6029,7 +6462,7 @@
           <p:cNvPr id="2" name="Titel 1">
             <a:extLst>
               <a:ext uri="{FF2B5EF4-FFF2-40B4-BE49-F238E27FC236}">
-                <a16:creationId xmlns:a16="http://schemas.microsoft.com/office/drawing/2014/main" id="{8C600AAA-6A9C-44CC-ACE7-44A629F6D2C6}"/>
+                <a16:creationId xmlns:a16="http://schemas.microsoft.com/office/drawing/2014/main" id="{D4F3B850-D9CF-469D-8F6A-E2BDD637AAA5}"/>
               </a:ext>
             </a:extLst>
           </p:cNvPr>
@@ -6058,7 +6491,7 @@
           <p:cNvPr id="3" name="Tijdelijke aanduiding voor datum 2">
             <a:extLst>
               <a:ext uri="{FF2B5EF4-FFF2-40B4-BE49-F238E27FC236}">
-                <a16:creationId xmlns:a16="http://schemas.microsoft.com/office/drawing/2014/main" id="{C6218219-6903-44F6-91E3-380DE23F2CC8}"/>
+                <a16:creationId xmlns:a16="http://schemas.microsoft.com/office/drawing/2014/main" id="{A18378AF-4848-4FF4-8280-7D9ECB8B1B9A}"/>
               </a:ext>
             </a:extLst>
           </p:cNvPr>
@@ -6076,9 +6509,37 @@
           <a:p>
             <a:fld id="{9D36FFD9-A9CE-4423-9581-2A56F0092606}" type="datetime1">
               <a:rPr lang="nl-BE" smtClean="0"/>
-              <a:t>7/10/2019</a:t>
+              <a:t>13/09/2020</a:t>
             </a:fld>
             <a:endParaRPr lang="nl-BE"/>
+          </a:p>
+        </p:txBody>
+      </p:sp>
+      <p:sp>
+        <p:nvSpPr>
+          <p:cNvPr id="4" name="Tijdelijke aanduiding voor voettekst 3">
+            <a:extLst>
+              <a:ext uri="{FF2B5EF4-FFF2-40B4-BE49-F238E27FC236}">
+                <a16:creationId xmlns:a16="http://schemas.microsoft.com/office/drawing/2014/main" id="{00949076-FEA0-4733-9BD4-144121369E5D}"/>
+              </a:ext>
+            </a:extLst>
+          </p:cNvPr>
+          <p:cNvSpPr>
+            <a:spLocks noGrp="1"/>
+          </p:cNvSpPr>
+          <p:nvPr>
+            <p:ph type="ftr" sz="quarter" idx="11"/>
+          </p:nvPr>
+        </p:nvSpPr>
+        <p:spPr/>
+        <p:txBody>
+          <a:bodyPr/>
+          <a:lstStyle/>
+          <a:p>
+            <a:r>
+              <a:rPr lang="nl-BE"/>
+              <a:t>Zie Scherp</a:t>
+            </a:r>
           </a:p>
         </p:txBody>
       </p:sp>
@@ -6087,7 +6548,7 @@
           <p:cNvPr id="5" name="Tijdelijke aanduiding voor dianummer 4">
             <a:extLst>
               <a:ext uri="{FF2B5EF4-FFF2-40B4-BE49-F238E27FC236}">
-                <a16:creationId xmlns:a16="http://schemas.microsoft.com/office/drawing/2014/main" id="{92DEFF6E-4B3C-4BE7-89BF-44C6A749C77C}"/>
+                <a16:creationId xmlns:a16="http://schemas.microsoft.com/office/drawing/2014/main" id="{AEEBC9A3-1316-4097-A51D-A3E7C9F05717}"/>
               </a:ext>
             </a:extLst>
           </p:cNvPr>
@@ -6114,7 +6575,7 @@
     </p:spTree>
     <p:extLst>
       <p:ext uri="{BB962C8B-B14F-4D97-AF65-F5344CB8AC3E}">
-        <p14:creationId xmlns:p14="http://schemas.microsoft.com/office/powerpoint/2010/main" val="4189945833"/>
+        <p14:creationId xmlns:p14="http://schemas.microsoft.com/office/powerpoint/2010/main" val="3860169950"/>
       </p:ext>
     </p:extLst>
   </p:cSld>
@@ -6146,7 +6607,7 @@
           <p:cNvPr id="2" name="Tijdelijke aanduiding voor datum 1">
             <a:extLst>
               <a:ext uri="{FF2B5EF4-FFF2-40B4-BE49-F238E27FC236}">
-                <a16:creationId xmlns:a16="http://schemas.microsoft.com/office/drawing/2014/main" id="{F4FD94B4-7B0B-4D5E-96D9-DD939D88052A}"/>
+                <a16:creationId xmlns:a16="http://schemas.microsoft.com/office/drawing/2014/main" id="{A9D634B5-8C2D-48AE-91EA-C4594F8C1258}"/>
               </a:ext>
             </a:extLst>
           </p:cNvPr>
@@ -6164,9 +6625,37 @@
           <a:p>
             <a:fld id="{7896331C-B12C-4B5E-A588-AEBE791B8080}" type="datetime1">
               <a:rPr lang="nl-BE" smtClean="0"/>
-              <a:t>7/10/2019</a:t>
+              <a:t>13/09/2020</a:t>
             </a:fld>
             <a:endParaRPr lang="nl-BE"/>
+          </a:p>
+        </p:txBody>
+      </p:sp>
+      <p:sp>
+        <p:nvSpPr>
+          <p:cNvPr id="3" name="Tijdelijke aanduiding voor voettekst 2">
+            <a:extLst>
+              <a:ext uri="{FF2B5EF4-FFF2-40B4-BE49-F238E27FC236}">
+                <a16:creationId xmlns:a16="http://schemas.microsoft.com/office/drawing/2014/main" id="{E0A0C514-A640-4C96-B201-54186C9AFDBE}"/>
+              </a:ext>
+            </a:extLst>
+          </p:cNvPr>
+          <p:cNvSpPr>
+            <a:spLocks noGrp="1"/>
+          </p:cNvSpPr>
+          <p:nvPr>
+            <p:ph type="ftr" sz="quarter" idx="11"/>
+          </p:nvPr>
+        </p:nvSpPr>
+        <p:spPr/>
+        <p:txBody>
+          <a:bodyPr/>
+          <a:lstStyle/>
+          <a:p>
+            <a:r>
+              <a:rPr lang="nl-BE"/>
+              <a:t>Zie Scherp</a:t>
+            </a:r>
           </a:p>
         </p:txBody>
       </p:sp>
@@ -6175,7 +6664,7 @@
           <p:cNvPr id="4" name="Tijdelijke aanduiding voor dianummer 3">
             <a:extLst>
               <a:ext uri="{FF2B5EF4-FFF2-40B4-BE49-F238E27FC236}">
-                <a16:creationId xmlns:a16="http://schemas.microsoft.com/office/drawing/2014/main" id="{B7697D75-F1E2-41EB-9AB8-94AAE99FBD8F}"/>
+                <a16:creationId xmlns:a16="http://schemas.microsoft.com/office/drawing/2014/main" id="{69500356-ABD5-4B99-B278-E17553C156DF}"/>
               </a:ext>
             </a:extLst>
           </p:cNvPr>
@@ -6202,7 +6691,7 @@
     </p:spTree>
     <p:extLst>
       <p:ext uri="{BB962C8B-B14F-4D97-AF65-F5344CB8AC3E}">
-        <p14:creationId xmlns:p14="http://schemas.microsoft.com/office/powerpoint/2010/main" val="1244758260"/>
+        <p14:creationId xmlns:p14="http://schemas.microsoft.com/office/powerpoint/2010/main" val="2542763603"/>
       </p:ext>
     </p:extLst>
   </p:cSld>
@@ -6234,7 +6723,7 @@
           <p:cNvPr id="2" name="Titel 1">
             <a:extLst>
               <a:ext uri="{FF2B5EF4-FFF2-40B4-BE49-F238E27FC236}">
-                <a16:creationId xmlns:a16="http://schemas.microsoft.com/office/drawing/2014/main" id="{F260E289-99DA-421E-A1FE-028FFD164C5D}"/>
+                <a16:creationId xmlns:a16="http://schemas.microsoft.com/office/drawing/2014/main" id="{60C76E74-348C-48C3-A13E-74C76572AE40}"/>
               </a:ext>
             </a:extLst>
           </p:cNvPr>
@@ -6272,7 +6761,7 @@
           <p:cNvPr id="3" name="Tijdelijke aanduiding voor inhoud 2">
             <a:extLst>
               <a:ext uri="{FF2B5EF4-FFF2-40B4-BE49-F238E27FC236}">
-                <a16:creationId xmlns:a16="http://schemas.microsoft.com/office/drawing/2014/main" id="{25F771F5-12BA-4926-9E37-46E1504960E7}"/>
+                <a16:creationId xmlns:a16="http://schemas.microsoft.com/office/drawing/2014/main" id="{DBBF6845-2F60-4F6C-831E-1BAF210E6BD5}"/>
               </a:ext>
             </a:extLst>
           </p:cNvPr>
@@ -6324,7 +6813,7 @@
             <a:pPr lvl="0"/>
             <a:r>
               <a:rPr lang="nl-NL"/>
-              <a:t>Tekststijl van het model bewerken</a:t>
+              <a:t>Klikken om de tekststijl van het model te bewerken</a:t>
             </a:r>
           </a:p>
           <a:p>
@@ -6363,7 +6852,7 @@
           <p:cNvPr id="4" name="Tijdelijke aanduiding voor tekst 3">
             <a:extLst>
               <a:ext uri="{FF2B5EF4-FFF2-40B4-BE49-F238E27FC236}">
-                <a16:creationId xmlns:a16="http://schemas.microsoft.com/office/drawing/2014/main" id="{F237D55F-9174-4F36-83AE-B8ADA1E715AA}"/>
+                <a16:creationId xmlns:a16="http://schemas.microsoft.com/office/drawing/2014/main" id="{9B303079-BF21-44E3-8E18-CFA9C169745F}"/>
               </a:ext>
             </a:extLst>
           </p:cNvPr>
@@ -6424,7 +6913,7 @@
             <a:pPr lvl="0"/>
             <a:r>
               <a:rPr lang="nl-NL"/>
-              <a:t>Tekststijl van het model bewerken</a:t>
+              <a:t>Klikken om de tekststijl van het model te bewerken</a:t>
             </a:r>
           </a:p>
         </p:txBody>
@@ -6434,7 +6923,7 @@
           <p:cNvPr id="5" name="Tijdelijke aanduiding voor datum 4">
             <a:extLst>
               <a:ext uri="{FF2B5EF4-FFF2-40B4-BE49-F238E27FC236}">
-                <a16:creationId xmlns:a16="http://schemas.microsoft.com/office/drawing/2014/main" id="{8334923E-EF70-4094-9362-7891509D8BFD}"/>
+                <a16:creationId xmlns:a16="http://schemas.microsoft.com/office/drawing/2014/main" id="{D763318B-D3A7-4D55-82AF-7D19CCD01683}"/>
               </a:ext>
             </a:extLst>
           </p:cNvPr>
@@ -6452,9 +6941,37 @@
           <a:p>
             <a:fld id="{CDDA2E80-F5AF-4838-8E2B-93B8353DFA07}" type="datetime1">
               <a:rPr lang="nl-BE" smtClean="0"/>
-              <a:t>7/10/2019</a:t>
+              <a:t>13/09/2020</a:t>
             </a:fld>
             <a:endParaRPr lang="nl-BE"/>
+          </a:p>
+        </p:txBody>
+      </p:sp>
+      <p:sp>
+        <p:nvSpPr>
+          <p:cNvPr id="6" name="Tijdelijke aanduiding voor voettekst 5">
+            <a:extLst>
+              <a:ext uri="{FF2B5EF4-FFF2-40B4-BE49-F238E27FC236}">
+                <a16:creationId xmlns:a16="http://schemas.microsoft.com/office/drawing/2014/main" id="{C16126F0-267A-413E-A20B-7214BF14675E}"/>
+              </a:ext>
+            </a:extLst>
+          </p:cNvPr>
+          <p:cNvSpPr>
+            <a:spLocks noGrp="1"/>
+          </p:cNvSpPr>
+          <p:nvPr>
+            <p:ph type="ftr" sz="quarter" idx="11"/>
+          </p:nvPr>
+        </p:nvSpPr>
+        <p:spPr/>
+        <p:txBody>
+          <a:bodyPr/>
+          <a:lstStyle/>
+          <a:p>
+            <a:r>
+              <a:rPr lang="nl-BE"/>
+              <a:t>Zie Scherp</a:t>
+            </a:r>
           </a:p>
         </p:txBody>
       </p:sp>
@@ -6463,7 +6980,7 @@
           <p:cNvPr id="7" name="Tijdelijke aanduiding voor dianummer 6">
             <a:extLst>
               <a:ext uri="{FF2B5EF4-FFF2-40B4-BE49-F238E27FC236}">
-                <a16:creationId xmlns:a16="http://schemas.microsoft.com/office/drawing/2014/main" id="{5DC0B3E6-619F-4358-B498-01054104410B}"/>
+                <a16:creationId xmlns:a16="http://schemas.microsoft.com/office/drawing/2014/main" id="{0EE8EF28-8D87-4E29-987A-25E61C23CF1A}"/>
               </a:ext>
             </a:extLst>
           </p:cNvPr>
@@ -6490,7 +7007,7 @@
     </p:spTree>
     <p:extLst>
       <p:ext uri="{BB962C8B-B14F-4D97-AF65-F5344CB8AC3E}">
-        <p14:creationId xmlns:p14="http://schemas.microsoft.com/office/powerpoint/2010/main" val="868105076"/>
+        <p14:creationId xmlns:p14="http://schemas.microsoft.com/office/powerpoint/2010/main" val="3616057161"/>
       </p:ext>
     </p:extLst>
   </p:cSld>
@@ -6522,7 +7039,7 @@
           <p:cNvPr id="2" name="Titel 1">
             <a:extLst>
               <a:ext uri="{FF2B5EF4-FFF2-40B4-BE49-F238E27FC236}">
-                <a16:creationId xmlns:a16="http://schemas.microsoft.com/office/drawing/2014/main" id="{4DF7973E-1415-45F2-B794-618A16D74030}"/>
+                <a16:creationId xmlns:a16="http://schemas.microsoft.com/office/drawing/2014/main" id="{C4068CD6-8C62-40B2-A334-AB8A4A31F17D}"/>
               </a:ext>
             </a:extLst>
           </p:cNvPr>
@@ -6560,7 +7077,7 @@
           <p:cNvPr id="3" name="Tijdelijke aanduiding voor afbeelding 2">
             <a:extLst>
               <a:ext uri="{FF2B5EF4-FFF2-40B4-BE49-F238E27FC236}">
-                <a16:creationId xmlns:a16="http://schemas.microsoft.com/office/drawing/2014/main" id="{0438108D-35FC-4BE1-B138-C9379F57B13F}"/>
+                <a16:creationId xmlns:a16="http://schemas.microsoft.com/office/drawing/2014/main" id="{5C519671-7768-46CF-9589-EC18A631F555}"/>
               </a:ext>
             </a:extLst>
           </p:cNvPr>
@@ -6618,6 +7135,10 @@
             </a:lvl9pPr>
           </a:lstStyle>
           <a:p>
+            <a:r>
+              <a:rPr lang="nl-NL"/>
+              <a:t>Klik op het pictogram als u een afbeelding wilt toevoegen</a:t>
+            </a:r>
             <a:endParaRPr lang="nl-BE"/>
           </a:p>
         </p:txBody>
@@ -6627,7 +7148,7 @@
           <p:cNvPr id="4" name="Tijdelijke aanduiding voor tekst 3">
             <a:extLst>
               <a:ext uri="{FF2B5EF4-FFF2-40B4-BE49-F238E27FC236}">
-                <a16:creationId xmlns:a16="http://schemas.microsoft.com/office/drawing/2014/main" id="{DA875E65-32CB-434A-BE0B-C09B1D36BB54}"/>
+                <a16:creationId xmlns:a16="http://schemas.microsoft.com/office/drawing/2014/main" id="{43BB512F-050B-486A-BF60-FAF904A258F3}"/>
               </a:ext>
             </a:extLst>
           </p:cNvPr>
@@ -6688,7 +7209,7 @@
             <a:pPr lvl="0"/>
             <a:r>
               <a:rPr lang="nl-NL"/>
-              <a:t>Tekststijl van het model bewerken</a:t>
+              <a:t>Klikken om de tekststijl van het model te bewerken</a:t>
             </a:r>
           </a:p>
         </p:txBody>
@@ -6698,7 +7219,7 @@
           <p:cNvPr id="5" name="Tijdelijke aanduiding voor datum 4">
             <a:extLst>
               <a:ext uri="{FF2B5EF4-FFF2-40B4-BE49-F238E27FC236}">
-                <a16:creationId xmlns:a16="http://schemas.microsoft.com/office/drawing/2014/main" id="{1728FA3B-C03C-4189-8429-DCEAAA07841B}"/>
+                <a16:creationId xmlns:a16="http://schemas.microsoft.com/office/drawing/2014/main" id="{13014279-A0D6-4628-B04E-B73C6A41F2C2}"/>
               </a:ext>
             </a:extLst>
           </p:cNvPr>
@@ -6716,9 +7237,37 @@
           <a:p>
             <a:fld id="{2D0660AB-DEF8-4F0D-B084-808191304D25}" type="datetime1">
               <a:rPr lang="nl-BE" smtClean="0"/>
-              <a:t>7/10/2019</a:t>
+              <a:t>13/09/2020</a:t>
             </a:fld>
             <a:endParaRPr lang="nl-BE"/>
+          </a:p>
+        </p:txBody>
+      </p:sp>
+      <p:sp>
+        <p:nvSpPr>
+          <p:cNvPr id="6" name="Tijdelijke aanduiding voor voettekst 5">
+            <a:extLst>
+              <a:ext uri="{FF2B5EF4-FFF2-40B4-BE49-F238E27FC236}">
+                <a16:creationId xmlns:a16="http://schemas.microsoft.com/office/drawing/2014/main" id="{9E1844A0-29A9-431A-BC59-A681E7C22417}"/>
+              </a:ext>
+            </a:extLst>
+          </p:cNvPr>
+          <p:cNvSpPr>
+            <a:spLocks noGrp="1"/>
+          </p:cNvSpPr>
+          <p:nvPr>
+            <p:ph type="ftr" sz="quarter" idx="11"/>
+          </p:nvPr>
+        </p:nvSpPr>
+        <p:spPr/>
+        <p:txBody>
+          <a:bodyPr/>
+          <a:lstStyle/>
+          <a:p>
+            <a:r>
+              <a:rPr lang="nl-BE"/>
+              <a:t>Zie Scherp</a:t>
+            </a:r>
           </a:p>
         </p:txBody>
       </p:sp>
@@ -6727,7 +7276,7 @@
           <p:cNvPr id="7" name="Tijdelijke aanduiding voor dianummer 6">
             <a:extLst>
               <a:ext uri="{FF2B5EF4-FFF2-40B4-BE49-F238E27FC236}">
-                <a16:creationId xmlns:a16="http://schemas.microsoft.com/office/drawing/2014/main" id="{037AF7E3-0DE6-49E9-B506-DFD43A1D3754}"/>
+                <a16:creationId xmlns:a16="http://schemas.microsoft.com/office/drawing/2014/main" id="{68B01B68-315D-4275-93E7-1CD101EBA32F}"/>
               </a:ext>
             </a:extLst>
           </p:cNvPr>
@@ -6754,7 +7303,7 @@
     </p:spTree>
     <p:extLst>
       <p:ext uri="{BB962C8B-B14F-4D97-AF65-F5344CB8AC3E}">
-        <p14:creationId xmlns:p14="http://schemas.microsoft.com/office/powerpoint/2010/main" val="3805885218"/>
+        <p14:creationId xmlns:p14="http://schemas.microsoft.com/office/powerpoint/2010/main" val="547345506"/>
       </p:ext>
     </p:extLst>
   </p:cSld>
@@ -6791,7 +7340,7 @@
           <p:cNvPr id="2" name="Tijdelijke aanduiding voor titel 1">
             <a:extLst>
               <a:ext uri="{FF2B5EF4-FFF2-40B4-BE49-F238E27FC236}">
-                <a16:creationId xmlns:a16="http://schemas.microsoft.com/office/drawing/2014/main" id="{51073A97-4605-425A-89E1-6240E132D38C}"/>
+                <a16:creationId xmlns:a16="http://schemas.microsoft.com/office/drawing/2014/main" id="{00694DA2-4E03-486D-860B-097381549B64}"/>
               </a:ext>
             </a:extLst>
           </p:cNvPr>
@@ -6818,10 +7367,10 @@
           <a:lstStyle/>
           <a:p>
             <a:r>
-              <a:rPr lang="nl-NL"/>
+              <a:rPr lang="nl-NL" dirty="0"/>
               <a:t>Klik om stijl te bewerken</a:t>
             </a:r>
-            <a:endParaRPr lang="nl-BE"/>
+            <a:endParaRPr lang="nl-BE" dirty="0"/>
           </a:p>
         </p:txBody>
       </p:sp>
@@ -6830,7 +7379,7 @@
           <p:cNvPr id="3" name="Tijdelijke aanduiding voor tekst 2">
             <a:extLst>
               <a:ext uri="{FF2B5EF4-FFF2-40B4-BE49-F238E27FC236}">
-                <a16:creationId xmlns:a16="http://schemas.microsoft.com/office/drawing/2014/main" id="{E1B5B8BF-1A0A-4A00-A4F2-51F59ACC9969}"/>
+                <a16:creationId xmlns:a16="http://schemas.microsoft.com/office/drawing/2014/main" id="{685C7508-DC72-4533-8509-4CD89465044C}"/>
               </a:ext>
             </a:extLst>
           </p:cNvPr>
@@ -6858,38 +7407,38 @@
           <a:p>
             <a:pPr lvl="0"/>
             <a:r>
-              <a:rPr lang="nl-NL"/>
-              <a:t>Tekststijl van het model bewerken</a:t>
+              <a:rPr lang="nl-NL" dirty="0"/>
+              <a:t>Klikken om de tekststijl van het model te bewerken</a:t>
             </a:r>
           </a:p>
           <a:p>
             <a:pPr lvl="1"/>
             <a:r>
-              <a:rPr lang="nl-NL"/>
+              <a:rPr lang="nl-NL" dirty="0"/>
               <a:t>Tweede niveau</a:t>
             </a:r>
           </a:p>
           <a:p>
             <a:pPr lvl="2"/>
             <a:r>
-              <a:rPr lang="nl-NL"/>
+              <a:rPr lang="nl-NL" dirty="0"/>
               <a:t>Derde niveau</a:t>
             </a:r>
           </a:p>
           <a:p>
             <a:pPr lvl="3"/>
             <a:r>
-              <a:rPr lang="nl-NL"/>
+              <a:rPr lang="nl-NL" dirty="0"/>
               <a:t>Vierde niveau</a:t>
             </a:r>
           </a:p>
           <a:p>
             <a:pPr lvl="4"/>
             <a:r>
-              <a:rPr lang="nl-NL"/>
+              <a:rPr lang="nl-NL" dirty="0"/>
               <a:t>Vijfde niveau</a:t>
             </a:r>
-            <a:endParaRPr lang="nl-BE"/>
+            <a:endParaRPr lang="nl-BE" dirty="0"/>
           </a:p>
         </p:txBody>
       </p:sp>
@@ -6898,7 +7447,7 @@
           <p:cNvPr id="4" name="Tijdelijke aanduiding voor datum 3">
             <a:extLst>
               <a:ext uri="{FF2B5EF4-FFF2-40B4-BE49-F238E27FC236}">
-                <a16:creationId xmlns:a16="http://schemas.microsoft.com/office/drawing/2014/main" id="{187F8D25-496D-44BD-AEF9-AC1186591894}"/>
+                <a16:creationId xmlns:a16="http://schemas.microsoft.com/office/drawing/2014/main" id="{831C0E2D-36AC-4651-B5A5-7C24D95AAA30}"/>
               </a:ext>
             </a:extLst>
           </p:cNvPr>
@@ -6934,9 +7483,56 @@
           <a:p>
             <a:fld id="{A671A349-F1E9-4BB9-BDF1-40D376A3D129}" type="datetime1">
               <a:rPr lang="nl-BE" smtClean="0"/>
-              <a:t>7/10/2019</a:t>
+              <a:t>13/09/2020</a:t>
             </a:fld>
             <a:endParaRPr lang="nl-BE"/>
+          </a:p>
+        </p:txBody>
+      </p:sp>
+      <p:sp>
+        <p:nvSpPr>
+          <p:cNvPr id="5" name="Tijdelijke aanduiding voor voettekst 4">
+            <a:extLst>
+              <a:ext uri="{FF2B5EF4-FFF2-40B4-BE49-F238E27FC236}">
+                <a16:creationId xmlns:a16="http://schemas.microsoft.com/office/drawing/2014/main" id="{B2F3C7A1-BCFE-4981-8966-87B26FEB7EF7}"/>
+              </a:ext>
+            </a:extLst>
+          </p:cNvPr>
+          <p:cNvSpPr>
+            <a:spLocks noGrp="1"/>
+          </p:cNvSpPr>
+          <p:nvPr>
+            <p:ph type="ftr" sz="quarter" idx="3"/>
+          </p:nvPr>
+        </p:nvSpPr>
+        <p:spPr>
+          <a:xfrm>
+            <a:off x="4038600" y="6356350"/>
+            <a:ext cx="4114800" cy="365125"/>
+          </a:xfrm>
+          <a:prstGeom prst="rect">
+            <a:avLst/>
+          </a:prstGeom>
+        </p:spPr>
+        <p:txBody>
+          <a:bodyPr vert="horz" lIns="91440" tIns="45720" rIns="91440" bIns="45720" rtlCol="0" anchor="ctr"/>
+          <a:lstStyle>
+            <a:lvl1pPr algn="ctr">
+              <a:defRPr sz="1200">
+                <a:solidFill>
+                  <a:schemeClr val="tx1">
+                    <a:tint val="75000"/>
+                  </a:schemeClr>
+                </a:solidFill>
+              </a:defRPr>
+            </a:lvl1pPr>
+          </a:lstStyle>
+          <a:p>
+            <a:r>
+              <a:rPr lang="nl-BE"/>
+              <a:t>Zie Scherp</a:t>
+            </a:r>
+            <a:endParaRPr lang="nl-BE" dirty="0"/>
           </a:p>
         </p:txBody>
       </p:sp>
@@ -6945,7 +7541,7 @@
           <p:cNvPr id="6" name="Tijdelijke aanduiding voor dianummer 5">
             <a:extLst>
               <a:ext uri="{FF2B5EF4-FFF2-40B4-BE49-F238E27FC236}">
-                <a16:creationId xmlns:a16="http://schemas.microsoft.com/office/drawing/2014/main" id="{7F09B5B8-5D2C-47DB-9E78-8FE5C9E53549}"/>
+                <a16:creationId xmlns:a16="http://schemas.microsoft.com/office/drawing/2014/main" id="{9C052746-846E-4603-B721-809D7198C9E2}"/>
               </a:ext>
             </a:extLst>
           </p:cNvPr>
@@ -6987,26 +7583,110 @@
           </a:p>
         </p:txBody>
       </p:sp>
+      <p:pic>
+        <p:nvPicPr>
+          <p:cNvPr id="8" name="Afbeelding 7">
+            <a:extLst>
+              <a:ext uri="{FF2B5EF4-FFF2-40B4-BE49-F238E27FC236}">
+                <a16:creationId xmlns:a16="http://schemas.microsoft.com/office/drawing/2014/main" id="{68D9A7F4-42E3-4B0A-82BD-605C2DE65CFF}"/>
+              </a:ext>
+            </a:extLst>
+          </p:cNvPr>
+          <p:cNvPicPr>
+            <a:picLocks noChangeAspect="1"/>
+          </p:cNvPicPr>
+          <p:nvPr/>
+        </p:nvPicPr>
+        <p:blipFill>
+          <a:blip r:embed="rId14" cstate="print">
+            <a:extLst>
+              <a:ext uri="{28A0092B-C50C-407E-A947-70E740481C1C}">
+                <a14:useLocalDpi xmlns:a14="http://schemas.microsoft.com/office/drawing/2010/main" val="0"/>
+              </a:ext>
+            </a:extLst>
+          </a:blip>
+          <a:stretch>
+            <a:fillRect/>
+          </a:stretch>
+        </p:blipFill>
+        <p:spPr>
+          <a:xfrm>
+            <a:off x="11457487" y="0"/>
+            <a:ext cx="513792" cy="512965"/>
+          </a:xfrm>
+          <a:prstGeom prst="rect">
+            <a:avLst/>
+          </a:prstGeom>
+        </p:spPr>
+      </p:pic>
+      <p:pic>
+        <p:nvPicPr>
+          <p:cNvPr id="1026" name="Picture 2" descr="Huisstijl | AP Hogeschool">
+            <a:extLst>
+              <a:ext uri="{FF2B5EF4-FFF2-40B4-BE49-F238E27FC236}">
+                <a16:creationId xmlns:a16="http://schemas.microsoft.com/office/drawing/2014/main" id="{A63DCC07-2517-4A2E-85D4-1179A0BDB0C4}"/>
+              </a:ext>
+            </a:extLst>
+          </p:cNvPr>
+          <p:cNvPicPr>
+            <a:picLocks noChangeAspect="1" noChangeArrowheads="1"/>
+          </p:cNvPicPr>
+          <p:nvPr/>
+        </p:nvPicPr>
+        <p:blipFill>
+          <a:blip r:embed="rId15" cstate="print">
+            <a:extLst>
+              <a:ext uri="{28A0092B-C50C-407E-A947-70E740481C1C}">
+                <a14:useLocalDpi xmlns:a14="http://schemas.microsoft.com/office/drawing/2010/main" val="0"/>
+              </a:ext>
+            </a:extLst>
+          </a:blip>
+          <a:srcRect/>
+          <a:stretch>
+            <a:fillRect/>
+          </a:stretch>
+        </p:blipFill>
+        <p:spPr bwMode="auto">
+          <a:xfrm>
+            <a:off x="193741" y="6378084"/>
+            <a:ext cx="513792" cy="285699"/>
+          </a:xfrm>
+          <a:prstGeom prst="rect">
+            <a:avLst/>
+          </a:prstGeom>
+          <a:noFill/>
+          <a:extLst>
+            <a:ext uri="{909E8E84-426E-40DD-AFC4-6F175D3DCCD1}">
+              <a14:hiddenFill xmlns:a14="http://schemas.microsoft.com/office/drawing/2010/main">
+                <a:solidFill>
+                  <a:srgbClr val="FFFFFF"/>
+                </a:solidFill>
+              </a14:hiddenFill>
+            </a:ext>
+          </a:extLst>
+        </p:spPr>
+      </p:pic>
     </p:spTree>
     <p:extLst>
       <p:ext uri="{BB962C8B-B14F-4D97-AF65-F5344CB8AC3E}">
-        <p14:creationId xmlns:p14="http://schemas.microsoft.com/office/powerpoint/2010/main" val="899837439"/>
+        <p14:creationId xmlns:p14="http://schemas.microsoft.com/office/powerpoint/2010/main" val="1850433117"/>
       </p:ext>
     </p:extLst>
   </p:cSld>
   <p:clrMap bg1="lt1" tx1="dk1" bg2="lt2" tx2="dk2" accent1="accent1" accent2="accent2" accent3="accent3" accent4="accent4" accent5="accent5" accent6="accent6" hlink="hlink" folHlink="folHlink"/>
   <p:sldLayoutIdLst>
-    <p:sldLayoutId id="2147483673" r:id="rId1"/>
-    <p:sldLayoutId id="2147483674" r:id="rId2"/>
-    <p:sldLayoutId id="2147483675" r:id="rId3"/>
-    <p:sldLayoutId id="2147483676" r:id="rId4"/>
-    <p:sldLayoutId id="2147483677" r:id="rId5"/>
-    <p:sldLayoutId id="2147483678" r:id="rId6"/>
-    <p:sldLayoutId id="2147483679" r:id="rId7"/>
-    <p:sldLayoutId id="2147483680" r:id="rId8"/>
-    <p:sldLayoutId id="2147483681" r:id="rId9"/>
-    <p:sldLayoutId id="2147483682" r:id="rId10"/>
-    <p:sldLayoutId id="2147483683" r:id="rId11"/>
+    <p:sldLayoutId id="2147483685" r:id="rId1"/>
+    <p:sldLayoutId id="2147483686" r:id="rId2"/>
+    <p:sldLayoutId id="2147483687" r:id="rId3"/>
+    <p:sldLayoutId id="2147483688" r:id="rId4"/>
+    <p:sldLayoutId id="2147483689" r:id="rId5"/>
+    <p:sldLayoutId id="2147483690" r:id="rId6"/>
+    <p:sldLayoutId id="2147483691" r:id="rId7"/>
+    <p:sldLayoutId id="2147483692" r:id="rId8"/>
+    <p:sldLayoutId id="2147483693" r:id="rId9"/>
+    <p:sldLayoutId id="2147483694" r:id="rId10"/>
+    <p:sldLayoutId id="2147483695" r:id="rId11"/>
+    <p:sldLayoutId id="2147483696" r:id="rId12"/>
   </p:sldLayoutIdLst>
   <p:hf hdr="0" dt="0"/>
   <p:txStyles>
@@ -7295,14 +7975,6 @@
 <file path=ppt/slides/slide1.xml><?xml version="1.0" encoding="utf-8"?>
 <p:sld xmlns:a="http://schemas.openxmlformats.org/drawingml/2006/main" xmlns:r="http://schemas.openxmlformats.org/officeDocument/2006/relationships" xmlns:p="http://schemas.openxmlformats.org/presentationml/2006/main">
   <p:cSld>
-    <p:bg>
-      <p:bgPr>
-        <a:solidFill>
-          <a:schemeClr val="bg1"/>
-        </a:solidFill>
-        <a:effectLst/>
-      </p:bgPr>
-    </p:bg>
     <p:spTree>
       <p:nvGrpSpPr>
         <p:cNvPr id="1" name=""/>
@@ -7319,73 +7991,10 @@
       </p:grpSpPr>
       <p:sp>
         <p:nvSpPr>
-          <p:cNvPr id="11" name="Rectangle 10">
-            <a:extLst>
-              <a:ext uri="{FF2B5EF4-FFF2-40B4-BE49-F238E27FC236}">
-                <a16:creationId xmlns:a16="http://schemas.microsoft.com/office/drawing/2014/main" id="{ACBE1851-2230-47A9-B000-CE9046EA61B9}"/>
-              </a:ext>
-              <a:ext uri="{C183D7F6-B498-43B3-948B-1728B52AA6E4}">
-                <adec:decorative xmlns:adec="http://schemas.microsoft.com/office/drawing/2017/decorative" val="1"/>
-              </a:ext>
-            </a:extLst>
-          </p:cNvPr>
-          <p:cNvSpPr>
-            <a:spLocks noGrp="1" noRot="1" noChangeAspect="1" noMove="1" noResize="1" noEditPoints="1" noAdjustHandles="1" noChangeArrowheads="1" noChangeShapeType="1" noTextEdit="1"/>
-          </p:cNvSpPr>
-          <p:nvPr>
-            <p:extLst>
-              <p:ext uri="{386F3935-93C4-4BCD-93E2-E3B085C9AB24}">
-                <p16:designElem xmlns:p16="http://schemas.microsoft.com/office/powerpoint/2015/main" val="1"/>
-              </p:ext>
-            </p:extLst>
-          </p:nvPr>
-        </p:nvSpPr>
-        <p:spPr>
-          <a:xfrm>
-            <a:off x="0" y="0"/>
-            <a:ext cx="5468548" cy="6858000"/>
-          </a:xfrm>
-          <a:prstGeom prst="rect">
-            <a:avLst/>
-          </a:prstGeom>
-          <a:solidFill>
-            <a:schemeClr val="accent1"/>
-          </a:solidFill>
-          <a:ln>
-            <a:noFill/>
-          </a:ln>
-        </p:spPr>
-        <p:style>
-          <a:lnRef idx="2">
-            <a:schemeClr val="accent1">
-              <a:shade val="50000"/>
-            </a:schemeClr>
-          </a:lnRef>
-          <a:fillRef idx="1">
-            <a:schemeClr val="accent1"/>
-          </a:fillRef>
-          <a:effectRef idx="0">
-            <a:schemeClr val="accent1"/>
-          </a:effectRef>
-          <a:fontRef idx="minor">
-            <a:schemeClr val="lt1"/>
-          </a:fontRef>
-        </p:style>
-        <p:txBody>
-          <a:bodyPr rtlCol="0" anchor="ctr"/>
-          <a:lstStyle/>
-          <a:p>
-            <a:pPr algn="ctr"/>
-            <a:endParaRPr lang="en-US"/>
-          </a:p>
-        </p:txBody>
-      </p:sp>
-      <p:sp>
-        <p:nvSpPr>
           <p:cNvPr id="2" name="Titel 1">
             <a:extLst>
               <a:ext uri="{FF2B5EF4-FFF2-40B4-BE49-F238E27FC236}">
-                <a16:creationId xmlns:a16="http://schemas.microsoft.com/office/drawing/2014/main" id="{B0CFDFDA-7CF2-41B8-82BD-AB160F1743C2}"/>
+                <a16:creationId xmlns:a16="http://schemas.microsoft.com/office/drawing/2014/main" id="{68F20645-32F8-4AE4-9E8E-6DB94F340BC2}"/>
               </a:ext>
             </a:extLst>
           </p:cNvPr>
@@ -7398,24 +8007,17 @@
         </p:nvSpPr>
         <p:spPr>
           <a:xfrm>
-            <a:off x="634276" y="803705"/>
-            <a:ext cx="4208656" cy="3034857"/>
+            <a:off x="1527110" y="1124744"/>
+            <a:ext cx="9144000" cy="2387600"/>
           </a:xfrm>
         </p:spPr>
         <p:txBody>
-          <a:bodyPr anchor="b">
-            <a:normAutofit/>
-          </a:bodyPr>
+          <a:bodyPr/>
           <a:lstStyle/>
           <a:p>
-            <a:pPr algn="r"/>
-            <a:r>
-              <a:rPr lang="nl-BE" sz="5400">
-                <a:solidFill>
-                  <a:srgbClr val="FFFFFF"/>
-                </a:solidFill>
-              </a:rPr>
-              <a:t>Math skills</a:t>
+            <a:r>
+              <a:rPr lang="nl-BE" dirty="0"/>
+              <a:t>3. Math-bib en berekeningen</a:t>
             </a:r>
           </a:p>
         </p:txBody>
@@ -7425,7 +8027,7 @@
           <p:cNvPr id="3" name="Ondertitel 2">
             <a:extLst>
               <a:ext uri="{FF2B5EF4-FFF2-40B4-BE49-F238E27FC236}">
-                <a16:creationId xmlns:a16="http://schemas.microsoft.com/office/drawing/2014/main" id="{48A8C004-CEB9-4E93-8425-8E64BB2C660C}"/>
+                <a16:creationId xmlns:a16="http://schemas.microsoft.com/office/drawing/2014/main" id="{BEC3214E-D6AC-4812-B3E5-62C72119CB05}"/>
               </a:ext>
             </a:extLst>
           </p:cNvPr>
@@ -7436,126 +8038,49 @@
             <p:ph type="subTitle" idx="1"/>
           </p:nvPr>
         </p:nvSpPr>
-        <p:spPr>
-          <a:xfrm>
-            <a:off x="638921" y="4013165"/>
-            <a:ext cx="4204012" cy="2205732"/>
-          </a:xfrm>
-        </p:spPr>
+        <p:spPr/>
         <p:txBody>
-          <a:bodyPr anchor="t">
-            <a:normAutofit/>
-          </a:bodyPr>
+          <a:bodyPr/>
           <a:lstStyle/>
           <a:p>
-            <a:pPr algn="r"/>
-            <a:endParaRPr lang="nl-BE" sz="1800">
-              <a:solidFill>
-                <a:srgbClr val="FFFFFF"/>
-              </a:solidFill>
-            </a:endParaRPr>
+            <a:endParaRPr lang="nl-BE"/>
           </a:p>
         </p:txBody>
       </p:sp>
-      <p:cxnSp>
-        <p:nvCxnSpPr>
-          <p:cNvPr id="13" name="Straight Connector 12">
+      <p:sp>
+        <p:nvSpPr>
+          <p:cNvPr id="4" name="Tijdelijke aanduiding voor voettekst 3">
             <a:extLst>
               <a:ext uri="{FF2B5EF4-FFF2-40B4-BE49-F238E27FC236}">
-                <a16:creationId xmlns:a16="http://schemas.microsoft.com/office/drawing/2014/main" id="{23B93832-6514-44F4-849B-5EE2C8A2337D}"/>
-              </a:ext>
-              <a:ext uri="{C183D7F6-B498-43B3-948B-1728B52AA6E4}">
-                <adec:decorative xmlns:adec="http://schemas.microsoft.com/office/drawing/2017/decorative" val="1"/>
+                <a16:creationId xmlns:a16="http://schemas.microsoft.com/office/drawing/2014/main" id="{576EFB7F-3A5C-4929-A911-F845A6BA8C83}"/>
               </a:ext>
             </a:extLst>
           </p:cNvPr>
-          <p:cNvCxnSpPr>
-            <a:cxnSpLocks noGrp="1" noRot="1" noChangeAspect="1" noMove="1" noResize="1" noEditPoints="1" noAdjustHandles="1" noChangeArrowheads="1" noChangeShapeType="1"/>
-          </p:cNvCxnSpPr>
+          <p:cNvSpPr>
+            <a:spLocks noGrp="1"/>
+          </p:cNvSpPr>
           <p:nvPr>
-            <p:extLst>
-              <p:ext uri="{386F3935-93C4-4BCD-93E2-E3B085C9AB24}">
-                <p16:designElem xmlns:p16="http://schemas.microsoft.com/office/powerpoint/2015/main" val="1"/>
-              </p:ext>
-            </p:extLst>
+            <p:ph type="ftr" sz="quarter" idx="11"/>
           </p:nvPr>
-        </p:nvCxnSpPr>
-        <p:spPr>
-          <a:xfrm>
-            <a:off x="786679" y="3928939"/>
-            <a:ext cx="3931920" cy="0"/>
-          </a:xfrm>
-          <a:prstGeom prst="line">
-            <a:avLst/>
-          </a:prstGeom>
-          <a:ln w="19050">
-            <a:solidFill>
-              <a:srgbClr val="FFFFFF">
-                <a:alpha val="80000"/>
-              </a:srgbClr>
-            </a:solidFill>
-          </a:ln>
-        </p:spPr>
-        <p:style>
-          <a:lnRef idx="1">
-            <a:schemeClr val="accent1"/>
-          </a:lnRef>
-          <a:fillRef idx="0">
-            <a:schemeClr val="accent1"/>
-          </a:fillRef>
-          <a:effectRef idx="0">
-            <a:schemeClr val="accent1"/>
-          </a:effectRef>
-          <a:fontRef idx="minor">
-            <a:schemeClr val="tx1"/>
-          </a:fontRef>
-        </p:style>
-      </p:cxnSp>
-      <p:pic>
-        <p:nvPicPr>
-          <p:cNvPr id="8" name="Graphic 7">
+        </p:nvSpPr>
+        <p:spPr/>
+        <p:txBody>
+          <a:bodyPr/>
+          <a:lstStyle/>
+          <a:p>
+            <a:r>
+              <a:rPr lang="nl-BE"/>
+              <a:t>Zie Scherp</a:t>
+            </a:r>
+          </a:p>
+        </p:txBody>
+      </p:sp>
+      <p:sp>
+        <p:nvSpPr>
+          <p:cNvPr id="5" name="Tijdelijke aanduiding voor dianummer 4">
             <a:extLst>
               <a:ext uri="{FF2B5EF4-FFF2-40B4-BE49-F238E27FC236}">
-                <a16:creationId xmlns:a16="http://schemas.microsoft.com/office/drawing/2014/main" id="{60C76E5B-2106-4F83-8AAB-5329048C6032}"/>
-              </a:ext>
-            </a:extLst>
-          </p:cNvPr>
-          <p:cNvPicPr>
-            <a:picLocks noChangeAspect="1"/>
-          </p:cNvPicPr>
-          <p:nvPr/>
-        </p:nvPicPr>
-        <p:blipFill>
-          <a:blip r:embed="rId2">
-            <a:extLst>
-              <a:ext uri="{28A0092B-C50C-407E-A947-70E740481C1C}">
-                <a14:useLocalDpi xmlns:a14="http://schemas.microsoft.com/office/drawing/2010/main" val="0"/>
-              </a:ext>
-              <a:ext uri="{96DAC541-7B7A-43D3-8B79-37D633B846F1}">
-                <asvg:svgBlip xmlns:asvg="http://schemas.microsoft.com/office/drawing/2016/SVG/main" r:embed="rId3"/>
-              </a:ext>
-            </a:extLst>
-          </a:blip>
-          <a:stretch>
-            <a:fillRect/>
-          </a:stretch>
-        </p:blipFill>
-        <p:spPr>
-          <a:xfrm>
-            <a:off x="6096000" y="699753"/>
-            <a:ext cx="5459470" cy="5459470"/>
-          </a:xfrm>
-          <a:prstGeom prst="rect">
-            <a:avLst/>
-          </a:prstGeom>
-        </p:spPr>
-      </p:pic>
-      <p:sp>
-        <p:nvSpPr>
-          <p:cNvPr id="4" name="Tijdelijke aanduiding voor dianummer 3">
-            <a:extLst>
-              <a:ext uri="{FF2B5EF4-FFF2-40B4-BE49-F238E27FC236}">
-                <a16:creationId xmlns:a16="http://schemas.microsoft.com/office/drawing/2014/main" id="{53942833-569F-407C-9672-C00924FFB2EA}"/>
+                <a16:creationId xmlns:a16="http://schemas.microsoft.com/office/drawing/2014/main" id="{1A47863D-FD3F-4A88-9145-85E9609BD2B7}"/>
               </a:ext>
             </a:extLst>
           </p:cNvPr>
@@ -7566,30 +8091,13 @@
             <p:ph type="sldNum" sz="quarter" idx="12"/>
           </p:nvPr>
         </p:nvSpPr>
-        <p:spPr>
-          <a:xfrm>
-            <a:off x="10491536" y="6356350"/>
-            <a:ext cx="862263" cy="365125"/>
-          </a:xfrm>
-        </p:spPr>
+        <p:spPr/>
         <p:txBody>
-          <a:bodyPr>
-            <a:normAutofit/>
-          </a:bodyPr>
+          <a:bodyPr/>
           <a:lstStyle/>
           <a:p>
-            <a:pPr>
-              <a:spcAft>
-                <a:spcPts val="600"/>
-              </a:spcAft>
-            </a:pPr>
             <a:fld id="{E8A62353-F7CD-46ED-8877-B27D0E33FCF8}" type="slidenum">
               <a:rPr lang="nl-BE" smtClean="0"/>
-              <a:pPr>
-                <a:spcAft>
-                  <a:spcPts val="600"/>
-                </a:spcAft>
-              </a:pPr>
               <a:t>1</a:t>
             </a:fld>
             <a:endParaRPr lang="nl-BE"/>
@@ -7599,7 +8107,7 @@
     </p:spTree>
     <p:extLst>
       <p:ext uri="{BB962C8B-B14F-4D97-AF65-F5344CB8AC3E}">
-        <p14:creationId xmlns:p14="http://schemas.microsoft.com/office/powerpoint/2010/main" val="1219968658"/>
+        <p14:creationId xmlns:p14="http://schemas.microsoft.com/office/powerpoint/2010/main" val="45373187"/>
       </p:ext>
     </p:extLst>
   </p:cSld>
@@ -7656,15 +8164,10 @@
             <a:spLocks noGrp="1" noChangeArrowheads="1"/>
           </p:cNvSpPr>
           <p:nvPr>
-            <p:ph type="body" idx="1"/>
+            <p:ph idx="1"/>
           </p:nvPr>
         </p:nvSpPr>
-        <p:spPr>
-          <a:xfrm>
-            <a:off x="838200" y="1825625"/>
-            <a:ext cx="10515600" cy="4351338"/>
-          </a:xfrm>
-        </p:spPr>
+        <p:spPr/>
         <p:txBody>
           <a:bodyPr/>
           <a:lstStyle/>
@@ -7702,6 +8205,48 @@
               <a:t>Werkt voor de meeste gevallen zoals je verwacht:</a:t>
             </a:r>
             <a:endParaRPr lang="nl-NL" dirty="0"/>
+          </a:p>
+        </p:txBody>
+      </p:sp>
+      <p:sp>
+        <p:nvSpPr>
+          <p:cNvPr id="5" name="Tijdelijke aanduiding voor voettekst 4"/>
+          <p:cNvSpPr>
+            <a:spLocks noGrp="1"/>
+          </p:cNvSpPr>
+          <p:nvPr>
+            <p:ph type="ftr" sz="quarter" idx="11"/>
+          </p:nvPr>
+        </p:nvSpPr>
+        <p:spPr/>
+        <p:txBody>
+          <a:bodyPr/>
+          <a:lstStyle/>
+          <a:p>
+            <a:endParaRPr lang="nl-BE" dirty="0"/>
+          </a:p>
+        </p:txBody>
+      </p:sp>
+      <p:sp>
+        <p:nvSpPr>
+          <p:cNvPr id="6" name="Tijdelijke aanduiding voor dianummer 5"/>
+          <p:cNvSpPr>
+            <a:spLocks noGrp="1"/>
+          </p:cNvSpPr>
+          <p:nvPr>
+            <p:ph type="sldNum" sz="quarter" idx="12"/>
+          </p:nvPr>
+        </p:nvSpPr>
+        <p:spPr/>
+        <p:txBody>
+          <a:bodyPr/>
+          <a:lstStyle/>
+          <a:p>
+            <a:fld id="{E8A62353-F7CD-46ED-8877-B27D0E33FCF8}" type="slidenum">
+              <a:rPr lang="nl-BE" smtClean="0"/>
+              <a:t>10</a:t>
+            </a:fld>
+            <a:endParaRPr lang="nl-BE"/>
           </a:p>
         </p:txBody>
       </p:sp>
@@ -8127,48 +8672,6 @@
               <a:latin typeface="Arial" pitchFamily="34" charset="0"/>
               <a:cs typeface="Arial" pitchFamily="34" charset="0"/>
             </a:endParaRPr>
-          </a:p>
-        </p:txBody>
-      </p:sp>
-      <p:sp>
-        <p:nvSpPr>
-          <p:cNvPr id="5" name="Tijdelijke aanduiding voor voettekst 4"/>
-          <p:cNvSpPr>
-            <a:spLocks noGrp="1"/>
-          </p:cNvSpPr>
-          <p:nvPr>
-            <p:ph type="ftr" sz="quarter" idx="11"/>
-          </p:nvPr>
-        </p:nvSpPr>
-        <p:spPr/>
-        <p:txBody>
-          <a:bodyPr/>
-          <a:lstStyle/>
-          <a:p>
-            <a:endParaRPr lang="nl-BE" dirty="0"/>
-          </a:p>
-        </p:txBody>
-      </p:sp>
-      <p:sp>
-        <p:nvSpPr>
-          <p:cNvPr id="6" name="Tijdelijke aanduiding voor dianummer 5"/>
-          <p:cNvSpPr>
-            <a:spLocks noGrp="1"/>
-          </p:cNvSpPr>
-          <p:nvPr>
-            <p:ph type="sldNum" sz="quarter" idx="12"/>
-          </p:nvPr>
-        </p:nvSpPr>
-        <p:spPr/>
-        <p:txBody>
-          <a:bodyPr/>
-          <a:lstStyle/>
-          <a:p>
-            <a:fld id="{E8A62353-F7CD-46ED-8877-B27D0E33FCF8}" type="slidenum">
-              <a:rPr lang="nl-BE" smtClean="0"/>
-              <a:t>10</a:t>
-            </a:fld>
-            <a:endParaRPr lang="nl-BE"/>
           </a:p>
         </p:txBody>
       </p:sp>
@@ -8990,15 +9493,10 @@
             <a:spLocks noGrp="1" noChangeArrowheads="1"/>
           </p:cNvSpPr>
           <p:nvPr>
-            <p:ph type="body" idx="1"/>
+            <p:ph idx="1"/>
           </p:nvPr>
         </p:nvSpPr>
-        <p:spPr>
-          <a:xfrm>
-            <a:off x="838200" y="1825625"/>
-            <a:ext cx="10515600" cy="4351338"/>
-          </a:xfrm>
-        </p:spPr>
+        <p:spPr/>
         <p:txBody>
           <a:bodyPr/>
           <a:lstStyle/>
@@ -9036,6 +9534,48 @@
               <a:t>Echter soms heel onverwachte resultaten bij afronden op halve waarden</a:t>
             </a:r>
             <a:endParaRPr lang="nl-NL" dirty="0"/>
+          </a:p>
+        </p:txBody>
+      </p:sp>
+      <p:sp>
+        <p:nvSpPr>
+          <p:cNvPr id="5" name="Tijdelijke aanduiding voor voettekst 4"/>
+          <p:cNvSpPr>
+            <a:spLocks noGrp="1"/>
+          </p:cNvSpPr>
+          <p:nvPr>
+            <p:ph type="ftr" sz="quarter" idx="11"/>
+          </p:nvPr>
+        </p:nvSpPr>
+        <p:spPr/>
+        <p:txBody>
+          <a:bodyPr/>
+          <a:lstStyle/>
+          <a:p>
+            <a:endParaRPr lang="nl-BE" dirty="0"/>
+          </a:p>
+        </p:txBody>
+      </p:sp>
+      <p:sp>
+        <p:nvSpPr>
+          <p:cNvPr id="6" name="Tijdelijke aanduiding voor dianummer 5"/>
+          <p:cNvSpPr>
+            <a:spLocks noGrp="1"/>
+          </p:cNvSpPr>
+          <p:nvPr>
+            <p:ph type="sldNum" sz="quarter" idx="12"/>
+          </p:nvPr>
+        </p:nvSpPr>
+        <p:spPr/>
+        <p:txBody>
+          <a:bodyPr/>
+          <a:lstStyle/>
+          <a:p>
+            <a:fld id="{E8A62353-F7CD-46ED-8877-B27D0E33FCF8}" type="slidenum">
+              <a:rPr lang="nl-BE" smtClean="0"/>
+              <a:t>12</a:t>
+            </a:fld>
+            <a:endParaRPr lang="nl-BE"/>
           </a:p>
         </p:txBody>
       </p:sp>
@@ -9461,48 +10001,6 @@
               <a:latin typeface="Arial" pitchFamily="34" charset="0"/>
               <a:cs typeface="Arial" pitchFamily="34" charset="0"/>
             </a:endParaRPr>
-          </a:p>
-        </p:txBody>
-      </p:sp>
-      <p:sp>
-        <p:nvSpPr>
-          <p:cNvPr id="5" name="Tijdelijke aanduiding voor voettekst 4"/>
-          <p:cNvSpPr>
-            <a:spLocks noGrp="1"/>
-          </p:cNvSpPr>
-          <p:nvPr>
-            <p:ph type="ftr" sz="quarter" idx="11"/>
-          </p:nvPr>
-        </p:nvSpPr>
-        <p:spPr/>
-        <p:txBody>
-          <a:bodyPr/>
-          <a:lstStyle/>
-          <a:p>
-            <a:endParaRPr lang="nl-BE" dirty="0"/>
-          </a:p>
-        </p:txBody>
-      </p:sp>
-      <p:sp>
-        <p:nvSpPr>
-          <p:cNvPr id="6" name="Tijdelijke aanduiding voor dianummer 5"/>
-          <p:cNvSpPr>
-            <a:spLocks noGrp="1"/>
-          </p:cNvSpPr>
-          <p:nvPr>
-            <p:ph type="sldNum" sz="quarter" idx="12"/>
-          </p:nvPr>
-        </p:nvSpPr>
-        <p:spPr/>
-        <p:txBody>
-          <a:bodyPr/>
-          <a:lstStyle/>
-          <a:p>
-            <a:fld id="{E8A62353-F7CD-46ED-8877-B27D0E33FCF8}" type="slidenum">
-              <a:rPr lang="nl-BE" smtClean="0"/>
-              <a:t>12</a:t>
-            </a:fld>
-            <a:endParaRPr lang="nl-BE"/>
           </a:p>
         </p:txBody>
       </p:sp>
@@ -9762,71 +10260,6 @@
       </p:grpSpPr>
       <p:sp>
         <p:nvSpPr>
-          <p:cNvPr id="74" name="Rectangle 73">
-            <a:extLst>
-              <a:ext uri="{FF2B5EF4-FFF2-40B4-BE49-F238E27FC236}">
-                <a16:creationId xmlns:a16="http://schemas.microsoft.com/office/drawing/2014/main" id="{8D70B121-56F4-4848-B38B-182089D909FA}"/>
-              </a:ext>
-              <a:ext uri="{C183D7F6-B498-43B3-948B-1728B52AA6E4}">
-                <adec:decorative xmlns:adec="http://schemas.microsoft.com/office/drawing/2017/decorative" val="1"/>
-              </a:ext>
-            </a:extLst>
-          </p:cNvPr>
-          <p:cNvSpPr>
-            <a:spLocks noGrp="1" noRot="1" noChangeAspect="1" noMove="1" noResize="1" noEditPoints="1" noAdjustHandles="1" noChangeArrowheads="1" noChangeShapeType="1" noTextEdit="1"/>
-          </p:cNvSpPr>
-          <p:nvPr>
-            <p:extLst>
-              <p:ext uri="{386F3935-93C4-4BCD-93E2-E3B085C9AB24}">
-                <p16:designElem xmlns:p16="http://schemas.microsoft.com/office/powerpoint/2015/main" val="1"/>
-              </p:ext>
-            </p:extLst>
-          </p:nvPr>
-        </p:nvSpPr>
-        <p:spPr bwMode="ltGray">
-          <a:xfrm>
-            <a:off x="321564" y="320040"/>
-            <a:ext cx="11548872" cy="6217920"/>
-          </a:xfrm>
-          <a:prstGeom prst="rect">
-            <a:avLst/>
-          </a:prstGeom>
-          <a:solidFill>
-            <a:schemeClr val="tx1">
-              <a:alpha val="8000"/>
-            </a:schemeClr>
-          </a:solidFill>
-          <a:ln w="127000" cap="sq" cmpd="thinThick">
-            <a:noFill/>
-          </a:ln>
-        </p:spPr>
-        <p:style>
-          <a:lnRef idx="2">
-            <a:schemeClr val="accent1">
-              <a:shade val="50000"/>
-            </a:schemeClr>
-          </a:lnRef>
-          <a:fillRef idx="1">
-            <a:schemeClr val="accent1"/>
-          </a:fillRef>
-          <a:effectRef idx="0">
-            <a:schemeClr val="accent1"/>
-          </a:effectRef>
-          <a:fontRef idx="minor">
-            <a:schemeClr val="lt1"/>
-          </a:fontRef>
-        </p:style>
-        <p:txBody>
-          <a:bodyPr rtlCol="0" anchor="ctr"/>
-          <a:lstStyle/>
-          <a:p>
-            <a:pPr algn="ctr"/>
-            <a:endParaRPr lang="en-US"/>
-          </a:p>
-        </p:txBody>
-      </p:sp>
-      <p:sp>
-        <p:nvSpPr>
           <p:cNvPr id="16388" name="Rectangle 2"/>
           <p:cNvSpPr>
             <a:spLocks noGrp="1" noChangeArrowheads="1"/>
@@ -9864,61 +10297,6 @@
           </a:p>
         </p:txBody>
       </p:sp>
-      <p:cxnSp>
-        <p:nvCxnSpPr>
-          <p:cNvPr id="76" name="Straight Connector 75">
-            <a:extLst>
-              <a:ext uri="{FF2B5EF4-FFF2-40B4-BE49-F238E27FC236}">
-                <a16:creationId xmlns:a16="http://schemas.microsoft.com/office/drawing/2014/main" id="{2D72A2C9-F3CA-4216-8BAD-FA4C970C3C4E}"/>
-              </a:ext>
-              <a:ext uri="{C183D7F6-B498-43B3-948B-1728B52AA6E4}">
-                <adec:decorative xmlns:adec="http://schemas.microsoft.com/office/drawing/2017/decorative" val="1"/>
-              </a:ext>
-            </a:extLst>
-          </p:cNvPr>
-          <p:cNvCxnSpPr>
-            <a:cxnSpLocks noGrp="1" noRot="1" noChangeAspect="1" noMove="1" noResize="1" noEditPoints="1" noAdjustHandles="1" noChangeArrowheads="1" noChangeShapeType="1"/>
-          </p:cNvCxnSpPr>
-          <p:nvPr>
-            <p:extLst>
-              <p:ext uri="{386F3935-93C4-4BCD-93E2-E3B085C9AB24}">
-                <p16:designElem xmlns:p16="http://schemas.microsoft.com/office/powerpoint/2015/main" val="1"/>
-              </p:ext>
-            </p:extLst>
-          </p:nvPr>
-        </p:nvCxnSpPr>
-        <p:spPr>
-          <a:xfrm>
-            <a:off x="4654296" y="2057400"/>
-            <a:ext cx="0" cy="2743200"/>
-          </a:xfrm>
-          <a:prstGeom prst="line">
-            <a:avLst/>
-          </a:prstGeom>
-          <a:ln w="19050">
-            <a:solidFill>
-              <a:schemeClr val="tx1">
-                <a:lumMod val="85000"/>
-                <a:lumOff val="15000"/>
-              </a:schemeClr>
-            </a:solidFill>
-          </a:ln>
-        </p:spPr>
-        <p:style>
-          <a:lnRef idx="1">
-            <a:schemeClr val="accent1"/>
-          </a:lnRef>
-          <a:fillRef idx="0">
-            <a:schemeClr val="accent1"/>
-          </a:fillRef>
-          <a:effectRef idx="0">
-            <a:schemeClr val="accent1"/>
-          </a:effectRef>
-          <a:fontRef idx="minor">
-            <a:schemeClr val="tx1"/>
-          </a:fontRef>
-        </p:style>
-      </p:cxnSp>
       <p:sp>
         <p:nvSpPr>
           <p:cNvPr id="16389" name="Rectangle 3"/>
@@ -9926,7 +10304,7 @@
             <a:spLocks noGrp="1" noChangeArrowheads="1"/>
           </p:cNvSpPr>
           <p:nvPr>
-            <p:ph type="body" idx="1"/>
+            <p:ph idx="1"/>
           </p:nvPr>
         </p:nvSpPr>
         <p:spPr>
@@ -9988,6 +10366,25 @@
               </a:rPr>
               <a:t> 4 (en niet 5 zoals je zou verwachten)</a:t>
             </a:r>
+          </a:p>
+        </p:txBody>
+      </p:sp>
+      <p:sp>
+        <p:nvSpPr>
+          <p:cNvPr id="10" name="Tijdelijke aanduiding voor voettekst 9"/>
+          <p:cNvSpPr>
+            <a:spLocks noGrp="1"/>
+          </p:cNvSpPr>
+          <p:nvPr>
+            <p:ph type="ftr" sz="quarter" idx="11"/>
+          </p:nvPr>
+        </p:nvSpPr>
+        <p:spPr/>
+        <p:txBody>
+          <a:bodyPr/>
+          <a:lstStyle/>
+          <a:p>
+            <a:endParaRPr lang="nl-BE" dirty="0"/>
           </a:p>
         </p:txBody>
       </p:sp>
@@ -10040,25 +10437,6 @@
                 </a:schemeClr>
               </a:solidFill>
             </a:endParaRPr>
-          </a:p>
-        </p:txBody>
-      </p:sp>
-      <p:sp>
-        <p:nvSpPr>
-          <p:cNvPr id="10" name="Tijdelijke aanduiding voor voettekst 9"/>
-          <p:cNvSpPr>
-            <a:spLocks noGrp="1"/>
-          </p:cNvSpPr>
-          <p:nvPr>
-            <p:ph type="ftr" sz="quarter" idx="11"/>
-          </p:nvPr>
-        </p:nvSpPr>
-        <p:spPr/>
-        <p:txBody>
-          <a:bodyPr/>
-          <a:lstStyle/>
-          <a:p>
-            <a:endParaRPr lang="nl-BE" dirty="0"/>
           </a:p>
         </p:txBody>
       </p:sp>
@@ -10609,91 +10987,6 @@
       </p:grpSpPr>
       <p:sp>
         <p:nvSpPr>
-          <p:cNvPr id="9" name="Rectangle 8">
-            <a:extLst>
-              <a:ext uri="{FF2B5EF4-FFF2-40B4-BE49-F238E27FC236}">
-                <a16:creationId xmlns:a16="http://schemas.microsoft.com/office/drawing/2014/main" id="{23962611-DFD5-4092-AAFD-559E3DFCE2C9}"/>
-              </a:ext>
-              <a:ext uri="{C183D7F6-B498-43B3-948B-1728B52AA6E4}">
-                <adec:decorative xmlns:adec="http://schemas.microsoft.com/office/drawing/2017/decorative" val="1"/>
-              </a:ext>
-            </a:extLst>
-          </p:cNvPr>
-          <p:cNvSpPr>
-            <a:spLocks noGrp="1" noRot="1" noChangeAspect="1" noMove="1" noResize="1" noEditPoints="1" noAdjustHandles="1" noChangeArrowheads="1" noChangeShapeType="1" noTextEdit="1"/>
-          </p:cNvSpPr>
-          <p:nvPr>
-            <p:extLst>
-              <p:ext uri="{386F3935-93C4-4BCD-93E2-E3B085C9AB24}">
-                <p16:designElem xmlns:p16="http://schemas.microsoft.com/office/powerpoint/2015/main" val="1"/>
-              </p:ext>
-            </p:extLst>
-          </p:nvPr>
-        </p:nvSpPr>
-        <p:spPr>
-          <a:xfrm>
-            <a:off x="475488" y="0"/>
-            <a:ext cx="10910292" cy="6858000"/>
-          </a:xfrm>
-          <a:prstGeom prst="rect">
-            <a:avLst/>
-          </a:prstGeom>
-          <a:gradFill>
-            <a:gsLst>
-              <a:gs pos="0">
-                <a:schemeClr val="accent1">
-                  <a:lumMod val="90000"/>
-                </a:schemeClr>
-              </a:gs>
-              <a:gs pos="25000">
-                <a:schemeClr val="accent1">
-                  <a:lumMod val="90000"/>
-                </a:schemeClr>
-              </a:gs>
-              <a:gs pos="94000">
-                <a:schemeClr val="bg2">
-                  <a:lumMod val="25000"/>
-                </a:schemeClr>
-              </a:gs>
-              <a:gs pos="100000">
-                <a:schemeClr val="bg2">
-                  <a:lumMod val="25000"/>
-                </a:schemeClr>
-              </a:gs>
-            </a:gsLst>
-            <a:lin ang="4200000" scaled="0"/>
-          </a:gradFill>
-          <a:ln>
-            <a:noFill/>
-          </a:ln>
-        </p:spPr>
-        <p:style>
-          <a:lnRef idx="2">
-            <a:schemeClr val="accent1">
-              <a:shade val="50000"/>
-            </a:schemeClr>
-          </a:lnRef>
-          <a:fillRef idx="1">
-            <a:schemeClr val="accent1"/>
-          </a:fillRef>
-          <a:effectRef idx="0">
-            <a:schemeClr val="accent1"/>
-          </a:effectRef>
-          <a:fontRef idx="minor">
-            <a:schemeClr val="lt1"/>
-          </a:fontRef>
-        </p:style>
-        <p:txBody>
-          <a:bodyPr rtlCol="0" anchor="ctr"/>
-          <a:lstStyle/>
-          <a:p>
-            <a:pPr algn="ctr"/>
-            <a:endParaRPr lang="en-US"/>
-          </a:p>
-        </p:txBody>
-      </p:sp>
-      <p:sp>
-        <p:nvSpPr>
           <p:cNvPr id="2" name="Titel 1">
             <a:extLst>
               <a:ext uri="{FF2B5EF4-FFF2-40B4-BE49-F238E27FC236}">
@@ -10767,51 +11060,6 @@
           </a:p>
         </p:txBody>
       </p:sp>
-      <p:pic>
-        <p:nvPicPr>
-          <p:cNvPr id="11" name="Picture 10">
-            <a:extLst>
-              <a:ext uri="{FF2B5EF4-FFF2-40B4-BE49-F238E27FC236}">
-                <a16:creationId xmlns:a16="http://schemas.microsoft.com/office/drawing/2014/main" id="{2270F1FA-0425-408F-9861-80BF5AFB276D}"/>
-              </a:ext>
-              <a:ext uri="{C183D7F6-B498-43B3-948B-1728B52AA6E4}">
-                <adec:decorative xmlns:adec="http://schemas.microsoft.com/office/drawing/2017/decorative" val="1"/>
-              </a:ext>
-            </a:extLst>
-          </p:cNvPr>
-          <p:cNvPicPr>
-            <a:picLocks noGrp="1" noRot="1" noChangeAspect="1" noMove="1" noResize="1" noEditPoints="1" noAdjustHandles="1" noChangeArrowheads="1" noChangeShapeType="1" noCrop="1"/>
-          </p:cNvPicPr>
-          <p:nvPr>
-            <p:extLst>
-              <p:ext uri="{386F3935-93C4-4BCD-93E2-E3B085C9AB24}">
-                <p16:designElem xmlns:p16="http://schemas.microsoft.com/office/powerpoint/2015/main" val="1"/>
-              </p:ext>
-            </p:extLst>
-          </p:nvPr>
-        </p:nvPicPr>
-        <p:blipFill>
-          <a:blip r:embed="rId2">
-            <a:extLst>
-              <a:ext uri="{28A0092B-C50C-407E-A947-70E740481C1C}">
-                <a14:useLocalDpi xmlns:a14="http://schemas.microsoft.com/office/drawing/2010/main" val="0"/>
-              </a:ext>
-            </a:extLst>
-          </a:blip>
-          <a:stretch>
-            <a:fillRect/>
-          </a:stretch>
-        </p:blipFill>
-        <p:spPr>
-          <a:xfrm>
-            <a:off x="0" y="0"/>
-            <a:ext cx="12192000" cy="6858000"/>
-          </a:xfrm>
-          <a:prstGeom prst="rect">
-            <a:avLst/>
-          </a:prstGeom>
-        </p:spPr>
-      </p:pic>
       <p:sp>
         <p:nvSpPr>
           <p:cNvPr id="4" name="Tijdelijke aanduiding voor dianummer 3">
@@ -10904,196 +11152,6 @@
           <a:chExt cx="0" cy="0"/>
         </a:xfrm>
       </p:grpSpPr>
-      <p:sp useBgFill="1">
-        <p:nvSpPr>
-          <p:cNvPr id="9" name="Rectangle 8">
-            <a:extLst>
-              <a:ext uri="{FF2B5EF4-FFF2-40B4-BE49-F238E27FC236}">
-                <a16:creationId xmlns:a16="http://schemas.microsoft.com/office/drawing/2014/main" id="{3B854194-185D-494D-905C-7C7CB2E30F6E}"/>
-              </a:ext>
-              <a:ext uri="{C183D7F6-B498-43B3-948B-1728B52AA6E4}">
-                <adec:decorative xmlns:adec="http://schemas.microsoft.com/office/drawing/2017/decorative" val="1"/>
-              </a:ext>
-            </a:extLst>
-          </p:cNvPr>
-          <p:cNvSpPr>
-            <a:spLocks noGrp="1" noRot="1" noChangeAspect="1" noMove="1" noResize="1" noEditPoints="1" noAdjustHandles="1" noChangeArrowheads="1" noChangeShapeType="1" noTextEdit="1"/>
-          </p:cNvSpPr>
-          <p:nvPr>
-            <p:extLst>
-              <p:ext uri="{386F3935-93C4-4BCD-93E2-E3B085C9AB24}">
-                <p16:designElem xmlns:p16="http://schemas.microsoft.com/office/powerpoint/2015/main" val="1"/>
-              </p:ext>
-            </p:extLst>
-          </p:nvPr>
-        </p:nvSpPr>
-        <p:spPr>
-          <a:xfrm>
-            <a:off x="1" y="0"/>
-            <a:ext cx="6082110" cy="6858000"/>
-          </a:xfrm>
-          <a:prstGeom prst="rect">
-            <a:avLst/>
-          </a:prstGeom>
-          <a:ln>
-            <a:noFill/>
-          </a:ln>
-        </p:spPr>
-        <p:style>
-          <a:lnRef idx="2">
-            <a:schemeClr val="accent1">
-              <a:shade val="50000"/>
-            </a:schemeClr>
-          </a:lnRef>
-          <a:fillRef idx="1">
-            <a:schemeClr val="accent1"/>
-          </a:fillRef>
-          <a:effectRef idx="0">
-            <a:schemeClr val="accent1"/>
-          </a:effectRef>
-          <a:fontRef idx="minor">
-            <a:schemeClr val="lt1"/>
-          </a:fontRef>
-        </p:style>
-        <p:txBody>
-          <a:bodyPr rtlCol="0" anchor="ctr"/>
-          <a:lstStyle/>
-          <a:p>
-            <a:pPr algn="ctr"/>
-            <a:endParaRPr lang="en-US"/>
-          </a:p>
-        </p:txBody>
-      </p:sp>
-      <p:sp>
-        <p:nvSpPr>
-          <p:cNvPr id="11" name="Rectangle 10">
-            <a:extLst>
-              <a:ext uri="{FF2B5EF4-FFF2-40B4-BE49-F238E27FC236}">
-                <a16:creationId xmlns:a16="http://schemas.microsoft.com/office/drawing/2014/main" id="{B4F5FA0D-0104-4987-8241-EFF7C85B88DE}"/>
-              </a:ext>
-              <a:ext uri="{C183D7F6-B498-43B3-948B-1728B52AA6E4}">
-                <adec:decorative xmlns:adec="http://schemas.microsoft.com/office/drawing/2017/decorative" val="1"/>
-              </a:ext>
-            </a:extLst>
-          </p:cNvPr>
-          <p:cNvSpPr>
-            <a:spLocks noGrp="1" noRot="1" noChangeAspect="1" noMove="1" noResize="1" noEditPoints="1" noAdjustHandles="1" noChangeArrowheads="1" noChangeShapeType="1" noTextEdit="1"/>
-          </p:cNvSpPr>
-          <p:nvPr>
-            <p:extLst>
-              <p:ext uri="{386F3935-93C4-4BCD-93E2-E3B085C9AB24}">
-                <p16:designElem xmlns:p16="http://schemas.microsoft.com/office/powerpoint/2015/main" val="1"/>
-              </p:ext>
-            </p:extLst>
-          </p:nvPr>
-        </p:nvSpPr>
-        <p:spPr>
-          <a:xfrm>
-            <a:off x="1" y="0"/>
-            <a:ext cx="12191998" cy="6858000"/>
-          </a:xfrm>
-          <a:prstGeom prst="rect">
-            <a:avLst/>
-          </a:prstGeom>
-          <a:gradFill>
-            <a:gsLst>
-              <a:gs pos="0">
-                <a:schemeClr val="accent1">
-                  <a:lumMod val="90000"/>
-                </a:schemeClr>
-              </a:gs>
-              <a:gs pos="25000">
-                <a:schemeClr val="accent1">
-                  <a:lumMod val="90000"/>
-                </a:schemeClr>
-              </a:gs>
-              <a:gs pos="94000">
-                <a:schemeClr val="bg2">
-                  <a:lumMod val="25000"/>
-                </a:schemeClr>
-              </a:gs>
-              <a:gs pos="100000">
-                <a:schemeClr val="bg2">
-                  <a:lumMod val="25000"/>
-                </a:schemeClr>
-              </a:gs>
-            </a:gsLst>
-            <a:lin ang="4200000" scaled="0"/>
-          </a:gradFill>
-          <a:ln>
-            <a:noFill/>
-          </a:ln>
-        </p:spPr>
-        <p:style>
-          <a:lnRef idx="2">
-            <a:schemeClr val="accent1">
-              <a:shade val="50000"/>
-            </a:schemeClr>
-          </a:lnRef>
-          <a:fillRef idx="1">
-            <a:schemeClr val="accent1"/>
-          </a:fillRef>
-          <a:effectRef idx="0">
-            <a:schemeClr val="accent1"/>
-          </a:effectRef>
-          <a:fontRef idx="minor">
-            <a:schemeClr val="lt1"/>
-          </a:fontRef>
-        </p:style>
-        <p:txBody>
-          <a:bodyPr rtlCol="0" anchor="ctr"/>
-          <a:lstStyle/>
-          <a:p>
-            <a:pPr algn="ctr"/>
-            <a:endParaRPr lang="en-US"/>
-          </a:p>
-        </p:txBody>
-      </p:sp>
-      <p:pic>
-        <p:nvPicPr>
-          <p:cNvPr id="13" name="Picture 12">
-            <a:extLst>
-              <a:ext uri="{FF2B5EF4-FFF2-40B4-BE49-F238E27FC236}">
-                <a16:creationId xmlns:a16="http://schemas.microsoft.com/office/drawing/2014/main" id="{2897127E-6CEF-446C-BE87-93B7C46E49D1}"/>
-              </a:ext>
-              <a:ext uri="{C183D7F6-B498-43B3-948B-1728B52AA6E4}">
-                <adec:decorative xmlns:adec="http://schemas.microsoft.com/office/drawing/2017/decorative" val="1"/>
-              </a:ext>
-            </a:extLst>
-          </p:cNvPr>
-          <p:cNvPicPr>
-            <a:picLocks noGrp="1" noRot="1" noChangeAspect="1" noMove="1" noResize="1" noEditPoints="1" noAdjustHandles="1" noChangeArrowheads="1" noChangeShapeType="1" noCrop="1"/>
-          </p:cNvPicPr>
-          <p:nvPr>
-            <p:extLst>
-              <p:ext uri="{386F3935-93C4-4BCD-93E2-E3B085C9AB24}">
-                <p16:designElem xmlns:p16="http://schemas.microsoft.com/office/powerpoint/2015/main" val="1"/>
-              </p:ext>
-            </p:extLst>
-          </p:nvPr>
-        </p:nvPicPr>
-        <p:blipFill>
-          <a:blip r:embed="rId2">
-            <a:extLst>
-              <a:ext uri="{28A0092B-C50C-407E-A947-70E740481C1C}">
-                <a14:useLocalDpi xmlns:a14="http://schemas.microsoft.com/office/drawing/2010/main" val="0"/>
-              </a:ext>
-            </a:extLst>
-          </a:blip>
-          <a:stretch>
-            <a:fillRect/>
-          </a:stretch>
-        </p:blipFill>
-        <p:spPr>
-          <a:xfrm>
-            <a:off x="0" y="0"/>
-            <a:ext cx="12192000" cy="6858000"/>
-          </a:xfrm>
-          <a:prstGeom prst="rect">
-            <a:avLst/>
-          </a:prstGeom>
-        </p:spPr>
-      </p:pic>
       <p:sp>
         <p:nvSpPr>
           <p:cNvPr id="2" name="Titel 1">
@@ -11598,91 +11656,6 @@
       </p:grpSpPr>
       <p:sp>
         <p:nvSpPr>
-          <p:cNvPr id="9" name="Rectangle 8">
-            <a:extLst>
-              <a:ext uri="{FF2B5EF4-FFF2-40B4-BE49-F238E27FC236}">
-                <a16:creationId xmlns:a16="http://schemas.microsoft.com/office/drawing/2014/main" id="{23962611-DFD5-4092-AAFD-559E3DFCE2C9}"/>
-              </a:ext>
-              <a:ext uri="{C183D7F6-B498-43B3-948B-1728B52AA6E4}">
-                <adec:decorative xmlns:adec="http://schemas.microsoft.com/office/drawing/2017/decorative" val="1"/>
-              </a:ext>
-            </a:extLst>
-          </p:cNvPr>
-          <p:cNvSpPr>
-            <a:spLocks noGrp="1" noRot="1" noChangeAspect="1" noMove="1" noResize="1" noEditPoints="1" noAdjustHandles="1" noChangeArrowheads="1" noChangeShapeType="1" noTextEdit="1"/>
-          </p:cNvSpPr>
-          <p:nvPr>
-            <p:extLst>
-              <p:ext uri="{386F3935-93C4-4BCD-93E2-E3B085C9AB24}">
-                <p16:designElem xmlns:p16="http://schemas.microsoft.com/office/powerpoint/2015/main" val="1"/>
-              </p:ext>
-            </p:extLst>
-          </p:nvPr>
-        </p:nvSpPr>
-        <p:spPr>
-          <a:xfrm>
-            <a:off x="475488" y="0"/>
-            <a:ext cx="10910292" cy="6858000"/>
-          </a:xfrm>
-          <a:prstGeom prst="rect">
-            <a:avLst/>
-          </a:prstGeom>
-          <a:gradFill>
-            <a:gsLst>
-              <a:gs pos="0">
-                <a:schemeClr val="accent1">
-                  <a:lumMod val="90000"/>
-                </a:schemeClr>
-              </a:gs>
-              <a:gs pos="25000">
-                <a:schemeClr val="accent1">
-                  <a:lumMod val="90000"/>
-                </a:schemeClr>
-              </a:gs>
-              <a:gs pos="94000">
-                <a:schemeClr val="bg2">
-                  <a:lumMod val="25000"/>
-                </a:schemeClr>
-              </a:gs>
-              <a:gs pos="100000">
-                <a:schemeClr val="bg2">
-                  <a:lumMod val="25000"/>
-                </a:schemeClr>
-              </a:gs>
-            </a:gsLst>
-            <a:lin ang="4200000" scaled="0"/>
-          </a:gradFill>
-          <a:ln>
-            <a:noFill/>
-          </a:ln>
-        </p:spPr>
-        <p:style>
-          <a:lnRef idx="2">
-            <a:schemeClr val="accent1">
-              <a:shade val="50000"/>
-            </a:schemeClr>
-          </a:lnRef>
-          <a:fillRef idx="1">
-            <a:schemeClr val="accent1"/>
-          </a:fillRef>
-          <a:effectRef idx="0">
-            <a:schemeClr val="accent1"/>
-          </a:effectRef>
-          <a:fontRef idx="minor">
-            <a:schemeClr val="lt1"/>
-          </a:fontRef>
-        </p:style>
-        <p:txBody>
-          <a:bodyPr rtlCol="0" anchor="ctr"/>
-          <a:lstStyle/>
-          <a:p>
-            <a:pPr algn="ctr"/>
-            <a:endParaRPr lang="en-US"/>
-          </a:p>
-        </p:txBody>
-      </p:sp>
-      <p:sp>
-        <p:nvSpPr>
           <p:cNvPr id="2" name="Titel 1">
             <a:extLst>
               <a:ext uri="{FF2B5EF4-FFF2-40B4-BE49-F238E27FC236}">
@@ -11764,51 +11737,6 @@
           </a:p>
         </p:txBody>
       </p:sp>
-      <p:pic>
-        <p:nvPicPr>
-          <p:cNvPr id="11" name="Picture 10">
-            <a:extLst>
-              <a:ext uri="{FF2B5EF4-FFF2-40B4-BE49-F238E27FC236}">
-                <a16:creationId xmlns:a16="http://schemas.microsoft.com/office/drawing/2014/main" id="{2270F1FA-0425-408F-9861-80BF5AFB276D}"/>
-              </a:ext>
-              <a:ext uri="{C183D7F6-B498-43B3-948B-1728B52AA6E4}">
-                <adec:decorative xmlns:adec="http://schemas.microsoft.com/office/drawing/2017/decorative" val="1"/>
-              </a:ext>
-            </a:extLst>
-          </p:cNvPr>
-          <p:cNvPicPr>
-            <a:picLocks noGrp="1" noRot="1" noChangeAspect="1" noMove="1" noResize="1" noEditPoints="1" noAdjustHandles="1" noChangeArrowheads="1" noChangeShapeType="1" noCrop="1"/>
-          </p:cNvPicPr>
-          <p:nvPr>
-            <p:extLst>
-              <p:ext uri="{386F3935-93C4-4BCD-93E2-E3B085C9AB24}">
-                <p16:designElem xmlns:p16="http://schemas.microsoft.com/office/powerpoint/2015/main" val="1"/>
-              </p:ext>
-            </p:extLst>
-          </p:nvPr>
-        </p:nvPicPr>
-        <p:blipFill>
-          <a:blip r:embed="rId2">
-            <a:extLst>
-              <a:ext uri="{28A0092B-C50C-407E-A947-70E740481C1C}">
-                <a14:useLocalDpi xmlns:a14="http://schemas.microsoft.com/office/drawing/2010/main" val="0"/>
-              </a:ext>
-            </a:extLst>
-          </a:blip>
-          <a:stretch>
-            <a:fillRect/>
-          </a:stretch>
-        </p:blipFill>
-        <p:spPr>
-          <a:xfrm>
-            <a:off x="0" y="0"/>
-            <a:ext cx="12192000" cy="6858000"/>
-          </a:xfrm>
-          <a:prstGeom prst="rect">
-            <a:avLst/>
-          </a:prstGeom>
-        </p:spPr>
-      </p:pic>
       <p:sp>
         <p:nvSpPr>
           <p:cNvPr id="4" name="Tijdelijke aanduiding voor dianummer 3">
@@ -11903,71 +11831,6 @@
       </p:grpSpPr>
       <p:sp>
         <p:nvSpPr>
-          <p:cNvPr id="74" name="Rectangle 73">
-            <a:extLst>
-              <a:ext uri="{FF2B5EF4-FFF2-40B4-BE49-F238E27FC236}">
-                <a16:creationId xmlns:a16="http://schemas.microsoft.com/office/drawing/2014/main" id="{8D70B121-56F4-4848-B38B-182089D909FA}"/>
-              </a:ext>
-              <a:ext uri="{C183D7F6-B498-43B3-948B-1728B52AA6E4}">
-                <adec:decorative xmlns:adec="http://schemas.microsoft.com/office/drawing/2017/decorative" val="1"/>
-              </a:ext>
-            </a:extLst>
-          </p:cNvPr>
-          <p:cNvSpPr>
-            <a:spLocks noGrp="1" noRot="1" noChangeAspect="1" noMove="1" noResize="1" noEditPoints="1" noAdjustHandles="1" noChangeArrowheads="1" noChangeShapeType="1" noTextEdit="1"/>
-          </p:cNvSpPr>
-          <p:nvPr>
-            <p:extLst>
-              <p:ext uri="{386F3935-93C4-4BCD-93E2-E3B085C9AB24}">
-                <p16:designElem xmlns:p16="http://schemas.microsoft.com/office/powerpoint/2015/main" val="1"/>
-              </p:ext>
-            </p:extLst>
-          </p:nvPr>
-        </p:nvSpPr>
-        <p:spPr bwMode="ltGray">
-          <a:xfrm>
-            <a:off x="321564" y="320040"/>
-            <a:ext cx="11548872" cy="6217920"/>
-          </a:xfrm>
-          <a:prstGeom prst="rect">
-            <a:avLst/>
-          </a:prstGeom>
-          <a:solidFill>
-            <a:schemeClr val="tx1">
-              <a:alpha val="8000"/>
-            </a:schemeClr>
-          </a:solidFill>
-          <a:ln w="127000" cap="sq" cmpd="thinThick">
-            <a:noFill/>
-          </a:ln>
-        </p:spPr>
-        <p:style>
-          <a:lnRef idx="2">
-            <a:schemeClr val="accent1">
-              <a:shade val="50000"/>
-            </a:schemeClr>
-          </a:lnRef>
-          <a:fillRef idx="1">
-            <a:schemeClr val="accent1"/>
-          </a:fillRef>
-          <a:effectRef idx="0">
-            <a:schemeClr val="accent1"/>
-          </a:effectRef>
-          <a:fontRef idx="minor">
-            <a:schemeClr val="lt1"/>
-          </a:fontRef>
-        </p:style>
-        <p:txBody>
-          <a:bodyPr rtlCol="0" anchor="ctr"/>
-          <a:lstStyle/>
-          <a:p>
-            <a:pPr algn="ctr"/>
-            <a:endParaRPr lang="en-US"/>
-          </a:p>
-        </p:txBody>
-      </p:sp>
-      <p:sp>
-        <p:nvSpPr>
           <p:cNvPr id="11268" name="Rectangle 2"/>
           <p:cNvSpPr>
             <a:spLocks noGrp="1" noChangeArrowheads="1"/>
@@ -12005,61 +11868,6 @@
           </a:p>
         </p:txBody>
       </p:sp>
-      <p:cxnSp>
-        <p:nvCxnSpPr>
-          <p:cNvPr id="76" name="Straight Connector 75">
-            <a:extLst>
-              <a:ext uri="{FF2B5EF4-FFF2-40B4-BE49-F238E27FC236}">
-                <a16:creationId xmlns:a16="http://schemas.microsoft.com/office/drawing/2014/main" id="{2D72A2C9-F3CA-4216-8BAD-FA4C970C3C4E}"/>
-              </a:ext>
-              <a:ext uri="{C183D7F6-B498-43B3-948B-1728B52AA6E4}">
-                <adec:decorative xmlns:adec="http://schemas.microsoft.com/office/drawing/2017/decorative" val="1"/>
-              </a:ext>
-            </a:extLst>
-          </p:cNvPr>
-          <p:cNvCxnSpPr>
-            <a:cxnSpLocks noGrp="1" noRot="1" noChangeAspect="1" noMove="1" noResize="1" noEditPoints="1" noAdjustHandles="1" noChangeArrowheads="1" noChangeShapeType="1"/>
-          </p:cNvCxnSpPr>
-          <p:nvPr>
-            <p:extLst>
-              <p:ext uri="{386F3935-93C4-4BCD-93E2-E3B085C9AB24}">
-                <p16:designElem xmlns:p16="http://schemas.microsoft.com/office/powerpoint/2015/main" val="1"/>
-              </p:ext>
-            </p:extLst>
-          </p:nvPr>
-        </p:nvCxnSpPr>
-        <p:spPr>
-          <a:xfrm>
-            <a:off x="4654296" y="2057400"/>
-            <a:ext cx="0" cy="2743200"/>
-          </a:xfrm>
-          <a:prstGeom prst="line">
-            <a:avLst/>
-          </a:prstGeom>
-          <a:ln w="19050">
-            <a:solidFill>
-              <a:schemeClr val="tx1">
-                <a:lumMod val="85000"/>
-                <a:lumOff val="15000"/>
-              </a:schemeClr>
-            </a:solidFill>
-          </a:ln>
-        </p:spPr>
-        <p:style>
-          <a:lnRef idx="1">
-            <a:schemeClr val="accent1"/>
-          </a:lnRef>
-          <a:fillRef idx="0">
-            <a:schemeClr val="accent1"/>
-          </a:fillRef>
-          <a:effectRef idx="0">
-            <a:schemeClr val="accent1"/>
-          </a:effectRef>
-          <a:fontRef idx="minor">
-            <a:schemeClr val="tx1"/>
-          </a:fontRef>
-        </p:style>
-      </p:cxnSp>
       <p:sp>
         <p:nvSpPr>
           <p:cNvPr id="11269" name="Rectangle 3"/>
@@ -12067,7 +11875,7 @@
             <a:spLocks noGrp="1" noChangeArrowheads="1"/>
           </p:cNvSpPr>
           <p:nvPr>
-            <p:ph type="body" idx="1"/>
+            <p:ph idx="1"/>
           </p:nvPr>
         </p:nvSpPr>
         <p:spPr>
@@ -12113,6 +11921,25 @@
               <a:t>Ook constanten PI en E zijn beschikbaar</a:t>
             </a:r>
             <a:endParaRPr lang="nl-NL" sz="2400"/>
+          </a:p>
+        </p:txBody>
+      </p:sp>
+      <p:sp>
+        <p:nvSpPr>
+          <p:cNvPr id="4" name="Tijdelijke aanduiding voor voettekst 3"/>
+          <p:cNvSpPr>
+            <a:spLocks noGrp="1"/>
+          </p:cNvSpPr>
+          <p:nvPr>
+            <p:ph type="ftr" sz="quarter" idx="11"/>
+          </p:nvPr>
+        </p:nvSpPr>
+        <p:spPr/>
+        <p:txBody>
+          <a:bodyPr/>
+          <a:lstStyle/>
+          <a:p>
+            <a:endParaRPr lang="nl-BE" dirty="0"/>
           </a:p>
         </p:txBody>
       </p:sp>
@@ -12165,25 +11992,6 @@
                 </a:schemeClr>
               </a:solidFill>
             </a:endParaRPr>
-          </a:p>
-        </p:txBody>
-      </p:sp>
-      <p:sp>
-        <p:nvSpPr>
-          <p:cNvPr id="4" name="Tijdelijke aanduiding voor voettekst 3"/>
-          <p:cNvSpPr>
-            <a:spLocks noGrp="1"/>
-          </p:cNvSpPr>
-          <p:nvPr>
-            <p:ph type="ftr" sz="quarter" idx="11"/>
-          </p:nvPr>
-        </p:nvSpPr>
-        <p:spPr/>
-        <p:txBody>
-          <a:bodyPr/>
-          <a:lstStyle/>
-          <a:p>
-            <a:endParaRPr lang="nl-BE" dirty="0"/>
           </a:p>
         </p:txBody>
       </p:sp>
@@ -12873,136 +12681,6 @@
       </p:grpSpPr>
       <p:sp>
         <p:nvSpPr>
-          <p:cNvPr id="9" name="Rectangle 8">
-            <a:extLst>
-              <a:ext uri="{FF2B5EF4-FFF2-40B4-BE49-F238E27FC236}">
-                <a16:creationId xmlns:a16="http://schemas.microsoft.com/office/drawing/2014/main" id="{23962611-DFD5-4092-AAFD-559E3DFCE2C9}"/>
-              </a:ext>
-              <a:ext uri="{C183D7F6-B498-43B3-948B-1728B52AA6E4}">
-                <adec:decorative xmlns:adec="http://schemas.microsoft.com/office/drawing/2017/decorative" val="1"/>
-              </a:ext>
-            </a:extLst>
-          </p:cNvPr>
-          <p:cNvSpPr>
-            <a:spLocks noGrp="1" noRot="1" noChangeAspect="1" noMove="1" noResize="1" noEditPoints="1" noAdjustHandles="1" noChangeArrowheads="1" noChangeShapeType="1" noTextEdit="1"/>
-          </p:cNvSpPr>
-          <p:nvPr>
-            <p:extLst>
-              <p:ext uri="{386F3935-93C4-4BCD-93E2-E3B085C9AB24}">
-                <p16:designElem xmlns:p16="http://schemas.microsoft.com/office/powerpoint/2015/main" val="1"/>
-              </p:ext>
-            </p:extLst>
-          </p:nvPr>
-        </p:nvSpPr>
-        <p:spPr>
-          <a:xfrm>
-            <a:off x="475488" y="0"/>
-            <a:ext cx="10910292" cy="6858000"/>
-          </a:xfrm>
-          <a:prstGeom prst="rect">
-            <a:avLst/>
-          </a:prstGeom>
-          <a:gradFill>
-            <a:gsLst>
-              <a:gs pos="0">
-                <a:schemeClr val="accent1">
-                  <a:lumMod val="90000"/>
-                </a:schemeClr>
-              </a:gs>
-              <a:gs pos="25000">
-                <a:schemeClr val="accent1">
-                  <a:lumMod val="90000"/>
-                </a:schemeClr>
-              </a:gs>
-              <a:gs pos="94000">
-                <a:schemeClr val="bg2">
-                  <a:lumMod val="25000"/>
-                </a:schemeClr>
-              </a:gs>
-              <a:gs pos="100000">
-                <a:schemeClr val="bg2">
-                  <a:lumMod val="25000"/>
-                </a:schemeClr>
-              </a:gs>
-            </a:gsLst>
-            <a:lin ang="4200000" scaled="0"/>
-          </a:gradFill>
-          <a:ln>
-            <a:noFill/>
-          </a:ln>
-        </p:spPr>
-        <p:style>
-          <a:lnRef idx="2">
-            <a:schemeClr val="accent1">
-              <a:shade val="50000"/>
-            </a:schemeClr>
-          </a:lnRef>
-          <a:fillRef idx="1">
-            <a:schemeClr val="accent1"/>
-          </a:fillRef>
-          <a:effectRef idx="0">
-            <a:schemeClr val="accent1"/>
-          </a:effectRef>
-          <a:fontRef idx="minor">
-            <a:schemeClr val="lt1"/>
-          </a:fontRef>
-        </p:style>
-        <p:txBody>
-          <a:bodyPr rtlCol="0" anchor="ctr"/>
-          <a:lstStyle/>
-          <a:p>
-            <a:pPr algn="ctr"/>
-            <a:endParaRPr lang="en-US"/>
-          </a:p>
-        </p:txBody>
-      </p:sp>
-      <p:pic>
-        <p:nvPicPr>
-          <p:cNvPr id="11" name="Picture 10">
-            <a:extLst>
-              <a:ext uri="{FF2B5EF4-FFF2-40B4-BE49-F238E27FC236}">
-                <a16:creationId xmlns:a16="http://schemas.microsoft.com/office/drawing/2014/main" id="{2270F1FA-0425-408F-9861-80BF5AFB276D}"/>
-              </a:ext>
-              <a:ext uri="{C183D7F6-B498-43B3-948B-1728B52AA6E4}">
-                <adec:decorative xmlns:adec="http://schemas.microsoft.com/office/drawing/2017/decorative" val="1"/>
-              </a:ext>
-            </a:extLst>
-          </p:cNvPr>
-          <p:cNvPicPr>
-            <a:picLocks noGrp="1" noRot="1" noChangeAspect="1" noMove="1" noResize="1" noEditPoints="1" noAdjustHandles="1" noChangeArrowheads="1" noChangeShapeType="1" noCrop="1"/>
-          </p:cNvPicPr>
-          <p:nvPr>
-            <p:extLst>
-              <p:ext uri="{386F3935-93C4-4BCD-93E2-E3B085C9AB24}">
-                <p16:designElem xmlns:p16="http://schemas.microsoft.com/office/powerpoint/2015/main" val="1"/>
-              </p:ext>
-            </p:extLst>
-          </p:nvPr>
-        </p:nvPicPr>
-        <p:blipFill>
-          <a:blip r:embed="rId2">
-            <a:extLst>
-              <a:ext uri="{28A0092B-C50C-407E-A947-70E740481C1C}">
-                <a14:useLocalDpi xmlns:a14="http://schemas.microsoft.com/office/drawing/2010/main" val="0"/>
-              </a:ext>
-            </a:extLst>
-          </a:blip>
-          <a:stretch>
-            <a:fillRect/>
-          </a:stretch>
-        </p:blipFill>
-        <p:spPr>
-          <a:xfrm>
-            <a:off x="0" y="0"/>
-            <a:ext cx="12192000" cy="6858000"/>
-          </a:xfrm>
-          <a:prstGeom prst="rect">
-            <a:avLst/>
-          </a:prstGeom>
-        </p:spPr>
-      </p:pic>
-      <p:sp>
-        <p:nvSpPr>
           <p:cNvPr id="2" name="Titel 1">
             <a:extLst>
               <a:ext uri="{FF2B5EF4-FFF2-40B4-BE49-F238E27FC236}">
@@ -13178,290 +12856,6 @@
       </p:grpSpPr>
       <p:sp>
         <p:nvSpPr>
-          <p:cNvPr id="76" name="Freeform: Shape 75">
-            <a:extLst>
-              <a:ext uri="{FF2B5EF4-FFF2-40B4-BE49-F238E27FC236}">
-                <a16:creationId xmlns:a16="http://schemas.microsoft.com/office/drawing/2014/main" id="{DB66F6E8-4D4A-4907-940A-774703A2D0FE}"/>
-              </a:ext>
-              <a:ext uri="{C183D7F6-B498-43B3-948B-1728B52AA6E4}">
-                <adec:decorative xmlns:adec="http://schemas.microsoft.com/office/drawing/2017/decorative" val="1"/>
-              </a:ext>
-            </a:extLst>
-          </p:cNvPr>
-          <p:cNvSpPr>
-            <a:spLocks noGrp="1" noRot="1" noChangeAspect="1" noMove="1" noResize="1" noEditPoints="1" noAdjustHandles="1" noChangeArrowheads="1" noChangeShapeType="1" noTextEdit="1"/>
-          </p:cNvSpPr>
-          <p:nvPr>
-            <p:extLst>
-              <p:ext uri="{386F3935-93C4-4BCD-93E2-E3B085C9AB24}">
-                <p16:designElem xmlns:p16="http://schemas.microsoft.com/office/powerpoint/2015/main" val="1"/>
-              </p:ext>
-            </p:extLst>
-          </p:nvPr>
-        </p:nvSpPr>
-        <p:spPr>
-          <a:xfrm rot="10800000">
-            <a:off x="9016005" y="5367908"/>
-            <a:ext cx="3175996" cy="1490093"/>
-          </a:xfrm>
-          <a:custGeom>
-            <a:avLst/>
-            <a:gdLst>
-              <a:gd name="connsiteX0" fmla="*/ 2485888 w 3175996"/>
-              <a:gd name="connsiteY0" fmla="*/ 1490093 h 1490093"/>
-              <a:gd name="connsiteX1" fmla="*/ 0 w 3175996"/>
-              <a:gd name="connsiteY1" fmla="*/ 1490093 h 1490093"/>
-              <a:gd name="connsiteX2" fmla="*/ 0 w 3175996"/>
-              <a:gd name="connsiteY2" fmla="*/ 0 h 1490093"/>
-              <a:gd name="connsiteX3" fmla="*/ 3175996 w 3175996"/>
-              <a:gd name="connsiteY3" fmla="*/ 0 h 1490093"/>
-            </a:gdLst>
-            <a:ahLst/>
-            <a:cxnLst>
-              <a:cxn ang="0">
-                <a:pos x="connsiteX0" y="connsiteY0"/>
-              </a:cxn>
-              <a:cxn ang="0">
-                <a:pos x="connsiteX1" y="connsiteY1"/>
-              </a:cxn>
-              <a:cxn ang="0">
-                <a:pos x="connsiteX2" y="connsiteY2"/>
-              </a:cxn>
-              <a:cxn ang="0">
-                <a:pos x="connsiteX3" y="connsiteY3"/>
-              </a:cxn>
-            </a:cxnLst>
-            <a:rect l="l" t="t" r="r" b="b"/>
-            <a:pathLst>
-              <a:path w="3175996" h="1490093">
-                <a:moveTo>
-                  <a:pt x="2485888" y="1490093"/>
-                </a:moveTo>
-                <a:lnTo>
-                  <a:pt x="0" y="1490093"/>
-                </a:lnTo>
-                <a:lnTo>
-                  <a:pt x="0" y="0"/>
-                </a:lnTo>
-                <a:lnTo>
-                  <a:pt x="3175996" y="0"/>
-                </a:lnTo>
-                <a:close/>
-              </a:path>
-            </a:pathLst>
-          </a:custGeom>
-          <a:solidFill>
-            <a:schemeClr val="bg1">
-              <a:lumMod val="95000"/>
-            </a:schemeClr>
-          </a:solidFill>
-          <a:ln>
-            <a:noFill/>
-          </a:ln>
-        </p:spPr>
-        <p:style>
-          <a:lnRef idx="2">
-            <a:schemeClr val="accent1">
-              <a:shade val="50000"/>
-            </a:schemeClr>
-          </a:lnRef>
-          <a:fillRef idx="1">
-            <a:schemeClr val="accent1"/>
-          </a:fillRef>
-          <a:effectRef idx="0">
-            <a:schemeClr val="accent1"/>
-          </a:effectRef>
-          <a:fontRef idx="minor">
-            <a:schemeClr val="lt1"/>
-          </a:fontRef>
-        </p:style>
-        <p:txBody>
-          <a:bodyPr rot="0" spcFirstLastPara="0" vertOverflow="overflow" horzOverflow="overflow" vert="horz" wrap="square" lIns="91440" tIns="45720" rIns="91440" bIns="45720" numCol="1" spcCol="0" rtlCol="0" fromWordArt="0" anchor="ctr" anchorCtr="0" forceAA="0" compatLnSpc="1">
-            <a:prstTxWarp prst="textNoShape">
-              <a:avLst/>
-            </a:prstTxWarp>
-            <a:noAutofit/>
-          </a:bodyPr>
-          <a:lstStyle/>
-          <a:p>
-            <a:pPr algn="ctr"/>
-            <a:endParaRPr lang="en-US"/>
-          </a:p>
-        </p:txBody>
-      </p:sp>
-      <p:sp>
-        <p:nvSpPr>
-          <p:cNvPr id="78" name="Freeform: Shape 77">
-            <a:extLst>
-              <a:ext uri="{FF2B5EF4-FFF2-40B4-BE49-F238E27FC236}">
-                <a16:creationId xmlns:a16="http://schemas.microsoft.com/office/drawing/2014/main" id="{8F1F5A56-E82B-4FD5-9025-B72896FFBB6D}"/>
-              </a:ext>
-              <a:ext uri="{C183D7F6-B498-43B3-948B-1728B52AA6E4}">
-                <adec:decorative xmlns:adec="http://schemas.microsoft.com/office/drawing/2017/decorative" val="1"/>
-              </a:ext>
-            </a:extLst>
-          </p:cNvPr>
-          <p:cNvSpPr>
-            <a:spLocks noGrp="1" noRot="1" noChangeAspect="1" noMove="1" noResize="1" noEditPoints="1" noAdjustHandles="1" noChangeArrowheads="1" noChangeShapeType="1" noTextEdit="1"/>
-          </p:cNvSpPr>
-          <p:nvPr>
-            <p:extLst>
-              <p:ext uri="{386F3935-93C4-4BCD-93E2-E3B085C9AB24}">
-                <p16:designElem xmlns:p16="http://schemas.microsoft.com/office/powerpoint/2015/main" val="1"/>
-              </p:ext>
-            </p:extLst>
-          </p:nvPr>
-        </p:nvSpPr>
-        <p:spPr>
-          <a:xfrm>
-            <a:off x="0" y="5367908"/>
-            <a:ext cx="9566296" cy="1490093"/>
-          </a:xfrm>
-          <a:custGeom>
-            <a:avLst/>
-            <a:gdLst>
-              <a:gd name="connsiteX0" fmla="*/ 0 w 9566296"/>
-              <a:gd name="connsiteY0" fmla="*/ 0 h 1490093"/>
-              <a:gd name="connsiteX1" fmla="*/ 405267 w 9566296"/>
-              <a:gd name="connsiteY1" fmla="*/ 0 h 1490093"/>
-              <a:gd name="connsiteX2" fmla="*/ 631857 w 9566296"/>
-              <a:gd name="connsiteY2" fmla="*/ 0 h 1490093"/>
-              <a:gd name="connsiteX3" fmla="*/ 2451761 w 9566296"/>
-              <a:gd name="connsiteY3" fmla="*/ 0 h 1490093"/>
-              <a:gd name="connsiteX4" fmla="*/ 2901880 w 9566296"/>
-              <a:gd name="connsiteY4" fmla="*/ 0 h 1490093"/>
-              <a:gd name="connsiteX5" fmla="*/ 3641106 w 9566296"/>
-              <a:gd name="connsiteY5" fmla="*/ 0 h 1490093"/>
-              <a:gd name="connsiteX6" fmla="*/ 9566296 w 9566296"/>
-              <a:gd name="connsiteY6" fmla="*/ 0 h 1490093"/>
-              <a:gd name="connsiteX7" fmla="*/ 8876188 w 9566296"/>
-              <a:gd name="connsiteY7" fmla="*/ 1490093 h 1490093"/>
-              <a:gd name="connsiteX8" fmla="*/ 631857 w 9566296"/>
-              <a:gd name="connsiteY8" fmla="*/ 1490093 h 1490093"/>
-              <a:gd name="connsiteX9" fmla="*/ 405267 w 9566296"/>
-              <a:gd name="connsiteY9" fmla="*/ 1490093 h 1490093"/>
-              <a:gd name="connsiteX10" fmla="*/ 0 w 9566296"/>
-              <a:gd name="connsiteY10" fmla="*/ 1490093 h 1490093"/>
-            </a:gdLst>
-            <a:ahLst/>
-            <a:cxnLst>
-              <a:cxn ang="0">
-                <a:pos x="connsiteX0" y="connsiteY0"/>
-              </a:cxn>
-              <a:cxn ang="0">
-                <a:pos x="connsiteX1" y="connsiteY1"/>
-              </a:cxn>
-              <a:cxn ang="0">
-                <a:pos x="connsiteX2" y="connsiteY2"/>
-              </a:cxn>
-              <a:cxn ang="0">
-                <a:pos x="connsiteX3" y="connsiteY3"/>
-              </a:cxn>
-              <a:cxn ang="0">
-                <a:pos x="connsiteX4" y="connsiteY4"/>
-              </a:cxn>
-              <a:cxn ang="0">
-                <a:pos x="connsiteX5" y="connsiteY5"/>
-              </a:cxn>
-              <a:cxn ang="0">
-                <a:pos x="connsiteX6" y="connsiteY6"/>
-              </a:cxn>
-              <a:cxn ang="0">
-                <a:pos x="connsiteX7" y="connsiteY7"/>
-              </a:cxn>
-              <a:cxn ang="0">
-                <a:pos x="connsiteX8" y="connsiteY8"/>
-              </a:cxn>
-              <a:cxn ang="0">
-                <a:pos x="connsiteX9" y="connsiteY9"/>
-              </a:cxn>
-              <a:cxn ang="0">
-                <a:pos x="connsiteX10" y="connsiteY10"/>
-              </a:cxn>
-            </a:cxnLst>
-            <a:rect l="l" t="t" r="r" b="b"/>
-            <a:pathLst>
-              <a:path w="9566296" h="1490093">
-                <a:moveTo>
-                  <a:pt x="0" y="0"/>
-                </a:moveTo>
-                <a:lnTo>
-                  <a:pt x="405267" y="0"/>
-                </a:lnTo>
-                <a:lnTo>
-                  <a:pt x="631857" y="0"/>
-                </a:lnTo>
-                <a:lnTo>
-                  <a:pt x="2451761" y="0"/>
-                </a:lnTo>
-                <a:lnTo>
-                  <a:pt x="2901880" y="0"/>
-                </a:lnTo>
-                <a:lnTo>
-                  <a:pt x="3641106" y="0"/>
-                </a:lnTo>
-                <a:lnTo>
-                  <a:pt x="9566296" y="0"/>
-                </a:lnTo>
-                <a:lnTo>
-                  <a:pt x="8876188" y="1490093"/>
-                </a:lnTo>
-                <a:lnTo>
-                  <a:pt x="631857" y="1490093"/>
-                </a:lnTo>
-                <a:lnTo>
-                  <a:pt x="405267" y="1490093"/>
-                </a:lnTo>
-                <a:lnTo>
-                  <a:pt x="0" y="1490093"/>
-                </a:lnTo>
-                <a:close/>
-              </a:path>
-            </a:pathLst>
-          </a:custGeom>
-          <a:solidFill>
-            <a:schemeClr val="tx1">
-              <a:lumMod val="65000"/>
-              <a:lumOff val="35000"/>
-              <a:alpha val="40000"/>
-            </a:schemeClr>
-          </a:solidFill>
-          <a:ln>
-            <a:noFill/>
-          </a:ln>
-        </p:spPr>
-        <p:style>
-          <a:lnRef idx="2">
-            <a:schemeClr val="accent1">
-              <a:shade val="50000"/>
-            </a:schemeClr>
-          </a:lnRef>
-          <a:fillRef idx="1">
-            <a:schemeClr val="accent1"/>
-          </a:fillRef>
-          <a:effectRef idx="0">
-            <a:schemeClr val="accent1"/>
-          </a:effectRef>
-          <a:fontRef idx="minor">
-            <a:schemeClr val="lt1"/>
-          </a:fontRef>
-        </p:style>
-        <p:txBody>
-          <a:bodyPr rot="0" spcFirstLastPara="0" vertOverflow="overflow" horzOverflow="overflow" vert="horz" wrap="square" lIns="91440" tIns="45720" rIns="91440" bIns="45720" numCol="1" spcCol="0" rtlCol="0" fromWordArt="0" anchor="ctr" anchorCtr="0" forceAA="0" compatLnSpc="1">
-            <a:prstTxWarp prst="textNoShape">
-              <a:avLst/>
-            </a:prstTxWarp>
-            <a:noAutofit/>
-          </a:bodyPr>
-          <a:lstStyle/>
-          <a:p>
-            <a:pPr algn="ctr"/>
-            <a:endParaRPr lang="en-US"/>
-          </a:p>
-        </p:txBody>
-      </p:sp>
-      <p:sp>
-        <p:nvSpPr>
           <p:cNvPr id="13316" name="Rectangle 2"/>
           <p:cNvSpPr>
             <a:spLocks noGrp="1" noChangeArrowheads="1"/>
@@ -13487,6 +12881,25 @@
               <a:t>Hoe afronden?</a:t>
             </a:r>
             <a:endParaRPr lang="nl-NL" dirty="0"/>
+          </a:p>
+        </p:txBody>
+      </p:sp>
+      <p:sp>
+        <p:nvSpPr>
+          <p:cNvPr id="4" name="Tijdelijke aanduiding voor voettekst 3"/>
+          <p:cNvSpPr>
+            <a:spLocks noGrp="1"/>
+          </p:cNvSpPr>
+          <p:nvPr>
+            <p:ph type="ftr" sz="quarter" idx="11"/>
+          </p:nvPr>
+        </p:nvSpPr>
+        <p:spPr/>
+        <p:txBody>
+          <a:bodyPr/>
+          <a:lstStyle/>
+          <a:p>
+            <a:endParaRPr lang="nl-BE" dirty="0"/>
           </a:p>
         </p:txBody>
       </p:sp>
@@ -13539,25 +12952,6 @@
                 </a:schemeClr>
               </a:solidFill>
             </a:endParaRPr>
-          </a:p>
-        </p:txBody>
-      </p:sp>
-      <p:sp>
-        <p:nvSpPr>
-          <p:cNvPr id="4" name="Tijdelijke aanduiding voor voettekst 3"/>
-          <p:cNvSpPr>
-            <a:spLocks noGrp="1"/>
-          </p:cNvSpPr>
-          <p:nvPr>
-            <p:ph type="ftr" sz="quarter" idx="11"/>
-          </p:nvPr>
-        </p:nvSpPr>
-        <p:spPr/>
-        <p:txBody>
-          <a:bodyPr/>
-          <a:lstStyle/>
-          <a:p>
-            <a:endParaRPr lang="nl-BE" dirty="0"/>
           </a:p>
         </p:txBody>
       </p:sp>
@@ -13603,7 +12997,7 @@
 </file>
 
 <file path=ppt/theme/theme1.xml><?xml version="1.0" encoding="utf-8"?>
-<a:theme xmlns:a="http://schemas.openxmlformats.org/drawingml/2006/main" name="Kantoorthema">
+<a:theme xmlns:a="http://schemas.openxmlformats.org/drawingml/2006/main" name="ziescherpthemappt">
   <a:themeElements>
     <a:clrScheme name="Office">
       <a:dk1>
@@ -13643,110 +13037,16 @@
         <a:srgbClr val="954F72"/>
       </a:folHlink>
     </a:clrScheme>
-    <a:fontScheme name="Office">
+    <a:fontScheme name="Aangepast 1">
       <a:majorFont>
-        <a:latin typeface="Calibri Light" panose="020F0302020204030204"/>
+        <a:latin typeface="Archivo Narrow"/>
         <a:ea typeface=""/>
         <a:cs typeface=""/>
-        <a:font script="Jpan" typeface="游ゴシック Light"/>
-        <a:font script="Hang" typeface="맑은 고딕"/>
-        <a:font script="Hans" typeface="等线 Light"/>
-        <a:font script="Hant" typeface="新細明體"/>
-        <a:font script="Arab" typeface="Times New Roman"/>
-        <a:font script="Hebr" typeface="Times New Roman"/>
-        <a:font script="Thai" typeface="Angsana New"/>
-        <a:font script="Ethi" typeface="Nyala"/>
-        <a:font script="Beng" typeface="Vrinda"/>
-        <a:font script="Gujr" typeface="Shruti"/>
-        <a:font script="Khmr" typeface="MoolBoran"/>
-        <a:font script="Knda" typeface="Tunga"/>
-        <a:font script="Guru" typeface="Raavi"/>
-        <a:font script="Cans" typeface="Euphemia"/>
-        <a:font script="Cher" typeface="Plantagenet Cherokee"/>
-        <a:font script="Yiii" typeface="Microsoft Yi Baiti"/>
-        <a:font script="Tibt" typeface="Microsoft Himalaya"/>
-        <a:font script="Thaa" typeface="MV Boli"/>
-        <a:font script="Deva" typeface="Mangal"/>
-        <a:font script="Telu" typeface="Gautami"/>
-        <a:font script="Taml" typeface="Latha"/>
-        <a:font script="Syrc" typeface="Estrangelo Edessa"/>
-        <a:font script="Orya" typeface="Kalinga"/>
-        <a:font script="Mlym" typeface="Kartika"/>
-        <a:font script="Laoo" typeface="DokChampa"/>
-        <a:font script="Sinh" typeface="Iskoola Pota"/>
-        <a:font script="Mong" typeface="Mongolian Baiti"/>
-        <a:font script="Viet" typeface="Times New Roman"/>
-        <a:font script="Uigh" typeface="Microsoft Uighur"/>
-        <a:font script="Geor" typeface="Sylfaen"/>
-        <a:font script="Armn" typeface="Arial"/>
-        <a:font script="Bugi" typeface="Leelawadee UI"/>
-        <a:font script="Bopo" typeface="Microsoft JhengHei"/>
-        <a:font script="Java" typeface="Javanese Text"/>
-        <a:font script="Lisu" typeface="Segoe UI"/>
-        <a:font script="Mymr" typeface="Myanmar Text"/>
-        <a:font script="Nkoo" typeface="Ebrima"/>
-        <a:font script="Olck" typeface="Nirmala UI"/>
-        <a:font script="Osma" typeface="Ebrima"/>
-        <a:font script="Phag" typeface="Phagspa"/>
-        <a:font script="Syrn" typeface="Estrangelo Edessa"/>
-        <a:font script="Syrj" typeface="Estrangelo Edessa"/>
-        <a:font script="Syre" typeface="Estrangelo Edessa"/>
-        <a:font script="Sora" typeface="Nirmala UI"/>
-        <a:font script="Tale" typeface="Microsoft Tai Le"/>
-        <a:font script="Talu" typeface="Microsoft New Tai Lue"/>
-        <a:font script="Tfng" typeface="Ebrima"/>
       </a:majorFont>
       <a:minorFont>
-        <a:latin typeface="Calibri" panose="020F0502020204030204"/>
+        <a:latin typeface="Blogger Sans"/>
         <a:ea typeface=""/>
         <a:cs typeface=""/>
-        <a:font script="Jpan" typeface="游ゴシック"/>
-        <a:font script="Hang" typeface="맑은 고딕"/>
-        <a:font script="Hans" typeface="等线"/>
-        <a:font script="Hant" typeface="新細明體"/>
-        <a:font script="Arab" typeface="Arial"/>
-        <a:font script="Hebr" typeface="Arial"/>
-        <a:font script="Thai" typeface="Cordia New"/>
-        <a:font script="Ethi" typeface="Nyala"/>
-        <a:font script="Beng" typeface="Vrinda"/>
-        <a:font script="Gujr" typeface="Shruti"/>
-        <a:font script="Khmr" typeface="DaunPenh"/>
-        <a:font script="Knda" typeface="Tunga"/>
-        <a:font script="Guru" typeface="Raavi"/>
-        <a:font script="Cans" typeface="Euphemia"/>
-        <a:font script="Cher" typeface="Plantagenet Cherokee"/>
-        <a:font script="Yiii" typeface="Microsoft Yi Baiti"/>
-        <a:font script="Tibt" typeface="Microsoft Himalaya"/>
-        <a:font script="Thaa" typeface="MV Boli"/>
-        <a:font script="Deva" typeface="Mangal"/>
-        <a:font script="Telu" typeface="Gautami"/>
-        <a:font script="Taml" typeface="Latha"/>
-        <a:font script="Syrc" typeface="Estrangelo Edessa"/>
-        <a:font script="Orya" typeface="Kalinga"/>
-        <a:font script="Mlym" typeface="Kartika"/>
-        <a:font script="Laoo" typeface="DokChampa"/>
-        <a:font script="Sinh" typeface="Iskoola Pota"/>
-        <a:font script="Mong" typeface="Mongolian Baiti"/>
-        <a:font script="Viet" typeface="Arial"/>
-        <a:font script="Uigh" typeface="Microsoft Uighur"/>
-        <a:font script="Geor" typeface="Sylfaen"/>
-        <a:font script="Armn" typeface="Arial"/>
-        <a:font script="Bugi" typeface="Leelawadee UI"/>
-        <a:font script="Bopo" typeface="Microsoft JhengHei"/>
-        <a:font script="Java" typeface="Javanese Text"/>
-        <a:font script="Lisu" typeface="Segoe UI"/>
-        <a:font script="Mymr" typeface="Myanmar Text"/>
-        <a:font script="Nkoo" typeface="Ebrima"/>
-        <a:font script="Olck" typeface="Nirmala UI"/>
-        <a:font script="Osma" typeface="Ebrima"/>
-        <a:font script="Phag" typeface="Phagspa"/>
-        <a:font script="Syrn" typeface="Estrangelo Edessa"/>
-        <a:font script="Syrj" typeface="Estrangelo Edessa"/>
-        <a:font script="Syre" typeface="Estrangelo Edessa"/>
-        <a:font script="Sora" typeface="Nirmala UI"/>
-        <a:font script="Tale" typeface="Microsoft Tai Le"/>
-        <a:font script="Talu" typeface="Microsoft New Tai Lue"/>
-        <a:font script="Tfng" typeface="Ebrima"/>
       </a:minorFont>
     </a:fontScheme>
     <a:fmtScheme name="Office">
@@ -13891,7 +13191,7 @@
   <a:extraClrSchemeLst/>
   <a:extLst>
     <a:ext uri="{05A4C25C-085E-4340-85A3-A5531E510DB2}">
-      <thm15:themeFamily xmlns:thm15="http://schemas.microsoft.com/office/thememl/2012/main" name="Office Theme" id="{62F939B6-93AF-4DB8-9C6B-D6C7DFDC589F}" vid="{4A3C46E8-61CC-4603-A589-7422A47A8E4A}"/>
+      <thm15:themeFamily xmlns:thm15="http://schemas.microsoft.com/office/thememl/2012/main" name="ziescherpthemappt" id="{1E4A7A97-E1A8-4455-8CC9-149647988B7E}" vid="{955D22B0-FB40-4B6D-9E24-0A5565CBC636}"/>
     </a:ext>
   </a:extLst>
 </a:theme>

--- a/_SLIDES/DEEL1/H3/6_math.pptx
+++ b/_SLIDES/DEEL1/H3/6_math.pptx
@@ -5,10 +5,10 @@
     <p:sldMasterId id="2147483684" r:id="rId1"/>
   </p:sldMasterIdLst>
   <p:notesMasterIdLst>
-    <p:notesMasterId r:id="rId19"/>
+    <p:notesMasterId r:id="rId22"/>
   </p:notesMasterIdLst>
   <p:handoutMasterIdLst>
-    <p:handoutMasterId r:id="rId20"/>
+    <p:handoutMasterId r:id="rId23"/>
   </p:handoutMasterIdLst>
   <p:sldIdLst>
     <p:sldId id="293" r:id="rId2"/>
@@ -28,34 +28,37 @@
     <p:sldId id="285" r:id="rId16"/>
     <p:sldId id="286" r:id="rId17"/>
     <p:sldId id="287" r:id="rId18"/>
+    <p:sldId id="294" r:id="rId19"/>
+    <p:sldId id="2012" r:id="rId20"/>
+    <p:sldId id="2011" r:id="rId21"/>
   </p:sldIdLst>
   <p:sldSz cx="12192000" cy="6858000"/>
   <p:notesSz cx="7099300" cy="10234613"/>
   <p:embeddedFontLst>
     <p:embeddedFont>
       <p:font typeface="Archivo Narrow" panose="020B0506020202020B04" pitchFamily="34" charset="0"/>
-      <p:regular r:id="rId21"/>
-      <p:bold r:id="rId22"/>
-      <p:italic r:id="rId23"/>
+      <p:regular r:id="rId24"/>
+      <p:bold r:id="rId25"/>
+      <p:italic r:id="rId26"/>
     </p:embeddedFont>
     <p:embeddedFont>
       <p:font typeface="Blogger Sans" panose="02000506030000020004" pitchFamily="50" charset="0"/>
-      <p:regular r:id="rId24"/>
-      <p:bold r:id="rId25"/>
+      <p:regular r:id="rId27"/>
+      <p:bold r:id="rId28"/>
     </p:embeddedFont>
     <p:embeddedFont>
       <p:font typeface="Calibri" panose="020F0502020204030204" pitchFamily="34" charset="0"/>
-      <p:regular r:id="rId26"/>
-      <p:bold r:id="rId27"/>
-      <p:italic r:id="rId28"/>
-      <p:boldItalic r:id="rId29"/>
+      <p:regular r:id="rId29"/>
+      <p:bold r:id="rId30"/>
+      <p:italic r:id="rId31"/>
+      <p:boldItalic r:id="rId32"/>
     </p:embeddedFont>
     <p:embeddedFont>
       <p:font typeface="Consolas" panose="020B0609020204030204" pitchFamily="49" charset="0"/>
-      <p:regular r:id="rId30"/>
-      <p:bold r:id="rId31"/>
-      <p:italic r:id="rId32"/>
-      <p:boldItalic r:id="rId33"/>
+      <p:regular r:id="rId33"/>
+      <p:bold r:id="rId34"/>
+      <p:italic r:id="rId35"/>
+      <p:boldItalic r:id="rId36"/>
     </p:embeddedFont>
   </p:embeddedFontLst>
   <p:defaultTextStyle>
@@ -8017,8 +8020,20 @@
           <a:p>
             <a:r>
               <a:rPr lang="nl-BE" dirty="0"/>
-              <a:t>3. Math-bib en berekeningen</a:t>
-            </a:r>
+              <a:t>3. Berekeningen </a:t>
+            </a:r>
+            <a:br>
+              <a:rPr lang="nl-BE" dirty="0"/>
+            </a:br>
+            <a:r>
+              <a:rPr lang="nl-BE" dirty="0"/>
+              <a:t>met </a:t>
+            </a:r>
+            <a:r>
+              <a:rPr lang="nl-BE" dirty="0" err="1"/>
+              <a:t>System.Math</a:t>
+            </a:r>
+            <a:endParaRPr lang="nl-BE" dirty="0"/>
           </a:p>
         </p:txBody>
       </p:sp>
@@ -8043,7 +8058,10 @@
           <a:bodyPr/>
           <a:lstStyle/>
           <a:p>
-            <a:endParaRPr lang="nl-BE"/>
+            <a:r>
+              <a:rPr lang="nl-BE" dirty="0"/>
+              <a:t>H4. Werken met Data</a:t>
+            </a:r>
           </a:p>
         </p:txBody>
       </p:sp>
@@ -11003,8 +11021,8 @@
         </p:nvSpPr>
         <p:spPr>
           <a:xfrm>
-            <a:off x="3045368" y="2043663"/>
-            <a:ext cx="6105194" cy="2031055"/>
+            <a:off x="2082736" y="1767754"/>
+            <a:ext cx="8743194" cy="2031055"/>
           </a:xfrm>
         </p:spPr>
         <p:txBody>
@@ -11014,12 +11032,12 @@
           <a:lstStyle/>
           <a:p>
             <a:r>
-              <a:rPr lang="nl-BE">
+              <a:rPr lang="nl-BE" dirty="0">
                 <a:solidFill>
                   <a:srgbClr val="FFFFFF"/>
                 </a:solidFill>
               </a:rPr>
-              <a:t>Random</a:t>
+              <a:t>4. Random getallen genereren</a:t>
             </a:r>
           </a:p>
         </p:txBody>
@@ -11052,11 +11070,14 @@
           </a:bodyPr>
           <a:lstStyle/>
           <a:p>
-            <a:endParaRPr lang="nl-BE">
-              <a:solidFill>
-                <a:srgbClr val="FFFFFF"/>
-              </a:solidFill>
-            </a:endParaRPr>
+            <a:r>
+              <a:rPr lang="nl-BE" dirty="0">
+                <a:solidFill>
+                  <a:srgbClr val="FFFFFF"/>
+                </a:solidFill>
+              </a:rPr>
+              <a:t>H4. Werken met data</a:t>
+            </a:r>
           </a:p>
         </p:txBody>
       </p:sp>
@@ -11181,11 +11202,7 @@
           <a:lstStyle/>
           <a:p>
             <a:r>
-              <a:rPr lang="nl-BE">
-                <a:solidFill>
-                  <a:srgbClr val="FFFFFF"/>
-                </a:solidFill>
-              </a:rPr>
+              <a:rPr lang="nl-BE" dirty="0"/>
               <a:t>3 willekeurige getallen maken</a:t>
             </a:r>
           </a:p>
@@ -11620,6 +11637,409 @@
     <p:extLst>
       <p:ext uri="{BB962C8B-B14F-4D97-AF65-F5344CB8AC3E}">
         <p14:creationId xmlns:p14="http://schemas.microsoft.com/office/powerpoint/2010/main" val="991757780"/>
+      </p:ext>
+    </p:extLst>
+  </p:cSld>
+  <p:clrMapOvr>
+    <a:masterClrMapping/>
+  </p:clrMapOvr>
+</p:sld>
+</file>
+
+<file path=ppt/slides/slide18.xml><?xml version="1.0" encoding="utf-8"?>
+<p:sld xmlns:a="http://schemas.openxmlformats.org/drawingml/2006/main" xmlns:r="http://schemas.openxmlformats.org/officeDocument/2006/relationships" xmlns:p="http://schemas.openxmlformats.org/presentationml/2006/main">
+  <p:cSld>
+    <p:spTree>
+      <p:nvGrpSpPr>
+        <p:cNvPr id="1" name=""/>
+        <p:cNvGrpSpPr/>
+        <p:nvPr/>
+      </p:nvGrpSpPr>
+      <p:grpSpPr>
+        <a:xfrm>
+          <a:off x="0" y="0"/>
+          <a:ext cx="0" cy="0"/>
+          <a:chOff x="0" y="0"/>
+          <a:chExt cx="0" cy="0"/>
+        </a:xfrm>
+      </p:grpSpPr>
+      <p:sp>
+        <p:nvSpPr>
+          <p:cNvPr id="2" name="Titel 1">
+            <a:extLst>
+              <a:ext uri="{FF2B5EF4-FFF2-40B4-BE49-F238E27FC236}">
+                <a16:creationId xmlns:a16="http://schemas.microsoft.com/office/drawing/2014/main" id="{4FE2015D-D1D2-4C82-9E37-060A38D3F75B}"/>
+              </a:ext>
+            </a:extLst>
+          </p:cNvPr>
+          <p:cNvSpPr>
+            <a:spLocks noGrp="1"/>
+          </p:cNvSpPr>
+          <p:nvPr>
+            <p:ph type="title"/>
+          </p:nvPr>
+        </p:nvSpPr>
+        <p:spPr/>
+        <p:txBody>
+          <a:bodyPr/>
+          <a:lstStyle/>
+          <a:p>
+            <a:r>
+              <a:rPr lang="nl-BE" dirty="0"/>
+              <a:t>Kommagetallen genereren</a:t>
+            </a:r>
+          </a:p>
+        </p:txBody>
+      </p:sp>
+      <p:sp>
+        <p:nvSpPr>
+          <p:cNvPr id="3" name="Tijdelijke aanduiding voor inhoud 2">
+            <a:extLst>
+              <a:ext uri="{FF2B5EF4-FFF2-40B4-BE49-F238E27FC236}">
+                <a16:creationId xmlns:a16="http://schemas.microsoft.com/office/drawing/2014/main" id="{288F5D9B-15FD-4EAC-A722-CF810D4E2322}"/>
+              </a:ext>
+            </a:extLst>
+          </p:cNvPr>
+          <p:cNvSpPr>
+            <a:spLocks noGrp="1"/>
+          </p:cNvSpPr>
+          <p:nvPr>
+            <p:ph idx="1"/>
+          </p:nvPr>
+        </p:nvSpPr>
+        <p:spPr/>
+        <p:txBody>
+          <a:bodyPr/>
+          <a:lstStyle/>
+          <a:p>
+            <a:r>
+              <a:rPr lang="nl-BE" dirty="0" err="1"/>
+              <a:t>NextDouble</a:t>
+            </a:r>
+            <a:r>
+              <a:rPr lang="nl-BE" dirty="0"/>
+              <a:t>() : enkel getal tussen 0 en 1.</a:t>
+            </a:r>
+          </a:p>
+          <a:p>
+            <a:pPr lvl="1"/>
+            <a:r>
+              <a:rPr lang="nl-BE" dirty="0"/>
+              <a:t>Je moet dus zelf range aanpassen nadien indien gewenst</a:t>
+            </a:r>
+          </a:p>
+          <a:p>
+            <a:pPr lvl="1"/>
+            <a:endParaRPr lang="nl-BE" dirty="0"/>
+          </a:p>
+          <a:p>
+            <a:pPr lvl="1"/>
+            <a:endParaRPr lang="nl-BE" dirty="0"/>
+          </a:p>
+          <a:p>
+            <a:pPr lvl="1"/>
+            <a:endParaRPr lang="nl-BE" dirty="0"/>
+          </a:p>
+          <a:p>
+            <a:r>
+              <a:rPr lang="nl-BE" dirty="0"/>
+              <a:t>Voorbeeld: “Getal tussen 5.0 en 12.5”</a:t>
+            </a:r>
+          </a:p>
+        </p:txBody>
+      </p:sp>
+      <p:sp>
+        <p:nvSpPr>
+          <p:cNvPr id="4" name="Tijdelijke aanduiding voor voettekst 3">
+            <a:extLst>
+              <a:ext uri="{FF2B5EF4-FFF2-40B4-BE49-F238E27FC236}">
+                <a16:creationId xmlns:a16="http://schemas.microsoft.com/office/drawing/2014/main" id="{FB58C9B3-1A4B-4811-A2C2-80E3EE543BBA}"/>
+              </a:ext>
+            </a:extLst>
+          </p:cNvPr>
+          <p:cNvSpPr>
+            <a:spLocks noGrp="1"/>
+          </p:cNvSpPr>
+          <p:nvPr>
+            <p:ph type="ftr" sz="quarter" idx="11"/>
+          </p:nvPr>
+        </p:nvSpPr>
+        <p:spPr/>
+        <p:txBody>
+          <a:bodyPr/>
+          <a:lstStyle/>
+          <a:p>
+            <a:r>
+              <a:rPr lang="nl-BE"/>
+              <a:t>Zie Scherp</a:t>
+            </a:r>
+            <a:endParaRPr lang="nl-BE" dirty="0"/>
+          </a:p>
+        </p:txBody>
+      </p:sp>
+      <p:sp>
+        <p:nvSpPr>
+          <p:cNvPr id="5" name="Tijdelijke aanduiding voor dianummer 4">
+            <a:extLst>
+              <a:ext uri="{FF2B5EF4-FFF2-40B4-BE49-F238E27FC236}">
+                <a16:creationId xmlns:a16="http://schemas.microsoft.com/office/drawing/2014/main" id="{9245FFFD-DA08-4120-B18D-4B2963959614}"/>
+              </a:ext>
+            </a:extLst>
+          </p:cNvPr>
+          <p:cNvSpPr>
+            <a:spLocks noGrp="1"/>
+          </p:cNvSpPr>
+          <p:nvPr>
+            <p:ph type="sldNum" sz="quarter" idx="12"/>
+          </p:nvPr>
+        </p:nvSpPr>
+        <p:spPr/>
+        <p:txBody>
+          <a:bodyPr/>
+          <a:lstStyle/>
+          <a:p>
+            <a:fld id="{E8A62353-F7CD-46ED-8877-B27D0E33FCF8}" type="slidenum">
+              <a:rPr lang="nl-BE" smtClean="0"/>
+              <a:t>18</a:t>
+            </a:fld>
+            <a:endParaRPr lang="nl-BE"/>
+          </a:p>
+        </p:txBody>
+      </p:sp>
+      <p:pic>
+        <p:nvPicPr>
+          <p:cNvPr id="6" name="Afbeelding 5">
+            <a:extLst>
+              <a:ext uri="{FF2B5EF4-FFF2-40B4-BE49-F238E27FC236}">
+                <a16:creationId xmlns:a16="http://schemas.microsoft.com/office/drawing/2014/main" id="{45F1EAE4-D188-419E-9CE1-D7011B895EBE}"/>
+              </a:ext>
+            </a:extLst>
+          </p:cNvPr>
+          <p:cNvPicPr>
+            <a:picLocks noChangeAspect="1"/>
+          </p:cNvPicPr>
+          <p:nvPr/>
+        </p:nvPicPr>
+        <p:blipFill>
+          <a:blip r:embed="rId2"/>
+          <a:stretch>
+            <a:fillRect/>
+          </a:stretch>
+        </p:blipFill>
+        <p:spPr>
+          <a:xfrm>
+            <a:off x="2279576" y="4581128"/>
+            <a:ext cx="8424938" cy="936104"/>
+          </a:xfrm>
+          <a:prstGeom prst="rect">
+            <a:avLst/>
+          </a:prstGeom>
+        </p:spPr>
+      </p:pic>
+    </p:spTree>
+    <p:extLst>
+      <p:ext uri="{BB962C8B-B14F-4D97-AF65-F5344CB8AC3E}">
+        <p14:creationId xmlns:p14="http://schemas.microsoft.com/office/powerpoint/2010/main" val="3938797648"/>
+      </p:ext>
+    </p:extLst>
+  </p:cSld>
+  <p:clrMapOvr>
+    <a:masterClrMapping/>
+  </p:clrMapOvr>
+</p:sld>
+</file>
+
+<file path=ppt/slides/slide19.xml><?xml version="1.0" encoding="utf-8"?>
+<p:sld xmlns:a="http://schemas.openxmlformats.org/drawingml/2006/main" xmlns:r="http://schemas.openxmlformats.org/officeDocument/2006/relationships" xmlns:p="http://schemas.openxmlformats.org/presentationml/2006/main">
+  <p:cSld>
+    <p:spTree>
+      <p:nvGrpSpPr>
+        <p:cNvPr id="1" name=""/>
+        <p:cNvGrpSpPr/>
+        <p:nvPr/>
+      </p:nvGrpSpPr>
+      <p:grpSpPr>
+        <a:xfrm>
+          <a:off x="0" y="0"/>
+          <a:ext cx="0" cy="0"/>
+          <a:chOff x="0" y="0"/>
+          <a:chExt cx="0" cy="0"/>
+        </a:xfrm>
+      </p:grpSpPr>
+      <p:sp>
+        <p:nvSpPr>
+          <p:cNvPr id="2" name="Titel 1">
+            <a:extLst>
+              <a:ext uri="{FF2B5EF4-FFF2-40B4-BE49-F238E27FC236}">
+                <a16:creationId xmlns:a16="http://schemas.microsoft.com/office/drawing/2014/main" id="{F4F2EE3E-7C87-4E3F-8B69-8CF062F44AE1}"/>
+              </a:ext>
+            </a:extLst>
+          </p:cNvPr>
+          <p:cNvSpPr>
+            <a:spLocks noGrp="1"/>
+          </p:cNvSpPr>
+          <p:nvPr>
+            <p:ph type="title"/>
+          </p:nvPr>
+        </p:nvSpPr>
+        <p:spPr/>
+        <p:txBody>
+          <a:bodyPr/>
+          <a:lstStyle/>
+          <a:p>
+            <a:r>
+              <a:rPr lang="nl-BE" dirty="0"/>
+              <a:t>Over </a:t>
+            </a:r>
+            <a:r>
+              <a:rPr lang="nl-BE" dirty="0" err="1"/>
+              <a:t>seeds</a:t>
+            </a:r>
+            <a:r>
+              <a:rPr lang="nl-BE" dirty="0"/>
+              <a:t> en </a:t>
+            </a:r>
+            <a:r>
+              <a:rPr lang="nl-BE"/>
+              <a:t>zelfde getallen</a:t>
+            </a:r>
+          </a:p>
+        </p:txBody>
+      </p:sp>
+      <p:sp>
+        <p:nvSpPr>
+          <p:cNvPr id="3" name="Tijdelijke aanduiding voor inhoud 2">
+            <a:extLst>
+              <a:ext uri="{FF2B5EF4-FFF2-40B4-BE49-F238E27FC236}">
+                <a16:creationId xmlns:a16="http://schemas.microsoft.com/office/drawing/2014/main" id="{972A70DC-0DCF-4871-A5A6-C392F5B4328A}"/>
+              </a:ext>
+            </a:extLst>
+          </p:cNvPr>
+          <p:cNvSpPr>
+            <a:spLocks noGrp="1"/>
+          </p:cNvSpPr>
+          <p:nvPr>
+            <p:ph idx="1"/>
+          </p:nvPr>
+        </p:nvSpPr>
+        <p:spPr/>
+        <p:txBody>
+          <a:bodyPr/>
+          <a:lstStyle/>
+          <a:p>
+            <a:endParaRPr lang="nl-BE"/>
+          </a:p>
+        </p:txBody>
+      </p:sp>
+      <p:sp>
+        <p:nvSpPr>
+          <p:cNvPr id="4" name="Tijdelijke aanduiding voor voettekst 3">
+            <a:extLst>
+              <a:ext uri="{FF2B5EF4-FFF2-40B4-BE49-F238E27FC236}">
+                <a16:creationId xmlns:a16="http://schemas.microsoft.com/office/drawing/2014/main" id="{815B7607-71D8-4E55-9351-86E4B7DFC1FC}"/>
+              </a:ext>
+            </a:extLst>
+          </p:cNvPr>
+          <p:cNvSpPr>
+            <a:spLocks noGrp="1"/>
+          </p:cNvSpPr>
+          <p:nvPr>
+            <p:ph type="ftr" sz="quarter" idx="11"/>
+          </p:nvPr>
+        </p:nvSpPr>
+        <p:spPr/>
+        <p:txBody>
+          <a:bodyPr/>
+          <a:lstStyle/>
+          <a:p>
+            <a:r>
+              <a:rPr lang="nl-BE"/>
+              <a:t>Zie Scherp</a:t>
+            </a:r>
+            <a:endParaRPr lang="nl-BE" dirty="0"/>
+          </a:p>
+        </p:txBody>
+      </p:sp>
+      <p:sp>
+        <p:nvSpPr>
+          <p:cNvPr id="5" name="Tijdelijke aanduiding voor dianummer 4">
+            <a:extLst>
+              <a:ext uri="{FF2B5EF4-FFF2-40B4-BE49-F238E27FC236}">
+                <a16:creationId xmlns:a16="http://schemas.microsoft.com/office/drawing/2014/main" id="{6B856DCD-589A-43F3-B54F-BEC935884EB0}"/>
+              </a:ext>
+            </a:extLst>
+          </p:cNvPr>
+          <p:cNvSpPr>
+            <a:spLocks noGrp="1"/>
+          </p:cNvSpPr>
+          <p:nvPr>
+            <p:ph type="sldNum" sz="quarter" idx="12"/>
+          </p:nvPr>
+        </p:nvSpPr>
+        <p:spPr/>
+        <p:txBody>
+          <a:bodyPr/>
+          <a:lstStyle/>
+          <a:p>
+            <a:fld id="{E8A62353-F7CD-46ED-8877-B27D0E33FCF8}" type="slidenum">
+              <a:rPr lang="nl-BE" smtClean="0"/>
+              <a:t>19</a:t>
+            </a:fld>
+            <a:endParaRPr lang="nl-BE"/>
+          </a:p>
+        </p:txBody>
+      </p:sp>
+      <p:pic>
+        <p:nvPicPr>
+          <p:cNvPr id="1026" name="Picture 2">
+            <a:extLst>
+              <a:ext uri="{FF2B5EF4-FFF2-40B4-BE49-F238E27FC236}">
+                <a16:creationId xmlns:a16="http://schemas.microsoft.com/office/drawing/2014/main" id="{C61706DB-768D-4A87-848A-36733F428A3A}"/>
+              </a:ext>
+            </a:extLst>
+          </p:cNvPr>
+          <p:cNvPicPr>
+            <a:picLocks noChangeAspect="1" noChangeArrowheads="1"/>
+          </p:cNvPicPr>
+          <p:nvPr/>
+        </p:nvPicPr>
+        <p:blipFill>
+          <a:blip r:embed="rId2">
+            <a:extLst>
+              <a:ext uri="{28A0092B-C50C-407E-A947-70E740481C1C}">
+                <a14:useLocalDpi xmlns:a14="http://schemas.microsoft.com/office/drawing/2010/main" val="0"/>
+              </a:ext>
+            </a:extLst>
+          </a:blip>
+          <a:srcRect/>
+          <a:stretch>
+            <a:fillRect/>
+          </a:stretch>
+        </p:blipFill>
+        <p:spPr bwMode="auto">
+          <a:xfrm>
+            <a:off x="6904509" y="105205"/>
+            <a:ext cx="4449291" cy="7003827"/>
+          </a:xfrm>
+          <a:prstGeom prst="rect">
+            <a:avLst/>
+          </a:prstGeom>
+          <a:noFill/>
+          <a:extLst>
+            <a:ext uri="{909E8E84-426E-40DD-AFC4-6F175D3DCCD1}">
+              <a14:hiddenFill xmlns:a14="http://schemas.microsoft.com/office/drawing/2010/main">
+                <a:solidFill>
+                  <a:srgbClr val="FFFFFF"/>
+                </a:solidFill>
+              </a14:hiddenFill>
+            </a:ext>
+          </a:extLst>
+        </p:spPr>
+      </p:pic>
+    </p:spTree>
+    <p:extLst>
+      <p:ext uri="{BB962C8B-B14F-4D97-AF65-F5344CB8AC3E}">
+        <p14:creationId xmlns:p14="http://schemas.microsoft.com/office/powerpoint/2010/main" val="3461087083"/>
       </p:ext>
     </p:extLst>
   </p:cSld>
@@ -11684,16 +12104,26 @@
           <a:p>
             <a:pPr algn="ctr"/>
             <a:r>
-              <a:rPr lang="en-US" kern="1200">
-                <a:solidFill>
-                  <a:srgbClr val="FFFFFF"/>
-                </a:solidFill>
+              <a:rPr lang="en-US" kern="1200" dirty="0">
                 <a:latin typeface="+mj-lt"/>
                 <a:ea typeface="+mj-ea"/>
                 <a:cs typeface="+mj-cs"/>
               </a:rPr>
-              <a:t>Math-bibliotheek</a:t>
-            </a:r>
+              <a:t>Math-</a:t>
+            </a:r>
+            <a:r>
+              <a:rPr lang="en-US" kern="1200" dirty="0" err="1">
+                <a:latin typeface="+mj-lt"/>
+                <a:ea typeface="+mj-ea"/>
+                <a:cs typeface="+mj-cs"/>
+              </a:rPr>
+              <a:t>bibliotheek</a:t>
+            </a:r>
+            <a:endParaRPr lang="en-US" kern="1200" dirty="0">
+              <a:latin typeface="+mj-lt"/>
+              <a:ea typeface="+mj-ea"/>
+              <a:cs typeface="+mj-cs"/>
+            </a:endParaRPr>
           </a:p>
         </p:txBody>
       </p:sp>
@@ -11726,9 +12156,9 @@
           <a:lstStyle/>
           <a:p>
             <a:pPr algn="ctr"/>
-            <a:endParaRPr lang="en-US" sz="2400" kern="1200">
+            <a:endParaRPr lang="en-US" sz="2400" kern="1200" dirty="0">
               <a:solidFill>
-                <a:srgbClr val="FFFFFF"/>
+                <a:schemeClr val="tx1"/>
               </a:solidFill>
               <a:latin typeface="+mn-lt"/>
               <a:ea typeface="+mn-ea"/>
@@ -11795,6 +12225,215 @@
     <p:extLst>
       <p:ext uri="{BB962C8B-B14F-4D97-AF65-F5344CB8AC3E}">
         <p14:creationId xmlns:p14="http://schemas.microsoft.com/office/powerpoint/2010/main" val="339713281"/>
+      </p:ext>
+    </p:extLst>
+  </p:cSld>
+  <p:clrMapOvr>
+    <a:masterClrMapping/>
+  </p:clrMapOvr>
+</p:sld>
+</file>
+
+<file path=ppt/slides/slide20.xml><?xml version="1.0" encoding="utf-8"?>
+<p:sld xmlns:a="http://schemas.openxmlformats.org/drawingml/2006/main" xmlns:r="http://schemas.openxmlformats.org/officeDocument/2006/relationships" xmlns:p="http://schemas.openxmlformats.org/presentationml/2006/main">
+  <p:cSld>
+    <p:spTree>
+      <p:nvGrpSpPr>
+        <p:cNvPr id="1" name=""/>
+        <p:cNvGrpSpPr/>
+        <p:nvPr/>
+      </p:nvGrpSpPr>
+      <p:grpSpPr>
+        <a:xfrm>
+          <a:off x="0" y="0"/>
+          <a:ext cx="0" cy="0"/>
+          <a:chOff x="0" y="0"/>
+          <a:chExt cx="0" cy="0"/>
+        </a:xfrm>
+      </p:grpSpPr>
+      <p:sp>
+        <p:nvSpPr>
+          <p:cNvPr id="2" name="Titel 1">
+            <a:extLst>
+              <a:ext uri="{FF2B5EF4-FFF2-40B4-BE49-F238E27FC236}">
+                <a16:creationId xmlns:a16="http://schemas.microsoft.com/office/drawing/2014/main" id="{DEA37EB1-D991-4BD1-B2A4-3FAA24191CB2}"/>
+              </a:ext>
+            </a:extLst>
+          </p:cNvPr>
+          <p:cNvSpPr>
+            <a:spLocks noGrp="1"/>
+          </p:cNvSpPr>
+          <p:nvPr>
+            <p:ph type="title"/>
+          </p:nvPr>
+        </p:nvSpPr>
+        <p:spPr/>
+        <p:txBody>
+          <a:bodyPr/>
+          <a:lstStyle/>
+          <a:p>
+            <a:r>
+              <a:rPr lang="nl-BE" dirty="0"/>
+              <a:t>Demo time</a:t>
+            </a:r>
+          </a:p>
+        </p:txBody>
+      </p:sp>
+      <p:sp>
+        <p:nvSpPr>
+          <p:cNvPr id="3" name="Tijdelijke aanduiding voor inhoud 2">
+            <a:extLst>
+              <a:ext uri="{FF2B5EF4-FFF2-40B4-BE49-F238E27FC236}">
+                <a16:creationId xmlns:a16="http://schemas.microsoft.com/office/drawing/2014/main" id="{0C497EC5-0E53-451E-9A6A-6A7435CDBDF4}"/>
+              </a:ext>
+            </a:extLst>
+          </p:cNvPr>
+          <p:cNvSpPr>
+            <a:spLocks noGrp="1"/>
+          </p:cNvSpPr>
+          <p:nvPr>
+            <p:ph idx="1"/>
+          </p:nvPr>
+        </p:nvSpPr>
+        <p:spPr/>
+        <p:txBody>
+          <a:bodyPr/>
+          <a:lstStyle/>
+          <a:p>
+            <a:r>
+              <a:rPr lang="nl-BE" dirty="0"/>
+              <a:t>Random</a:t>
+            </a:r>
+          </a:p>
+          <a:p>
+            <a:r>
+              <a:rPr lang="nl-BE" dirty="0"/>
+              <a:t>Komma getallen met Random</a:t>
+            </a:r>
+          </a:p>
+          <a:p>
+            <a:r>
+              <a:rPr lang="nl-BE" dirty="0"/>
+              <a:t>Zelfde getallen?</a:t>
+            </a:r>
+          </a:p>
+          <a:p>
+            <a:endParaRPr lang="nl-BE" dirty="0"/>
+          </a:p>
+          <a:p>
+            <a:endParaRPr lang="nl-BE" dirty="0"/>
+          </a:p>
+        </p:txBody>
+      </p:sp>
+      <p:sp>
+        <p:nvSpPr>
+          <p:cNvPr id="4" name="Tijdelijke aanduiding voor voettekst 3">
+            <a:extLst>
+              <a:ext uri="{FF2B5EF4-FFF2-40B4-BE49-F238E27FC236}">
+                <a16:creationId xmlns:a16="http://schemas.microsoft.com/office/drawing/2014/main" id="{D096920B-D69A-472B-950F-3005BC5B29F5}"/>
+              </a:ext>
+            </a:extLst>
+          </p:cNvPr>
+          <p:cNvSpPr>
+            <a:spLocks noGrp="1"/>
+          </p:cNvSpPr>
+          <p:nvPr>
+            <p:ph type="ftr" sz="quarter" idx="11"/>
+          </p:nvPr>
+        </p:nvSpPr>
+        <p:spPr/>
+        <p:txBody>
+          <a:bodyPr/>
+          <a:lstStyle/>
+          <a:p>
+            <a:r>
+              <a:rPr lang="nl-BE"/>
+              <a:t>Zie scherp</a:t>
+            </a:r>
+            <a:endParaRPr lang="nl-BE" dirty="0"/>
+          </a:p>
+        </p:txBody>
+      </p:sp>
+      <p:pic>
+        <p:nvPicPr>
+          <p:cNvPr id="2050" name="Picture 2">
+            <a:extLst>
+              <a:ext uri="{FF2B5EF4-FFF2-40B4-BE49-F238E27FC236}">
+                <a16:creationId xmlns:a16="http://schemas.microsoft.com/office/drawing/2014/main" id="{10ACCB77-444E-4CE2-8971-A6B218E6DB4A}"/>
+              </a:ext>
+            </a:extLst>
+          </p:cNvPr>
+          <p:cNvPicPr>
+            <a:picLocks noChangeAspect="1" noChangeArrowheads="1"/>
+          </p:cNvPicPr>
+          <p:nvPr/>
+        </p:nvPicPr>
+        <p:blipFill>
+          <a:blip r:embed="rId2">
+            <a:extLst>
+              <a:ext uri="{28A0092B-C50C-407E-A947-70E740481C1C}">
+                <a14:useLocalDpi xmlns:a14="http://schemas.microsoft.com/office/drawing/2010/main" val="0"/>
+              </a:ext>
+            </a:extLst>
+          </a:blip>
+          <a:srcRect/>
+          <a:stretch>
+            <a:fillRect/>
+          </a:stretch>
+        </p:blipFill>
+        <p:spPr bwMode="auto">
+          <a:xfrm>
+            <a:off x="6494388" y="-353661"/>
+            <a:ext cx="5088012" cy="7565321"/>
+          </a:xfrm>
+          <a:prstGeom prst="rect">
+            <a:avLst/>
+          </a:prstGeom>
+          <a:noFill/>
+          <a:extLst>
+            <a:ext uri="{909E8E84-426E-40DD-AFC4-6F175D3DCCD1}">
+              <a14:hiddenFill xmlns:a14="http://schemas.microsoft.com/office/drawing/2010/main">
+                <a:solidFill>
+                  <a:srgbClr val="FFFFFF"/>
+                </a:solidFill>
+              </a14:hiddenFill>
+            </a:ext>
+          </a:extLst>
+        </p:spPr>
+      </p:pic>
+      <p:sp>
+        <p:nvSpPr>
+          <p:cNvPr id="6" name="Tijdelijke aanduiding voor dianummer 5">
+            <a:extLst>
+              <a:ext uri="{FF2B5EF4-FFF2-40B4-BE49-F238E27FC236}">
+                <a16:creationId xmlns:a16="http://schemas.microsoft.com/office/drawing/2014/main" id="{4C2D247D-CB46-42C2-BD5D-0E3892A4FBC5}"/>
+              </a:ext>
+            </a:extLst>
+          </p:cNvPr>
+          <p:cNvSpPr>
+            <a:spLocks noGrp="1"/>
+          </p:cNvSpPr>
+          <p:nvPr>
+            <p:ph type="sldNum" sz="quarter" idx="12"/>
+          </p:nvPr>
+        </p:nvSpPr>
+        <p:spPr/>
+        <p:txBody>
+          <a:bodyPr/>
+          <a:lstStyle/>
+          <a:p>
+            <a:fld id="{E8A62353-F7CD-46ED-8877-B27D0E33FCF8}" type="slidenum">
+              <a:rPr lang="nl-BE" smtClean="0"/>
+              <a:t>20</a:t>
+            </a:fld>
+            <a:endParaRPr lang="nl-BE"/>
+          </a:p>
+        </p:txBody>
+      </p:sp>
+    </p:spTree>
+    <p:extLst>
+      <p:ext uri="{BB962C8B-B14F-4D97-AF65-F5344CB8AC3E}">
+        <p14:creationId xmlns:p14="http://schemas.microsoft.com/office/powerpoint/2010/main" val="3777222418"/>
       </p:ext>
     </p:extLst>
   </p:cSld>
@@ -12046,7 +12685,7 @@
           <a:bodyPr/>
           <a:lstStyle/>
           <a:p>
-            <a:endParaRPr lang="nl-BE"/>
+            <a:endParaRPr lang="nl-BE" dirty="0"/>
           </a:p>
         </p:txBody>
       </p:sp>
@@ -12107,10 +12746,18 @@
           <a:lstStyle/>
           <a:p>
             <a:fld id="{E8A62353-F7CD-46ED-8877-B27D0E33FCF8}" type="slidenum">
-              <a:rPr lang="nl-BE" smtClean="0"/>
+              <a:rPr lang="nl-BE" smtClean="0">
+                <a:solidFill>
+                  <a:schemeClr val="tx1"/>
+                </a:solidFill>
+              </a:rPr>
               <a:t>4</a:t>
             </a:fld>
-            <a:endParaRPr lang="nl-BE"/>
+            <a:endParaRPr lang="nl-BE">
+              <a:solidFill>
+                <a:schemeClr val="tx1"/>
+              </a:solidFill>
+            </a:endParaRPr>
           </a:p>
         </p:txBody>
       </p:sp>
@@ -12157,7 +12804,11 @@
           <a:lstStyle/>
           <a:p>
             <a:pPr algn="ctr"/>
-            <a:endParaRPr lang="nl-BE"/>
+            <a:endParaRPr lang="nl-BE" dirty="0">
+              <a:solidFill>
+                <a:schemeClr val="tx1"/>
+              </a:solidFill>
+            </a:endParaRPr>
           </a:p>
         </p:txBody>
       </p:sp>
@@ -12212,7 +12863,7 @@
           <a:bodyPr/>
           <a:lstStyle/>
           <a:p>
-            <a:endParaRPr lang="nl-BE"/>
+            <a:endParaRPr lang="nl-BE" dirty="0"/>
           </a:p>
         </p:txBody>
       </p:sp>
@@ -12709,16 +13360,18 @@
           <a:p>
             <a:pPr algn="ctr"/>
             <a:r>
-              <a:rPr lang="en-US" kern="1200">
-                <a:solidFill>
-                  <a:srgbClr val="FFFFFF"/>
-                </a:solidFill>
+              <a:rPr lang="en-US" kern="1200" dirty="0" err="1">
                 <a:latin typeface="+mj-lt"/>
                 <a:ea typeface="+mj-ea"/>
                 <a:cs typeface="+mj-cs"/>
               </a:rPr>
               <a:t>Afronden</a:t>
             </a:r>
+            <a:endParaRPr lang="en-US" kern="1200" dirty="0">
+              <a:latin typeface="+mj-lt"/>
+              <a:ea typeface="+mj-ea"/>
+              <a:cs typeface="+mj-cs"/>
+            </a:endParaRPr>
           </a:p>
         </p:txBody>
       </p:sp>
@@ -12751,7 +13404,7 @@
           <a:lstStyle/>
           <a:p>
             <a:pPr algn="ctr"/>
-            <a:endParaRPr lang="en-US" sz="2400" kern="1200">
+            <a:endParaRPr lang="en-US" sz="2400" kern="1200" dirty="0">
               <a:solidFill>
                 <a:srgbClr val="FFFFFF"/>
               </a:solidFill>
